--- a/presentation.pptx
+++ b/presentation.pptx
@@ -9,8 +9,8 @@
     <p:sldId id="257" r:id="rId3"/>
     <p:sldId id="265" r:id="rId4"/>
     <p:sldId id="266" r:id="rId5"/>
-    <p:sldId id="258" r:id="rId6"/>
-    <p:sldId id="260" r:id="rId7"/>
+    <p:sldId id="260" r:id="rId6"/>
+    <p:sldId id="258" r:id="rId7"/>
     <p:sldId id="259" r:id="rId8"/>
     <p:sldId id="262" r:id="rId9"/>
     <p:sldId id="263" r:id="rId10"/>
@@ -114,6 +114,11 @@
       </a:defRPr>
     </a:lvl9pPr>
   </p:defaultTextStyle>
+  <p:extLst>
+    <p:ext uri="{EFAFB233-063F-42B5-8137-9DF3F51BA10A}">
+      <p15:sldGuideLst xmlns:p15="http://schemas.microsoft.com/office/powerpoint/2012/main"/>
+    </p:ext>
+  </p:extLst>
 </p:presentation>
 </file>
 
@@ -264,7 +269,7 @@
           <a:p>
             <a:fld id="{8DAA02D2-C3EC-4A23-88E4-9A9F1D4614A7}" type="datetimeFigureOut">
               <a:rPr lang="en-US" smtClean="0"/>
-              <a:t>4/20/2024</a:t>
+              <a:t>4/22/2024</a:t>
             </a:fld>
             <a:endParaRPr lang="en-US"/>
           </a:p>
@@ -462,7 +467,7 @@
           <a:p>
             <a:fld id="{8DAA02D2-C3EC-4A23-88E4-9A9F1D4614A7}" type="datetimeFigureOut">
               <a:rPr lang="en-US" smtClean="0"/>
-              <a:t>4/20/2024</a:t>
+              <a:t>4/22/2024</a:t>
             </a:fld>
             <a:endParaRPr lang="en-US"/>
           </a:p>
@@ -670,7 +675,7 @@
           <a:p>
             <a:fld id="{8DAA02D2-C3EC-4A23-88E4-9A9F1D4614A7}" type="datetimeFigureOut">
               <a:rPr lang="en-US" smtClean="0"/>
-              <a:t>4/20/2024</a:t>
+              <a:t>4/22/2024</a:t>
             </a:fld>
             <a:endParaRPr lang="en-US"/>
           </a:p>
@@ -868,7 +873,7 @@
           <a:p>
             <a:fld id="{8DAA02D2-C3EC-4A23-88E4-9A9F1D4614A7}" type="datetimeFigureOut">
               <a:rPr lang="en-US" smtClean="0"/>
-              <a:t>4/20/2024</a:t>
+              <a:t>4/22/2024</a:t>
             </a:fld>
             <a:endParaRPr lang="en-US"/>
           </a:p>
@@ -1143,7 +1148,7 @@
           <a:p>
             <a:fld id="{8DAA02D2-C3EC-4A23-88E4-9A9F1D4614A7}" type="datetimeFigureOut">
               <a:rPr lang="en-US" smtClean="0"/>
-              <a:t>4/20/2024</a:t>
+              <a:t>4/22/2024</a:t>
             </a:fld>
             <a:endParaRPr lang="en-US"/>
           </a:p>
@@ -1408,7 +1413,7 @@
           <a:p>
             <a:fld id="{8DAA02D2-C3EC-4A23-88E4-9A9F1D4614A7}" type="datetimeFigureOut">
               <a:rPr lang="en-US" smtClean="0"/>
-              <a:t>4/20/2024</a:t>
+              <a:t>4/22/2024</a:t>
             </a:fld>
             <a:endParaRPr lang="en-US"/>
           </a:p>
@@ -1820,7 +1825,7 @@
           <a:p>
             <a:fld id="{8DAA02D2-C3EC-4A23-88E4-9A9F1D4614A7}" type="datetimeFigureOut">
               <a:rPr lang="en-US" smtClean="0"/>
-              <a:t>4/20/2024</a:t>
+              <a:t>4/22/2024</a:t>
             </a:fld>
             <a:endParaRPr lang="en-US"/>
           </a:p>
@@ -1961,7 +1966,7 @@
           <a:p>
             <a:fld id="{8DAA02D2-C3EC-4A23-88E4-9A9F1D4614A7}" type="datetimeFigureOut">
               <a:rPr lang="en-US" smtClean="0"/>
-              <a:t>4/20/2024</a:t>
+              <a:t>4/22/2024</a:t>
             </a:fld>
             <a:endParaRPr lang="en-US"/>
           </a:p>
@@ -2074,7 +2079,7 @@
           <a:p>
             <a:fld id="{8DAA02D2-C3EC-4A23-88E4-9A9F1D4614A7}" type="datetimeFigureOut">
               <a:rPr lang="en-US" smtClean="0"/>
-              <a:t>4/20/2024</a:t>
+              <a:t>4/22/2024</a:t>
             </a:fld>
             <a:endParaRPr lang="en-US"/>
           </a:p>
@@ -2385,7 +2390,7 @@
           <a:p>
             <a:fld id="{8DAA02D2-C3EC-4A23-88E4-9A9F1D4614A7}" type="datetimeFigureOut">
               <a:rPr lang="en-US" smtClean="0"/>
-              <a:t>4/20/2024</a:t>
+              <a:t>4/22/2024</a:t>
             </a:fld>
             <a:endParaRPr lang="en-US"/>
           </a:p>
@@ -2673,7 +2678,7 @@
           <a:p>
             <a:fld id="{8DAA02D2-C3EC-4A23-88E4-9A9F1D4614A7}" type="datetimeFigureOut">
               <a:rPr lang="en-US" smtClean="0"/>
-              <a:t>4/20/2024</a:t>
+              <a:t>4/22/2024</a:t>
             </a:fld>
             <a:endParaRPr lang="en-US"/>
           </a:p>
@@ -2914,7 +2919,7 @@
           <a:p>
             <a:fld id="{8DAA02D2-C3EC-4A23-88E4-9A9F1D4614A7}" type="datetimeFigureOut">
               <a:rPr lang="en-US" smtClean="0"/>
-              <a:t>4/20/2024</a:t>
+              <a:t>4/22/2024</a:t>
             </a:fld>
             <a:endParaRPr lang="en-US"/>
           </a:p>
@@ -4813,39 +4818,45 @@
       </p:grpSpPr>
       <p:sp>
         <p:nvSpPr>
-          <p:cNvPr id="2" name="Title 1">
-            <a:extLst>
-              <a:ext uri="{FF2B5EF4-FFF2-40B4-BE49-F238E27FC236}">
-                <a16:creationId xmlns:a16="http://schemas.microsoft.com/office/drawing/2014/main" id="{0A05021D-26CB-295B-E8C5-FE5F1F9DBB02}"/>
-              </a:ext>
-            </a:extLst>
-          </p:cNvPr>
-          <p:cNvSpPr>
-            <a:spLocks noGrp="1"/>
-          </p:cNvSpPr>
-          <p:nvPr>
-            <p:ph type="title"/>
-          </p:nvPr>
-        </p:nvSpPr>
-        <p:spPr/>
-        <p:txBody>
-          <a:bodyPr/>
-          <a:lstStyle/>
-          <a:p>
-            <a:r>
-              <a:rPr lang="en-US" dirty="0" err="1"/>
-              <a:t>MedMNIST</a:t>
-            </a:r>
-            <a:endParaRPr lang="en-US" dirty="0"/>
+          <p:cNvPr id="3" name="Content Placeholder 2">
+            <a:extLst>
+              <a:ext uri="{FF2B5EF4-FFF2-40B4-BE49-F238E27FC236}">
+                <a16:creationId xmlns:a16="http://schemas.microsoft.com/office/drawing/2014/main" id="{BE3379B0-CD39-6C15-EAED-0C6B6A357F03}"/>
+              </a:ext>
+            </a:extLst>
+          </p:cNvPr>
+          <p:cNvSpPr>
+            <a:spLocks noGrp="1"/>
+          </p:cNvSpPr>
+          <p:nvPr>
+            <p:ph idx="1"/>
+          </p:nvPr>
+        </p:nvSpPr>
+        <p:spPr>
+          <a:xfrm>
+            <a:off x="682557" y="661480"/>
+            <a:ext cx="10515600" cy="787840"/>
+          </a:xfrm>
+        </p:spPr>
+        <p:txBody>
+          <a:bodyPr>
+            <a:normAutofit lnSpcReduction="10000"/>
+          </a:bodyPr>
+          <a:lstStyle/>
+          <a:p>
+            <a:r>
+              <a:rPr lang="en-US" dirty="0"/>
+              <a:t>SENet finds attention values for each color channel of an image to reduce noise.</a:t>
+            </a:r>
           </a:p>
         </p:txBody>
       </p:sp>
       <p:pic>
         <p:nvPicPr>
-          <p:cNvPr id="11" name="Picture 10" descr="A collage of multiple squares of pink and white cells&#10;&#10;Description automatically generated">
-            <a:extLst>
-              <a:ext uri="{FF2B5EF4-FFF2-40B4-BE49-F238E27FC236}">
-                <a16:creationId xmlns:a16="http://schemas.microsoft.com/office/drawing/2014/main" id="{AA9E0C80-FDF1-3E5A-E8A6-076A907F31C3}"/>
+          <p:cNvPr id="5" name="Picture 4">
+            <a:extLst>
+              <a:ext uri="{FF2B5EF4-FFF2-40B4-BE49-F238E27FC236}">
+                <a16:creationId xmlns:a16="http://schemas.microsoft.com/office/drawing/2014/main" id="{77EC2E36-9014-0677-1E9E-EA89B445AE09}"/>
               </a:ext>
             </a:extLst>
           </p:cNvPr>
@@ -4855,101 +4866,25 @@
           <p:nvPr/>
         </p:nvPicPr>
         <p:blipFill>
-          <a:blip r:embed="rId2">
-            <a:extLst>
-              <a:ext uri="{28A0092B-C50C-407E-A947-70E740481C1C}">
-                <a14:useLocalDpi xmlns:a14="http://schemas.microsoft.com/office/drawing/2010/main" val="0"/>
-              </a:ext>
-            </a:extLst>
-          </a:blip>
+          <a:blip r:embed="rId2"/>
           <a:stretch>
             <a:fillRect/>
           </a:stretch>
         </p:blipFill>
         <p:spPr>
           <a:xfrm>
-            <a:off x="0" y="1194881"/>
-            <a:ext cx="12192000" cy="4876800"/>
+            <a:off x="0" y="2434013"/>
+            <a:ext cx="12192000" cy="3526943"/>
           </a:xfrm>
           <a:prstGeom prst="rect">
             <a:avLst/>
           </a:prstGeom>
         </p:spPr>
       </p:pic>
-      <p:sp>
-        <p:nvSpPr>
-          <p:cNvPr id="12" name="TextBox 11">
-            <a:extLst>
-              <a:ext uri="{FF2B5EF4-FFF2-40B4-BE49-F238E27FC236}">
-                <a16:creationId xmlns:a16="http://schemas.microsoft.com/office/drawing/2014/main" id="{D553FF60-110A-5893-83DC-5C8F440FCE9C}"/>
-              </a:ext>
-            </a:extLst>
-          </p:cNvPr>
-          <p:cNvSpPr txBox="1"/>
-          <p:nvPr/>
-        </p:nvSpPr>
-        <p:spPr>
-          <a:xfrm>
-            <a:off x="209146" y="2402412"/>
-            <a:ext cx="933855" cy="369332"/>
-          </a:xfrm>
-          <a:prstGeom prst="rect">
-            <a:avLst/>
-          </a:prstGeom>
-          <a:noFill/>
-        </p:spPr>
-        <p:txBody>
-          <a:bodyPr wrap="square" rtlCol="0">
-            <a:spAutoFit/>
-          </a:bodyPr>
-          <a:lstStyle/>
-          <a:p>
-            <a:r>
-              <a:rPr lang="en-US" dirty="0"/>
-              <a:t>28x28</a:t>
-            </a:r>
-          </a:p>
-        </p:txBody>
-      </p:sp>
-      <p:sp>
-        <p:nvSpPr>
-          <p:cNvPr id="13" name="TextBox 12">
-            <a:extLst>
-              <a:ext uri="{FF2B5EF4-FFF2-40B4-BE49-F238E27FC236}">
-                <a16:creationId xmlns:a16="http://schemas.microsoft.com/office/drawing/2014/main" id="{F5562E02-8F56-72E6-6316-CECCB47EC37C}"/>
-              </a:ext>
-            </a:extLst>
-          </p:cNvPr>
-          <p:cNvSpPr txBox="1"/>
-          <p:nvPr/>
-        </p:nvSpPr>
-        <p:spPr>
-          <a:xfrm>
-            <a:off x="145915" y="4455588"/>
-            <a:ext cx="1034375" cy="369332"/>
-          </a:xfrm>
-          <a:prstGeom prst="rect">
-            <a:avLst/>
-          </a:prstGeom>
-          <a:noFill/>
-        </p:spPr>
-        <p:txBody>
-          <a:bodyPr wrap="square" rtlCol="0">
-            <a:spAutoFit/>
-          </a:bodyPr>
-          <a:lstStyle/>
-          <a:p>
-            <a:r>
-              <a:rPr lang="en-US" dirty="0"/>
-              <a:t>224x224</a:t>
-            </a:r>
-          </a:p>
-        </p:txBody>
-      </p:sp>
     </p:spTree>
     <p:extLst>
       <p:ext uri="{BB962C8B-B14F-4D97-AF65-F5344CB8AC3E}">
-        <p14:creationId xmlns:p14="http://schemas.microsoft.com/office/powerpoint/2010/main" val="1634943828"/>
+        <p14:creationId xmlns:p14="http://schemas.microsoft.com/office/powerpoint/2010/main" val="3088566947"/>
       </p:ext>
     </p:extLst>
   </p:cSld>
@@ -4978,45 +4913,109 @@
       </p:grpSpPr>
       <p:sp>
         <p:nvSpPr>
-          <p:cNvPr id="3" name="Content Placeholder 2">
-            <a:extLst>
-              <a:ext uri="{FF2B5EF4-FFF2-40B4-BE49-F238E27FC236}">
-                <a16:creationId xmlns:a16="http://schemas.microsoft.com/office/drawing/2014/main" id="{BE3379B0-CD39-6C15-EAED-0C6B6A357F03}"/>
-              </a:ext>
-            </a:extLst>
-          </p:cNvPr>
-          <p:cNvSpPr>
-            <a:spLocks noGrp="1"/>
-          </p:cNvSpPr>
-          <p:nvPr>
-            <p:ph idx="1"/>
-          </p:nvPr>
+          <p:cNvPr id="2" name="Title 1">
+            <a:extLst>
+              <a:ext uri="{FF2B5EF4-FFF2-40B4-BE49-F238E27FC236}">
+                <a16:creationId xmlns:a16="http://schemas.microsoft.com/office/drawing/2014/main" id="{0A05021D-26CB-295B-E8C5-FE5F1F9DBB02}"/>
+              </a:ext>
+            </a:extLst>
+          </p:cNvPr>
+          <p:cNvSpPr>
+            <a:spLocks noGrp="1"/>
+          </p:cNvSpPr>
+          <p:nvPr>
+            <p:ph type="title"/>
+          </p:nvPr>
+        </p:nvSpPr>
+        <p:spPr/>
+        <p:txBody>
+          <a:bodyPr/>
+          <a:lstStyle/>
+          <a:p>
+            <a:r>
+              <a:rPr lang="en-US" dirty="0" err="1"/>
+              <a:t>MedMNIST</a:t>
+            </a:r>
+            <a:endParaRPr lang="en-US" dirty="0"/>
+          </a:p>
+        </p:txBody>
+      </p:sp>
+      <p:sp>
+        <p:nvSpPr>
+          <p:cNvPr id="12" name="TextBox 11">
+            <a:extLst>
+              <a:ext uri="{FF2B5EF4-FFF2-40B4-BE49-F238E27FC236}">
+                <a16:creationId xmlns:a16="http://schemas.microsoft.com/office/drawing/2014/main" id="{D553FF60-110A-5893-83DC-5C8F440FCE9C}"/>
+              </a:ext>
+            </a:extLst>
+          </p:cNvPr>
+          <p:cNvSpPr txBox="1"/>
+          <p:nvPr/>
         </p:nvSpPr>
         <p:spPr>
           <a:xfrm>
-            <a:off x="682557" y="661480"/>
-            <a:ext cx="10515600" cy="787840"/>
+            <a:off x="209146" y="2402412"/>
+            <a:ext cx="933855" cy="369332"/>
           </a:xfrm>
+          <a:prstGeom prst="rect">
+            <a:avLst/>
+          </a:prstGeom>
+          <a:noFill/>
         </p:spPr>
         <p:txBody>
-          <a:bodyPr>
-            <a:normAutofit lnSpcReduction="10000"/>
+          <a:bodyPr wrap="square" rtlCol="0">
+            <a:spAutoFit/>
           </a:bodyPr>
           <a:lstStyle/>
           <a:p>
             <a:r>
               <a:rPr lang="en-US" dirty="0"/>
-              <a:t>SENet finds attention values for each color channel of an image to reduce noise.</a:t>
+              <a:t>28x28</a:t>
+            </a:r>
+          </a:p>
+        </p:txBody>
+      </p:sp>
+      <p:sp>
+        <p:nvSpPr>
+          <p:cNvPr id="13" name="TextBox 12">
+            <a:extLst>
+              <a:ext uri="{FF2B5EF4-FFF2-40B4-BE49-F238E27FC236}">
+                <a16:creationId xmlns:a16="http://schemas.microsoft.com/office/drawing/2014/main" id="{F5562E02-8F56-72E6-6316-CECCB47EC37C}"/>
+              </a:ext>
+            </a:extLst>
+          </p:cNvPr>
+          <p:cNvSpPr txBox="1"/>
+          <p:nvPr/>
+        </p:nvSpPr>
+        <p:spPr>
+          <a:xfrm>
+            <a:off x="145915" y="4455588"/>
+            <a:ext cx="1034375" cy="369332"/>
+          </a:xfrm>
+          <a:prstGeom prst="rect">
+            <a:avLst/>
+          </a:prstGeom>
+          <a:noFill/>
+        </p:spPr>
+        <p:txBody>
+          <a:bodyPr wrap="square" rtlCol="0">
+            <a:spAutoFit/>
+          </a:bodyPr>
+          <a:lstStyle/>
+          <a:p>
+            <a:r>
+              <a:rPr lang="en-US" dirty="0"/>
+              <a:t>224x224</a:t>
             </a:r>
           </a:p>
         </p:txBody>
       </p:sp>
       <p:pic>
         <p:nvPicPr>
-          <p:cNvPr id="5" name="Picture 4">
-            <a:extLst>
-              <a:ext uri="{FF2B5EF4-FFF2-40B4-BE49-F238E27FC236}">
-                <a16:creationId xmlns:a16="http://schemas.microsoft.com/office/drawing/2014/main" id="{77EC2E36-9014-0677-1E9E-EA89B445AE09}"/>
+          <p:cNvPr id="4" name="Picture 3" descr="A collage of multiple squares of pink and white cells&#10;&#10;Description automatically generated">
+            <a:extLst>
+              <a:ext uri="{FF2B5EF4-FFF2-40B4-BE49-F238E27FC236}">
+                <a16:creationId xmlns:a16="http://schemas.microsoft.com/office/drawing/2014/main" id="{8A524385-96F1-BA26-F6EF-008195690123}"/>
               </a:ext>
             </a:extLst>
           </p:cNvPr>
@@ -5026,15 +5025,21 @@
           <p:nvPr/>
         </p:nvPicPr>
         <p:blipFill>
-          <a:blip r:embed="rId2"/>
+          <a:blip r:embed="rId2">
+            <a:extLst>
+              <a:ext uri="{28A0092B-C50C-407E-A947-70E740481C1C}">
+                <a14:useLocalDpi xmlns:a14="http://schemas.microsoft.com/office/drawing/2010/main" val="0"/>
+              </a:ext>
+            </a:extLst>
+          </a:blip>
           <a:stretch>
             <a:fillRect/>
           </a:stretch>
         </p:blipFill>
         <p:spPr>
           <a:xfrm>
-            <a:off x="0" y="2434013"/>
-            <a:ext cx="12192000" cy="3526943"/>
+            <a:off x="0" y="1160283"/>
+            <a:ext cx="12192000" cy="4876800"/>
           </a:xfrm>
           <a:prstGeom prst="rect">
             <a:avLst/>
@@ -5044,7 +5049,7 @@
     </p:spTree>
     <p:extLst>
       <p:ext uri="{BB962C8B-B14F-4D97-AF65-F5344CB8AC3E}">
-        <p14:creationId xmlns:p14="http://schemas.microsoft.com/office/powerpoint/2010/main" val="3088566947"/>
+        <p14:creationId xmlns:p14="http://schemas.microsoft.com/office/powerpoint/2010/main" val="1634943828"/>
       </p:ext>
     </p:extLst>
   </p:cSld>

--- a/presentation.pptx
+++ b/presentation.pptx
@@ -6,16 +6,18 @@
   </p:sldMasterIdLst>
   <p:sldIdLst>
     <p:sldId id="256" r:id="rId2"/>
-    <p:sldId id="257" r:id="rId3"/>
-    <p:sldId id="265" r:id="rId4"/>
-    <p:sldId id="266" r:id="rId5"/>
+    <p:sldId id="267" r:id="rId3"/>
+    <p:sldId id="266" r:id="rId4"/>
+    <p:sldId id="258" r:id="rId5"/>
     <p:sldId id="260" r:id="rId6"/>
-    <p:sldId id="258" r:id="rId7"/>
-    <p:sldId id="259" r:id="rId8"/>
+    <p:sldId id="259" r:id="rId7"/>
+    <p:sldId id="269" r:id="rId8"/>
     <p:sldId id="262" r:id="rId9"/>
-    <p:sldId id="263" r:id="rId10"/>
-    <p:sldId id="261" r:id="rId11"/>
-    <p:sldId id="264" r:id="rId12"/>
+    <p:sldId id="270" r:id="rId10"/>
+    <p:sldId id="263" r:id="rId11"/>
+    <p:sldId id="261" r:id="rId12"/>
+    <p:sldId id="271" r:id="rId13"/>
+    <p:sldId id="264" r:id="rId14"/>
   </p:sldIdLst>
   <p:sldSz cx="12192000" cy="6858000"/>
   <p:notesSz cx="6858000" cy="9144000"/>
@@ -269,7 +271,7 @@
           <a:p>
             <a:fld id="{8DAA02D2-C3EC-4A23-88E4-9A9F1D4614A7}" type="datetimeFigureOut">
               <a:rPr lang="en-US" smtClean="0"/>
-              <a:t>4/22/2024</a:t>
+              <a:t>4/23/2024</a:t>
             </a:fld>
             <a:endParaRPr lang="en-US"/>
           </a:p>
@@ -467,7 +469,7 @@
           <a:p>
             <a:fld id="{8DAA02D2-C3EC-4A23-88E4-9A9F1D4614A7}" type="datetimeFigureOut">
               <a:rPr lang="en-US" smtClean="0"/>
-              <a:t>4/22/2024</a:t>
+              <a:t>4/23/2024</a:t>
             </a:fld>
             <a:endParaRPr lang="en-US"/>
           </a:p>
@@ -675,7 +677,7 @@
           <a:p>
             <a:fld id="{8DAA02D2-C3EC-4A23-88E4-9A9F1D4614A7}" type="datetimeFigureOut">
               <a:rPr lang="en-US" smtClean="0"/>
-              <a:t>4/22/2024</a:t>
+              <a:t>4/23/2024</a:t>
             </a:fld>
             <a:endParaRPr lang="en-US"/>
           </a:p>
@@ -873,7 +875,7 @@
           <a:p>
             <a:fld id="{8DAA02D2-C3EC-4A23-88E4-9A9F1D4614A7}" type="datetimeFigureOut">
               <a:rPr lang="en-US" smtClean="0"/>
-              <a:t>4/22/2024</a:t>
+              <a:t>4/23/2024</a:t>
             </a:fld>
             <a:endParaRPr lang="en-US"/>
           </a:p>
@@ -1148,7 +1150,7 @@
           <a:p>
             <a:fld id="{8DAA02D2-C3EC-4A23-88E4-9A9F1D4614A7}" type="datetimeFigureOut">
               <a:rPr lang="en-US" smtClean="0"/>
-              <a:t>4/22/2024</a:t>
+              <a:t>4/23/2024</a:t>
             </a:fld>
             <a:endParaRPr lang="en-US"/>
           </a:p>
@@ -1413,7 +1415,7 @@
           <a:p>
             <a:fld id="{8DAA02D2-C3EC-4A23-88E4-9A9F1D4614A7}" type="datetimeFigureOut">
               <a:rPr lang="en-US" smtClean="0"/>
-              <a:t>4/22/2024</a:t>
+              <a:t>4/23/2024</a:t>
             </a:fld>
             <a:endParaRPr lang="en-US"/>
           </a:p>
@@ -1825,7 +1827,7 @@
           <a:p>
             <a:fld id="{8DAA02D2-C3EC-4A23-88E4-9A9F1D4614A7}" type="datetimeFigureOut">
               <a:rPr lang="en-US" smtClean="0"/>
-              <a:t>4/22/2024</a:t>
+              <a:t>4/23/2024</a:t>
             </a:fld>
             <a:endParaRPr lang="en-US"/>
           </a:p>
@@ -1966,7 +1968,7 @@
           <a:p>
             <a:fld id="{8DAA02D2-C3EC-4A23-88E4-9A9F1D4614A7}" type="datetimeFigureOut">
               <a:rPr lang="en-US" smtClean="0"/>
-              <a:t>4/22/2024</a:t>
+              <a:t>4/23/2024</a:t>
             </a:fld>
             <a:endParaRPr lang="en-US"/>
           </a:p>
@@ -2079,7 +2081,7 @@
           <a:p>
             <a:fld id="{8DAA02D2-C3EC-4A23-88E4-9A9F1D4614A7}" type="datetimeFigureOut">
               <a:rPr lang="en-US" smtClean="0"/>
-              <a:t>4/22/2024</a:t>
+              <a:t>4/23/2024</a:t>
             </a:fld>
             <a:endParaRPr lang="en-US"/>
           </a:p>
@@ -2390,7 +2392,7 @@
           <a:p>
             <a:fld id="{8DAA02D2-C3EC-4A23-88E4-9A9F1D4614A7}" type="datetimeFigureOut">
               <a:rPr lang="en-US" smtClean="0"/>
-              <a:t>4/22/2024</a:t>
+              <a:t>4/23/2024</a:t>
             </a:fld>
             <a:endParaRPr lang="en-US"/>
           </a:p>
@@ -2678,7 +2680,7 @@
           <a:p>
             <a:fld id="{8DAA02D2-C3EC-4A23-88E4-9A9F1D4614A7}" type="datetimeFigureOut">
               <a:rPr lang="en-US" smtClean="0"/>
-              <a:t>4/22/2024</a:t>
+              <a:t>4/23/2024</a:t>
             </a:fld>
             <a:endParaRPr lang="en-US"/>
           </a:p>
@@ -2919,7 +2921,7 @@
           <a:p>
             <a:fld id="{8DAA02D2-C3EC-4A23-88E4-9A9F1D4614A7}" type="datetimeFigureOut">
               <a:rPr lang="en-US" smtClean="0"/>
-              <a:t>4/22/2024</a:t>
+              <a:t>4/23/2024</a:t>
             </a:fld>
             <a:endParaRPr lang="en-US"/>
           </a:p>
@@ -3357,7 +3359,10 @@
           <a:bodyPr/>
           <a:lstStyle/>
           <a:p>
-            <a:endParaRPr lang="en-US"/>
+            <a:r>
+              <a:rPr lang="en-US" dirty="0"/>
+              <a:t>Benchmarking Biomedical Image Classification Models</a:t>
+            </a:r>
           </a:p>
         </p:txBody>
       </p:sp>
@@ -3377,12 +3382,36 @@
             <p:ph type="subTitle" idx="1"/>
           </p:nvPr>
         </p:nvSpPr>
-        <p:spPr/>
+        <p:spPr>
+          <a:xfrm>
+            <a:off x="1524000" y="3602038"/>
+            <a:ext cx="9144000" cy="451488"/>
+          </a:xfrm>
+        </p:spPr>
         <p:txBody>
           <a:bodyPr/>
           <a:lstStyle/>
           <a:p>
-            <a:endParaRPr lang="en-US"/>
+            <a:r>
+              <a:rPr lang="en-US" dirty="0"/>
+              <a:t>Charlie Ko, Lars Schimmelpfennig, </a:t>
+            </a:r>
+            <a:r>
+              <a:rPr lang="en-US" dirty="0" err="1"/>
+              <a:t>Xuexuan</a:t>
+            </a:r>
+            <a:r>
+              <a:rPr lang="en-US" dirty="0"/>
+              <a:t> Wang, </a:t>
+            </a:r>
+            <a:r>
+              <a:rPr lang="en-US" dirty="0" err="1"/>
+              <a:t>Chaoyu</a:t>
+            </a:r>
+            <a:r>
+              <a:rPr lang="en-US" dirty="0"/>
+              <a:t> Zhang</a:t>
+            </a:r>
           </a:p>
         </p:txBody>
       </p:sp>
@@ -3418,6 +3447,224 @@
       </p:grpSpPr>
       <p:sp>
         <p:nvSpPr>
+          <p:cNvPr id="4" name="Title 1">
+            <a:extLst>
+              <a:ext uri="{FF2B5EF4-FFF2-40B4-BE49-F238E27FC236}">
+                <a16:creationId xmlns:a16="http://schemas.microsoft.com/office/drawing/2014/main" id="{F8579A63-4C39-11BE-A124-1AC74B6556F3}"/>
+              </a:ext>
+            </a:extLst>
+          </p:cNvPr>
+          <p:cNvSpPr>
+            <a:spLocks noGrp="1"/>
+          </p:cNvSpPr>
+          <p:nvPr>
+            <p:ph type="title"/>
+          </p:nvPr>
+        </p:nvSpPr>
+        <p:spPr>
+          <a:xfrm>
+            <a:off x="838200" y="0"/>
+            <a:ext cx="10515600" cy="836579"/>
+          </a:xfrm>
+        </p:spPr>
+        <p:txBody>
+          <a:bodyPr>
+            <a:normAutofit/>
+          </a:bodyPr>
+          <a:lstStyle/>
+          <a:p>
+            <a:r>
+              <a:rPr lang="en-US" sz="3200" dirty="0"/>
+              <a:t>Training Results - ResNet</a:t>
+            </a:r>
+          </a:p>
+        </p:txBody>
+      </p:sp>
+      <p:pic>
+        <p:nvPicPr>
+          <p:cNvPr id="6" name="Picture 5" descr="A graph of a graph of a graph of a graph of a graph of a graph of a graph of a graph of a graph of a graph of a graph of a graph of a graph of&#10;&#10;Description automatically generated">
+            <a:extLst>
+              <a:ext uri="{FF2B5EF4-FFF2-40B4-BE49-F238E27FC236}">
+                <a16:creationId xmlns:a16="http://schemas.microsoft.com/office/drawing/2014/main" id="{3B7B94FA-FF71-1049-59B3-2B7E06E2099F}"/>
+              </a:ext>
+            </a:extLst>
+          </p:cNvPr>
+          <p:cNvPicPr>
+            <a:picLocks noChangeAspect="1"/>
+          </p:cNvPicPr>
+          <p:nvPr/>
+        </p:nvPicPr>
+        <p:blipFill rotWithShape="1">
+          <a:blip r:embed="rId2">
+            <a:extLst>
+              <a:ext uri="{28A0092B-C50C-407E-A947-70E740481C1C}">
+                <a14:useLocalDpi xmlns:a14="http://schemas.microsoft.com/office/drawing/2010/main" val="0"/>
+              </a:ext>
+            </a:extLst>
+          </a:blip>
+          <a:srcRect t="8862"/>
+          <a:stretch/>
+        </p:blipFill>
+        <p:spPr>
+          <a:xfrm>
+            <a:off x="2540000" y="725745"/>
+            <a:ext cx="7487937" cy="2843474"/>
+          </a:xfrm>
+          <a:prstGeom prst="rect">
+            <a:avLst/>
+          </a:prstGeom>
+        </p:spPr>
+      </p:pic>
+      <p:sp>
+        <p:nvSpPr>
+          <p:cNvPr id="7" name="TextBox 6">
+            <a:extLst>
+              <a:ext uri="{FF2B5EF4-FFF2-40B4-BE49-F238E27FC236}">
+                <a16:creationId xmlns:a16="http://schemas.microsoft.com/office/drawing/2014/main" id="{BC1422A9-4BB5-8991-0A66-6F7B866A6F17}"/>
+              </a:ext>
+            </a:extLst>
+          </p:cNvPr>
+          <p:cNvSpPr txBox="1"/>
+          <p:nvPr/>
+        </p:nvSpPr>
+        <p:spPr>
+          <a:xfrm>
+            <a:off x="731520" y="1501151"/>
+            <a:ext cx="1930400" cy="646331"/>
+          </a:xfrm>
+          <a:prstGeom prst="rect">
+            <a:avLst/>
+          </a:prstGeom>
+          <a:noFill/>
+        </p:spPr>
+        <p:txBody>
+          <a:bodyPr wrap="square" rtlCol="0">
+            <a:spAutoFit/>
+          </a:bodyPr>
+          <a:lstStyle/>
+          <a:p>
+            <a:r>
+              <a:rPr lang="en-US" b="1" dirty="0"/>
+              <a:t>224x224 without SENet</a:t>
+            </a:r>
+          </a:p>
+        </p:txBody>
+      </p:sp>
+      <p:pic>
+        <p:nvPicPr>
+          <p:cNvPr id="9" name="Picture 8" descr="A graph of a graph&#10;&#10;Description automatically generated with medium confidence">
+            <a:extLst>
+              <a:ext uri="{FF2B5EF4-FFF2-40B4-BE49-F238E27FC236}">
+                <a16:creationId xmlns:a16="http://schemas.microsoft.com/office/drawing/2014/main" id="{84B9EB64-71B4-C16C-C70B-2B3CC8D07B1C}"/>
+              </a:ext>
+            </a:extLst>
+          </p:cNvPr>
+          <p:cNvPicPr>
+            <a:picLocks noChangeAspect="1"/>
+          </p:cNvPicPr>
+          <p:nvPr/>
+        </p:nvPicPr>
+        <p:blipFill rotWithShape="1">
+          <a:blip r:embed="rId3">
+            <a:extLst>
+              <a:ext uri="{28A0092B-C50C-407E-A947-70E740481C1C}">
+                <a14:useLocalDpi xmlns:a14="http://schemas.microsoft.com/office/drawing/2010/main" val="0"/>
+              </a:ext>
+            </a:extLst>
+          </a:blip>
+          <a:srcRect t="9482"/>
+          <a:stretch/>
+        </p:blipFill>
+        <p:spPr>
+          <a:xfrm>
+            <a:off x="2362202" y="3583939"/>
+            <a:ext cx="7843531" cy="2958258"/>
+          </a:xfrm>
+          <a:prstGeom prst="rect">
+            <a:avLst/>
+          </a:prstGeom>
+        </p:spPr>
+      </p:pic>
+      <p:sp>
+        <p:nvSpPr>
+          <p:cNvPr id="11" name="TextBox 10">
+            <a:extLst>
+              <a:ext uri="{FF2B5EF4-FFF2-40B4-BE49-F238E27FC236}">
+                <a16:creationId xmlns:a16="http://schemas.microsoft.com/office/drawing/2014/main" id="{E2BA792B-3737-A99F-DCAA-D5B0F81CC434}"/>
+              </a:ext>
+            </a:extLst>
+          </p:cNvPr>
+          <p:cNvSpPr txBox="1"/>
+          <p:nvPr/>
+        </p:nvSpPr>
+        <p:spPr>
+          <a:xfrm>
+            <a:off x="731520" y="4682510"/>
+            <a:ext cx="2164080" cy="1754326"/>
+          </a:xfrm>
+          <a:prstGeom prst="rect">
+            <a:avLst/>
+          </a:prstGeom>
+          <a:noFill/>
+        </p:spPr>
+        <p:txBody>
+          <a:bodyPr wrap="square">
+            <a:spAutoFit/>
+          </a:bodyPr>
+          <a:lstStyle/>
+          <a:p>
+            <a:r>
+              <a:rPr lang="en-US" b="1" dirty="0"/>
+              <a:t>224x224 with SENet</a:t>
+            </a:r>
+          </a:p>
+          <a:p>
+            <a:endParaRPr lang="en-US" b="1" dirty="0"/>
+          </a:p>
+          <a:p>
+            <a:pPr marL="285750" indent="-285750">
+              <a:buFont typeface="Arial" panose="020B0604020202020204" pitchFamily="34" charset="0"/>
+              <a:buChar char="•"/>
+            </a:pPr>
+            <a:r>
+              <a:rPr lang="en-US" dirty="0"/>
+              <a:t>SENet provides improvements with ResNet</a:t>
+            </a:r>
+          </a:p>
+        </p:txBody>
+      </p:sp>
+    </p:spTree>
+    <p:extLst>
+      <p:ext uri="{BB962C8B-B14F-4D97-AF65-F5344CB8AC3E}">
+        <p14:creationId xmlns:p14="http://schemas.microsoft.com/office/powerpoint/2010/main" val="3113043071"/>
+      </p:ext>
+    </p:extLst>
+  </p:cSld>
+  <p:clrMapOvr>
+    <a:masterClrMapping/>
+  </p:clrMapOvr>
+</p:sld>
+</file>
+
+<file path=ppt/slides/slide11.xml><?xml version="1.0" encoding="utf-8"?>
+<p:sld xmlns:a="http://schemas.openxmlformats.org/drawingml/2006/main" xmlns:r="http://schemas.openxmlformats.org/officeDocument/2006/relationships" xmlns:p="http://schemas.openxmlformats.org/presentationml/2006/main">
+  <p:cSld>
+    <p:spTree>
+      <p:nvGrpSpPr>
+        <p:cNvPr id="1" name=""/>
+        <p:cNvGrpSpPr/>
+        <p:nvPr/>
+      </p:nvGrpSpPr>
+      <p:grpSpPr>
+        <a:xfrm>
+          <a:off x="0" y="0"/>
+          <a:ext cx="0" cy="0"/>
+          <a:chOff x="0" y="0"/>
+          <a:chExt cx="0" cy="0"/>
+        </a:xfrm>
+      </p:grpSpPr>
+      <p:sp>
+        <p:nvSpPr>
           <p:cNvPr id="2" name="Title 1">
             <a:extLst>
               <a:ext uri="{FF2B5EF4-FFF2-40B4-BE49-F238E27FC236}">
@@ -3460,14 +3707,14 @@
             <p:ph idx="1"/>
             <p:extLst>
               <p:ext uri="{D42A27DB-BD31-4B8C-83A1-F6EECF244321}">
-                <p14:modId xmlns:p14="http://schemas.microsoft.com/office/powerpoint/2010/main" val="3207318747"/>
+                <p14:modId xmlns:p14="http://schemas.microsoft.com/office/powerpoint/2010/main" val="798351412"/>
               </p:ext>
             </p:extLst>
           </p:nvPr>
         </p:nvGraphicFramePr>
         <p:xfrm>
-          <a:off x="873760" y="1459865"/>
-          <a:ext cx="10515600" cy="4141278"/>
+          <a:off x="386499" y="1459865"/>
+          <a:ext cx="11246176" cy="4322418"/>
         </p:xfrm>
         <a:graphic>
           <a:graphicData uri="http://schemas.openxmlformats.org/drawingml/2006/table">
@@ -3476,31 +3723,38 @@
                 <a:tableStyleId>{5C22544A-7EE6-4342-B048-85BDC9FD1C3A}</a:tableStyleId>
               </a:tblPr>
               <a:tblGrid>
-                <a:gridCol w="1468120">
+                <a:gridCol w="1105115">
                   <a:extLst>
                     <a:ext uri="{9D8B030D-6E8A-4147-A177-3AD203B41FA5}">
                       <a16:colId xmlns:a16="http://schemas.microsoft.com/office/drawing/2014/main" val="3606069240"/>
                     </a:ext>
                   </a:extLst>
                 </a:gridCol>
-                <a:gridCol w="2113280">
+                <a:gridCol w="1590755">
                   <a:extLst>
                     <a:ext uri="{9D8B030D-6E8A-4147-A177-3AD203B41FA5}">
                       <a16:colId xmlns:a16="http://schemas.microsoft.com/office/drawing/2014/main" val="2260240208"/>
                     </a:ext>
                   </a:extLst>
                 </a:gridCol>
-                <a:gridCol w="2509520">
+                <a:gridCol w="1889022">
                   <a:extLst>
                     <a:ext uri="{9D8B030D-6E8A-4147-A177-3AD203B41FA5}">
                       <a16:colId xmlns:a16="http://schemas.microsoft.com/office/drawing/2014/main" val="1017850923"/>
                     </a:ext>
                   </a:extLst>
                 </a:gridCol>
-                <a:gridCol w="4424680">
+                <a:gridCol w="3330642">
                   <a:extLst>
                     <a:ext uri="{9D8B030D-6E8A-4147-A177-3AD203B41FA5}">
                       <a16:colId xmlns:a16="http://schemas.microsoft.com/office/drawing/2014/main" val="852077862"/>
+                    </a:ext>
+                  </a:extLst>
+                </a:gridCol>
+                <a:gridCol w="3330642">
+                  <a:extLst>
+                    <a:ext uri="{9D8B030D-6E8A-4147-A177-3AD203B41FA5}">
+                      <a16:colId xmlns:a16="http://schemas.microsoft.com/office/drawing/2014/main" val="2432324687"/>
                     </a:ext>
                   </a:extLst>
                 </a:gridCol>
@@ -3578,6 +3832,36 @@
                   </a:txBody>
                   <a:tcPr/>
                 </a:tc>
+                <a:tc>
+                  <a:txBody>
+                    <a:bodyPr/>
+                    <a:lstStyle/>
+                    <a:p>
+                      <a:pPr marL="0" marR="0" lvl="0" indent="0" algn="ctr" defTabSz="914400" rtl="0" eaLnBrk="1" fontAlgn="auto" latinLnBrk="0" hangingPunct="1">
+                        <a:lnSpc>
+                          <a:spcPct val="100000"/>
+                        </a:lnSpc>
+                        <a:spcBef>
+                          <a:spcPts val="0"/>
+                        </a:spcBef>
+                        <a:spcAft>
+                          <a:spcPts val="0"/>
+                        </a:spcAft>
+                        <a:buClrTx/>
+                        <a:buSzTx/>
+                        <a:buFontTx/>
+                        <a:buNone/>
+                        <a:tabLst/>
+                        <a:defRPr/>
+                      </a:pPr>
+                      <a:r>
+                        <a:rPr lang="en-US" dirty="0"/>
+                        <a:t>Training Time (minutes)</a:t>
+                      </a:r>
+                    </a:p>
+                  </a:txBody>
+                  <a:tcPr/>
+                </a:tc>
                 <a:extLst>
                   <a:ext uri="{0D108BD9-81ED-4DB2-BD59-A6C34878D82A}">
                     <a16:rowId xmlns:a16="http://schemas.microsoft.com/office/drawing/2014/main" val="2479748074"/>
@@ -3640,6 +3924,20 @@
                       <a:r>
                         <a:rPr lang="en-US" dirty="0"/>
                         <a:t>0.754</a:t>
+                      </a:r>
+                    </a:p>
+                  </a:txBody>
+                  <a:tcPr/>
+                </a:tc>
+                <a:tc>
+                  <a:txBody>
+                    <a:bodyPr/>
+                    <a:lstStyle/>
+                    <a:p>
+                      <a:pPr algn="ctr"/>
+                      <a:r>
+                        <a:rPr lang="en-US" dirty="0"/>
+                        <a:t>27</a:t>
                       </a:r>
                     </a:p>
                   </a:txBody>
@@ -3717,6 +4015,20 @@
                       <a:r>
                         <a:rPr lang="en-US" dirty="0"/>
                         <a:t>0.770</a:t>
+                      </a:r>
+                    </a:p>
+                  </a:txBody>
+                  <a:tcPr/>
+                </a:tc>
+                <a:tc>
+                  <a:txBody>
+                    <a:bodyPr/>
+                    <a:lstStyle/>
+                    <a:p>
+                      <a:pPr algn="ctr"/>
+                      <a:r>
+                        <a:rPr lang="en-US" dirty="0"/>
+                        <a:t>14</a:t>
                       </a:r>
                     </a:p>
                   </a:txBody>
@@ -3802,6 +4114,20 @@
                   </a:txBody>
                   <a:tcPr/>
                 </a:tc>
+                <a:tc>
+                  <a:txBody>
+                    <a:bodyPr/>
+                    <a:lstStyle/>
+                    <a:p>
+                      <a:pPr algn="ctr"/>
+                      <a:r>
+                        <a:rPr lang="en-US" dirty="0"/>
+                        <a:t>49</a:t>
+                      </a:r>
+                    </a:p>
+                  </a:txBody>
+                  <a:tcPr/>
+                </a:tc>
                 <a:extLst>
                   <a:ext uri="{0D108BD9-81ED-4DB2-BD59-A6C34878D82A}">
                     <a16:rowId xmlns:a16="http://schemas.microsoft.com/office/drawing/2014/main" val="612646019"/>
@@ -3858,6 +4184,20 @@
                       <a:r>
                         <a:rPr lang="en-US" dirty="0"/>
                         <a:t>0.829</a:t>
+                      </a:r>
+                    </a:p>
+                  </a:txBody>
+                  <a:tcPr/>
+                </a:tc>
+                <a:tc>
+                  <a:txBody>
+                    <a:bodyPr/>
+                    <a:lstStyle/>
+                    <a:p>
+                      <a:pPr algn="ctr"/>
+                      <a:r>
+                        <a:rPr lang="en-US" dirty="0"/>
+                        <a:t>41.5</a:t>
                       </a:r>
                     </a:p>
                   </a:txBody>
@@ -3925,6 +4265,20 @@
                       <a:r>
                         <a:rPr lang="en-US" dirty="0"/>
                         <a:t>0.842</a:t>
+                      </a:r>
+                    </a:p>
+                  </a:txBody>
+                  <a:tcPr/>
+                </a:tc>
+                <a:tc>
+                  <a:txBody>
+                    <a:bodyPr/>
+                    <a:lstStyle/>
+                    <a:p>
+                      <a:pPr algn="ctr"/>
+                      <a:r>
+                        <a:rPr lang="en-US" dirty="0"/>
+                        <a:t>137</a:t>
                       </a:r>
                     </a:p>
                   </a:txBody>
@@ -4002,6 +4356,20 @@
                       <a:r>
                         <a:rPr lang="en-US" dirty="0"/>
                         <a:t>0.855</a:t>
+                      </a:r>
+                    </a:p>
+                  </a:txBody>
+                  <a:tcPr/>
+                </a:tc>
+                <a:tc>
+                  <a:txBody>
+                    <a:bodyPr/>
+                    <a:lstStyle/>
+                    <a:p>
+                      <a:pPr algn="ctr"/>
+                      <a:r>
+                        <a:rPr lang="en-US" dirty="0"/>
+                        <a:t>110</a:t>
                       </a:r>
                     </a:p>
                   </a:txBody>
@@ -4087,6 +4455,20 @@
                   </a:txBody>
                   <a:tcPr/>
                 </a:tc>
+                <a:tc>
+                  <a:txBody>
+                    <a:bodyPr/>
+                    <a:lstStyle/>
+                    <a:p>
+                      <a:pPr algn="ctr"/>
+                      <a:r>
+                        <a:rPr lang="en-US" b="1" dirty="0"/>
+                        <a:t>464.3</a:t>
+                      </a:r>
+                    </a:p>
+                  </a:txBody>
+                  <a:tcPr/>
+                </a:tc>
                 <a:extLst>
                   <a:ext uri="{0D108BD9-81ED-4DB2-BD59-A6C34878D82A}">
                     <a16:rowId xmlns:a16="http://schemas.microsoft.com/office/drawing/2014/main" val="4022433153"/>
@@ -4143,6 +4525,20 @@
                       <a:r>
                         <a:rPr lang="en-US" dirty="0"/>
                         <a:t>0.850</a:t>
+                      </a:r>
+                    </a:p>
+                  </a:txBody>
+                  <a:tcPr/>
+                </a:tc>
+                <a:tc>
+                  <a:txBody>
+                    <a:bodyPr/>
+                    <a:lstStyle/>
+                    <a:p>
+                      <a:pPr algn="ctr"/>
+                      <a:r>
+                        <a:rPr lang="en-US" dirty="0"/>
+                        <a:t>206</a:t>
                       </a:r>
                     </a:p>
                   </a:txBody>
@@ -4217,6 +4613,20 @@
                       <a:r>
                         <a:rPr lang="en-US" dirty="0"/>
                         <a:t>0.911</a:t>
+                      </a:r>
+                    </a:p>
+                  </a:txBody>
+                  <a:tcPr/>
+                </a:tc>
+                <a:tc>
+                  <a:txBody>
+                    <a:bodyPr/>
+                    <a:lstStyle/>
+                    <a:p>
+                      <a:pPr algn="ctr"/>
+                      <a:r>
+                        <a:rPr lang="en-US" dirty="0"/>
+                        <a:t>~</a:t>
                       </a:r>
                     </a:p>
                   </a:txBody>
@@ -4306,6 +4716,20 @@
                   </a:txBody>
                   <a:tcPr/>
                 </a:tc>
+                <a:tc>
+                  <a:txBody>
+                    <a:bodyPr/>
+                    <a:lstStyle/>
+                    <a:p>
+                      <a:pPr algn="ctr"/>
+                      <a:r>
+                        <a:rPr lang="en-US" dirty="0"/>
+                        <a:t>~</a:t>
+                      </a:r>
+                    </a:p>
+                  </a:txBody>
+                  <a:tcPr/>
+                </a:tc>
                 <a:extLst>
                   <a:ext uri="{0D108BD9-81ED-4DB2-BD59-A6C34878D82A}">
                     <a16:rowId xmlns:a16="http://schemas.microsoft.com/office/drawing/2014/main" val="4132094431"/>
@@ -4329,7 +4753,105 @@
 </p:sld>
 </file>
 
-<file path=ppt/slides/slide11.xml><?xml version="1.0" encoding="utf-8"?>
+<file path=ppt/slides/slide12.xml><?xml version="1.0" encoding="utf-8"?>
+<p:sld xmlns:a="http://schemas.openxmlformats.org/drawingml/2006/main" xmlns:r="http://schemas.openxmlformats.org/officeDocument/2006/relationships" xmlns:p="http://schemas.openxmlformats.org/presentationml/2006/main">
+  <p:cSld>
+    <p:spTree>
+      <p:nvGrpSpPr>
+        <p:cNvPr id="1" name=""/>
+        <p:cNvGrpSpPr/>
+        <p:nvPr/>
+      </p:nvGrpSpPr>
+      <p:grpSpPr>
+        <a:xfrm>
+          <a:off x="0" y="0"/>
+          <a:ext cx="0" cy="0"/>
+          <a:chOff x="0" y="0"/>
+          <a:chExt cx="0" cy="0"/>
+        </a:xfrm>
+      </p:grpSpPr>
+      <p:sp>
+        <p:nvSpPr>
+          <p:cNvPr id="2" name="Title 1">
+            <a:extLst>
+              <a:ext uri="{FF2B5EF4-FFF2-40B4-BE49-F238E27FC236}">
+                <a16:creationId xmlns:a16="http://schemas.microsoft.com/office/drawing/2014/main" id="{5C8A98E6-898B-F783-B988-8B70C12FC634}"/>
+              </a:ext>
+            </a:extLst>
+          </p:cNvPr>
+          <p:cNvSpPr>
+            <a:spLocks noGrp="1"/>
+          </p:cNvSpPr>
+          <p:nvPr>
+            <p:ph type="title"/>
+          </p:nvPr>
+        </p:nvSpPr>
+        <p:spPr/>
+        <p:txBody>
+          <a:bodyPr/>
+          <a:lstStyle/>
+          <a:p>
+            <a:r>
+              <a:rPr lang="en-US" dirty="0"/>
+              <a:t>Conclusions and Future directions</a:t>
+            </a:r>
+          </a:p>
+        </p:txBody>
+      </p:sp>
+      <p:sp>
+        <p:nvSpPr>
+          <p:cNvPr id="3" name="Content Placeholder 2">
+            <a:extLst>
+              <a:ext uri="{FF2B5EF4-FFF2-40B4-BE49-F238E27FC236}">
+                <a16:creationId xmlns:a16="http://schemas.microsoft.com/office/drawing/2014/main" id="{3747A056-5B74-37DA-0C87-0F49E5950095}"/>
+              </a:ext>
+            </a:extLst>
+          </p:cNvPr>
+          <p:cNvSpPr>
+            <a:spLocks noGrp="1"/>
+          </p:cNvSpPr>
+          <p:nvPr>
+            <p:ph idx="1"/>
+          </p:nvPr>
+        </p:nvSpPr>
+        <p:spPr/>
+        <p:txBody>
+          <a:bodyPr/>
+          <a:lstStyle/>
+          <a:p>
+            <a:r>
+              <a:rPr lang="en-US" dirty="0"/>
+              <a:t>SENet provided significant benefit to the test accuracy of ResNet with the large image size. </a:t>
+            </a:r>
+          </a:p>
+          <a:p>
+            <a:r>
+              <a:rPr lang="en-US" dirty="0"/>
+              <a:t>We would be very interested to see if SENet improves performance for other models and image types.</a:t>
+            </a:r>
+          </a:p>
+          <a:p>
+            <a:r>
+              <a:rPr lang="en-US" dirty="0"/>
+              <a:t>LeNet is an old model. </a:t>
+            </a:r>
+          </a:p>
+        </p:txBody>
+      </p:sp>
+    </p:spTree>
+    <p:extLst>
+      <p:ext uri="{BB962C8B-B14F-4D97-AF65-F5344CB8AC3E}">
+        <p14:creationId xmlns:p14="http://schemas.microsoft.com/office/powerpoint/2010/main" val="1143905953"/>
+      </p:ext>
+    </p:extLst>
+  </p:cSld>
+  <p:clrMapOvr>
+    <a:masterClrMapping/>
+  </p:clrMapOvr>
+</p:sld>
+</file>
+
+<file path=ppt/slides/slide13.xml><?xml version="1.0" encoding="utf-8"?>
 <p:sld xmlns:a="http://schemas.openxmlformats.org/drawingml/2006/main" xmlns:r="http://schemas.openxmlformats.org/officeDocument/2006/relationships" xmlns:p="http://schemas.openxmlformats.org/presentationml/2006/main">
   <p:cSld>
     <p:spTree>
@@ -4492,7 +5014,7 @@
           <p:cNvPr id="2" name="Title 1">
             <a:extLst>
               <a:ext uri="{FF2B5EF4-FFF2-40B4-BE49-F238E27FC236}">
-                <a16:creationId xmlns:a16="http://schemas.microsoft.com/office/drawing/2014/main" id="{367208E2-0ECB-6900-C86C-E8B546E52060}"/>
+                <a16:creationId xmlns:a16="http://schemas.microsoft.com/office/drawing/2014/main" id="{7DC868D7-1271-0309-C334-0DCBD4A50EC8}"/>
               </a:ext>
             </a:extLst>
           </p:cNvPr>
@@ -4510,62 +5032,40 @@
           <a:p>
             <a:r>
               <a:rPr lang="en-US" dirty="0"/>
-              <a:t>Overview of Convolutional Neural Networks</a:t>
-            </a:r>
-          </a:p>
-        </p:txBody>
-      </p:sp>
-      <p:pic>
-        <p:nvPicPr>
-          <p:cNvPr id="1026" name="Picture 2" descr="Kernels (Filters) in convolutional neural network (CNN), Let's talk about  them. | by Rahul Kadam | CodeX | Medium">
-            <a:extLst>
-              <a:ext uri="{FF2B5EF4-FFF2-40B4-BE49-F238E27FC236}">
-                <a16:creationId xmlns:a16="http://schemas.microsoft.com/office/drawing/2014/main" id="{F47E2157-4B70-5187-82E3-EAA55238869F}"/>
-              </a:ext>
-            </a:extLst>
-          </p:cNvPr>
-          <p:cNvPicPr>
-            <a:picLocks noChangeAspect="1" noChangeArrowheads="1"/>
-          </p:cNvPicPr>
-          <p:nvPr/>
-        </p:nvPicPr>
-        <p:blipFill>
-          <a:blip r:embed="rId2">
-            <a:extLst>
-              <a:ext uri="{28A0092B-C50C-407E-A947-70E740481C1C}">
-                <a14:useLocalDpi xmlns:a14="http://schemas.microsoft.com/office/drawing/2010/main" val="0"/>
-              </a:ext>
-            </a:extLst>
-          </a:blip>
-          <a:srcRect/>
-          <a:stretch>
-            <a:fillRect/>
-          </a:stretch>
-        </p:blipFill>
-        <p:spPr bwMode="auto">
-          <a:xfrm>
-            <a:off x="2909233" y="1690688"/>
-            <a:ext cx="6373533" cy="2694940"/>
-          </a:xfrm>
-          <a:prstGeom prst="rect">
-            <a:avLst/>
-          </a:prstGeom>
-          <a:noFill/>
-          <a:extLst>
-            <a:ext uri="{909E8E84-426E-40DD-AFC4-6F175D3DCCD1}">
-              <a14:hiddenFill xmlns:a14="http://schemas.microsoft.com/office/drawing/2010/main">
-                <a:solidFill>
-                  <a:srgbClr val="FFFFFF"/>
-                </a:solidFill>
-              </a14:hiddenFill>
-            </a:ext>
-          </a:extLst>
-        </p:spPr>
-      </p:pic>
+              <a:t>Motivation</a:t>
+            </a:r>
+          </a:p>
+        </p:txBody>
+      </p:sp>
+      <p:sp>
+        <p:nvSpPr>
+          <p:cNvPr id="3" name="Content Placeholder 2">
+            <a:extLst>
+              <a:ext uri="{FF2B5EF4-FFF2-40B4-BE49-F238E27FC236}">
+                <a16:creationId xmlns:a16="http://schemas.microsoft.com/office/drawing/2014/main" id="{87A60C3D-1F39-C7BE-20F4-B7F21A14B781}"/>
+              </a:ext>
+            </a:extLst>
+          </p:cNvPr>
+          <p:cNvSpPr>
+            <a:spLocks noGrp="1"/>
+          </p:cNvSpPr>
+          <p:nvPr>
+            <p:ph idx="1"/>
+          </p:nvPr>
+        </p:nvSpPr>
+        <p:spPr/>
+        <p:txBody>
+          <a:bodyPr/>
+          <a:lstStyle/>
+          <a:p>
+            <a:endParaRPr lang="en-US" dirty="0"/>
+          </a:p>
+        </p:txBody>
+      </p:sp>
     </p:spTree>
     <p:extLst>
       <p:ext uri="{BB962C8B-B14F-4D97-AF65-F5344CB8AC3E}">
-        <p14:creationId xmlns:p14="http://schemas.microsoft.com/office/powerpoint/2010/main" val="1637705344"/>
+        <p14:creationId xmlns:p14="http://schemas.microsoft.com/office/powerpoint/2010/main" val="3109342692"/>
       </p:ext>
     </p:extLst>
   </p:cSld>
@@ -4594,10 +5094,10 @@
       </p:grpSpPr>
       <p:pic>
         <p:nvPicPr>
-          <p:cNvPr id="3074" name="Picture 2" descr="1lvvWF48t7cyRWqct13eU0w">
-            <a:extLst>
-              <a:ext uri="{FF2B5EF4-FFF2-40B4-BE49-F238E27FC236}">
-                <a16:creationId xmlns:a16="http://schemas.microsoft.com/office/drawing/2014/main" id="{7100ADA8-51F4-0DB9-CC22-511D51E37DD8}"/>
+          <p:cNvPr id="3076" name="Picture 4" descr="ResNet: The Basics and 3 ResNet Extensions">
+            <a:extLst>
+              <a:ext uri="{FF2B5EF4-FFF2-40B4-BE49-F238E27FC236}">
+                <a16:creationId xmlns:a16="http://schemas.microsoft.com/office/drawing/2014/main" id="{6F4EF0A4-E618-9118-A192-94B5E30D838C}"/>
               </a:ext>
             </a:extLst>
           </p:cNvPr>
@@ -4621,8 +5121,8 @@
         </p:blipFill>
         <p:spPr bwMode="auto">
           <a:xfrm>
-            <a:off x="1167934" y="1956740"/>
-            <a:ext cx="9856132" cy="2944519"/>
+            <a:off x="5872898" y="3068737"/>
+            <a:ext cx="5110487" cy="3650347"/>
           </a:xfrm>
           <a:prstGeom prst="rect">
             <a:avLst/>
@@ -4644,7 +5144,7 @@
           <p:cNvPr id="4" name="TextBox 3">
             <a:extLst>
               <a:ext uri="{FF2B5EF4-FFF2-40B4-BE49-F238E27FC236}">
-                <a16:creationId xmlns:a16="http://schemas.microsoft.com/office/drawing/2014/main" id="{FB8AC16D-9992-D9F2-99D1-85A7089A03AD}"/>
+                <a16:creationId xmlns:a16="http://schemas.microsoft.com/office/drawing/2014/main" id="{A9F26E59-2E88-F601-5562-7F9C987F859A}"/>
               </a:ext>
             </a:extLst>
           </p:cNvPr>
@@ -4653,7 +5153,93 @@
         </p:nvSpPr>
         <p:spPr>
           <a:xfrm>
-            <a:off x="1564640" y="1127760"/>
+            <a:off x="542348" y="4330350"/>
+            <a:ext cx="5330550" cy="646331"/>
+          </a:xfrm>
+          <a:prstGeom prst="rect">
+            <a:avLst/>
+          </a:prstGeom>
+          <a:noFill/>
+        </p:spPr>
+        <p:txBody>
+          <a:bodyPr wrap="square" rtlCol="0">
+            <a:spAutoFit/>
+          </a:bodyPr>
+          <a:lstStyle/>
+          <a:p>
+            <a:r>
+              <a:rPr lang="en-US" b="1" dirty="0"/>
+              <a:t>ResNet</a:t>
+            </a:r>
+            <a:r>
+              <a:rPr lang="en-US" dirty="0"/>
+              <a:t> – uses residual connections. Output of earlier layers are used as input of future layers.</a:t>
+            </a:r>
+          </a:p>
+        </p:txBody>
+      </p:sp>
+      <p:pic>
+        <p:nvPicPr>
+          <p:cNvPr id="3" name="Picture 2" descr="1lvvWF48t7cyRWqct13eU0w">
+            <a:extLst>
+              <a:ext uri="{FF2B5EF4-FFF2-40B4-BE49-F238E27FC236}">
+                <a16:creationId xmlns:a16="http://schemas.microsoft.com/office/drawing/2014/main" id="{7100ADA8-51F4-0DB9-CC22-511D51E37DD8}"/>
+              </a:ext>
+            </a:extLst>
+          </p:cNvPr>
+          <p:cNvPicPr>
+            <a:picLocks noChangeAspect="1" noChangeArrowheads="1"/>
+          </p:cNvPicPr>
+          <p:nvPr/>
+        </p:nvPicPr>
+        <p:blipFill>
+          <a:blip r:embed="rId3">
+            <a:extLst>
+              <a:ext uri="{28A0092B-C50C-407E-A947-70E740481C1C}">
+                <a14:useLocalDpi xmlns:a14="http://schemas.microsoft.com/office/drawing/2010/main" val="0"/>
+              </a:ext>
+            </a:extLst>
+          </a:blip>
+          <a:srcRect/>
+          <a:stretch>
+            <a:fillRect/>
+          </a:stretch>
+        </p:blipFill>
+        <p:spPr bwMode="auto">
+          <a:xfrm>
+            <a:off x="2679456" y="346565"/>
+            <a:ext cx="8416792" cy="2514516"/>
+          </a:xfrm>
+          <a:prstGeom prst="rect">
+            <a:avLst/>
+          </a:prstGeom>
+          <a:noFill/>
+          <a:extLst>
+            <a:ext uri="{909E8E84-426E-40DD-AFC4-6F175D3DCCD1}">
+              <a14:hiddenFill xmlns:a14="http://schemas.microsoft.com/office/drawing/2010/main">
+                <a:solidFill>
+                  <a:srgbClr val="FFFFFF"/>
+                </a:solidFill>
+              </a14:hiddenFill>
+            </a:ext>
+          </a:extLst>
+        </p:spPr>
+      </p:pic>
+      <p:sp>
+        <p:nvSpPr>
+          <p:cNvPr id="5" name="TextBox 4">
+            <a:extLst>
+              <a:ext uri="{FF2B5EF4-FFF2-40B4-BE49-F238E27FC236}">
+                <a16:creationId xmlns:a16="http://schemas.microsoft.com/office/drawing/2014/main" id="{FB8AC16D-9992-D9F2-99D1-85A7089A03AD}"/>
+              </a:ext>
+            </a:extLst>
+          </p:cNvPr>
+          <p:cNvSpPr txBox="1"/>
+          <p:nvPr/>
+        </p:nvSpPr>
+        <p:spPr>
+          <a:xfrm>
+            <a:off x="957128" y="1234491"/>
             <a:ext cx="3108960" cy="369332"/>
           </a:xfrm>
           <a:prstGeom prst="rect">
@@ -4668,7 +5254,7 @@
           <a:lstStyle/>
           <a:p>
             <a:r>
-              <a:rPr lang="en-US" dirty="0"/>
+              <a:rPr lang="en-US" b="1" dirty="0"/>
               <a:t>LeNet-5</a:t>
             </a:r>
           </a:p>
@@ -4677,7 +5263,7 @@
     </p:spTree>
     <p:extLst>
       <p:ext uri="{BB962C8B-B14F-4D97-AF65-F5344CB8AC3E}">
-        <p14:creationId xmlns:p14="http://schemas.microsoft.com/office/powerpoint/2010/main" val="3968874098"/>
+        <p14:creationId xmlns:p14="http://schemas.microsoft.com/office/powerpoint/2010/main" val="3362145272"/>
       </p:ext>
     </p:extLst>
   </p:cSld>
@@ -4704,59 +5290,40 @@
           <a:chExt cx="0" cy="0"/>
         </a:xfrm>
       </p:grpSpPr>
-      <p:pic>
-        <p:nvPicPr>
-          <p:cNvPr id="3076" name="Picture 4" descr="ResNet: The Basics and 3 ResNet Extensions">
-            <a:extLst>
-              <a:ext uri="{FF2B5EF4-FFF2-40B4-BE49-F238E27FC236}">
-                <a16:creationId xmlns:a16="http://schemas.microsoft.com/office/drawing/2014/main" id="{6F4EF0A4-E618-9118-A192-94B5E30D838C}"/>
-              </a:ext>
-            </a:extLst>
-          </p:cNvPr>
-          <p:cNvPicPr>
-            <a:picLocks noChangeAspect="1" noChangeArrowheads="1"/>
-          </p:cNvPicPr>
-          <p:nvPr/>
-        </p:nvPicPr>
-        <p:blipFill>
-          <a:blip r:embed="rId2">
-            <a:extLst>
-              <a:ext uri="{28A0092B-C50C-407E-A947-70E740481C1C}">
-                <a14:useLocalDpi xmlns:a14="http://schemas.microsoft.com/office/drawing/2010/main" val="0"/>
-              </a:ext>
-            </a:extLst>
-          </a:blip>
-          <a:srcRect/>
-          <a:stretch>
-            <a:fillRect/>
-          </a:stretch>
-        </p:blipFill>
-        <p:spPr bwMode="auto">
-          <a:xfrm>
-            <a:off x="2762250" y="1433830"/>
-            <a:ext cx="6667500" cy="4762500"/>
-          </a:xfrm>
-          <a:prstGeom prst="rect">
-            <a:avLst/>
-          </a:prstGeom>
-          <a:noFill/>
-          <a:extLst>
-            <a:ext uri="{909E8E84-426E-40DD-AFC4-6F175D3DCCD1}">
-              <a14:hiddenFill xmlns:a14="http://schemas.microsoft.com/office/drawing/2010/main">
-                <a:solidFill>
-                  <a:srgbClr val="FFFFFF"/>
-                </a:solidFill>
-              </a14:hiddenFill>
-            </a:ext>
-          </a:extLst>
-        </p:spPr>
-      </p:pic>
-      <p:sp>
-        <p:nvSpPr>
-          <p:cNvPr id="4" name="TextBox 3">
-            <a:extLst>
-              <a:ext uri="{FF2B5EF4-FFF2-40B4-BE49-F238E27FC236}">
-                <a16:creationId xmlns:a16="http://schemas.microsoft.com/office/drawing/2014/main" id="{A9F26E59-2E88-F601-5562-7F9C987F859A}"/>
+      <p:sp>
+        <p:nvSpPr>
+          <p:cNvPr id="2" name="Title 1">
+            <a:extLst>
+              <a:ext uri="{FF2B5EF4-FFF2-40B4-BE49-F238E27FC236}">
+                <a16:creationId xmlns:a16="http://schemas.microsoft.com/office/drawing/2014/main" id="{0A05021D-26CB-295B-E8C5-FE5F1F9DBB02}"/>
+              </a:ext>
+            </a:extLst>
+          </p:cNvPr>
+          <p:cNvSpPr>
+            <a:spLocks noGrp="1"/>
+          </p:cNvSpPr>
+          <p:nvPr>
+            <p:ph type="title"/>
+          </p:nvPr>
+        </p:nvSpPr>
+        <p:spPr/>
+        <p:txBody>
+          <a:bodyPr/>
+          <a:lstStyle/>
+          <a:p>
+            <a:r>
+              <a:rPr lang="en-US" dirty="0"/>
+              <a:t>MedMNIST</a:t>
+            </a:r>
+          </a:p>
+        </p:txBody>
+      </p:sp>
+      <p:sp>
+        <p:nvSpPr>
+          <p:cNvPr id="12" name="TextBox 11">
+            <a:extLst>
+              <a:ext uri="{FF2B5EF4-FFF2-40B4-BE49-F238E27FC236}">
+                <a16:creationId xmlns:a16="http://schemas.microsoft.com/office/drawing/2014/main" id="{D553FF60-110A-5893-83DC-5C8F440FCE9C}"/>
               </a:ext>
             </a:extLst>
           </p:cNvPr>
@@ -4765,8 +5332,8 @@
         </p:nvSpPr>
         <p:spPr>
           <a:xfrm>
-            <a:off x="2092960" y="640080"/>
-            <a:ext cx="6350000" cy="646331"/>
+            <a:off x="209146" y="2402412"/>
+            <a:ext cx="933855" cy="369332"/>
           </a:xfrm>
           <a:prstGeom prst="rect">
             <a:avLst/>
@@ -4781,15 +5348,86 @@
           <a:p>
             <a:r>
               <a:rPr lang="en-US" dirty="0"/>
-              <a:t>ResNet – uses residual connections. Output of earlier layers are used as input of future layers.</a:t>
-            </a:r>
-          </a:p>
-        </p:txBody>
-      </p:sp>
+              <a:t>28x28</a:t>
+            </a:r>
+          </a:p>
+        </p:txBody>
+      </p:sp>
+      <p:sp>
+        <p:nvSpPr>
+          <p:cNvPr id="13" name="TextBox 12">
+            <a:extLst>
+              <a:ext uri="{FF2B5EF4-FFF2-40B4-BE49-F238E27FC236}">
+                <a16:creationId xmlns:a16="http://schemas.microsoft.com/office/drawing/2014/main" id="{F5562E02-8F56-72E6-6316-CECCB47EC37C}"/>
+              </a:ext>
+            </a:extLst>
+          </p:cNvPr>
+          <p:cNvSpPr txBox="1"/>
+          <p:nvPr/>
+        </p:nvSpPr>
+        <p:spPr>
+          <a:xfrm>
+            <a:off x="145915" y="4455588"/>
+            <a:ext cx="1034375" cy="369332"/>
+          </a:xfrm>
+          <a:prstGeom prst="rect">
+            <a:avLst/>
+          </a:prstGeom>
+          <a:noFill/>
+        </p:spPr>
+        <p:txBody>
+          <a:bodyPr wrap="square" rtlCol="0">
+            <a:spAutoFit/>
+          </a:bodyPr>
+          <a:lstStyle/>
+          <a:p>
+            <a:r>
+              <a:rPr lang="en-US" dirty="0"/>
+              <a:t>224x224</a:t>
+            </a:r>
+          </a:p>
+        </p:txBody>
+      </p:sp>
+      <p:pic>
+        <p:nvPicPr>
+          <p:cNvPr id="4" name="Picture 3" descr="A collage of multiple squares of pink and white cells&#10;&#10;Description automatically generated">
+            <a:extLst>
+              <a:ext uri="{FF2B5EF4-FFF2-40B4-BE49-F238E27FC236}">
+                <a16:creationId xmlns:a16="http://schemas.microsoft.com/office/drawing/2014/main" id="{8A524385-96F1-BA26-F6EF-008195690123}"/>
+              </a:ext>
+            </a:extLst>
+          </p:cNvPr>
+          <p:cNvPicPr>
+            <a:picLocks noChangeAspect="1"/>
+          </p:cNvPicPr>
+          <p:nvPr/>
+        </p:nvPicPr>
+        <p:blipFill>
+          <a:blip r:embed="rId2">
+            <a:extLst>
+              <a:ext uri="{28A0092B-C50C-407E-A947-70E740481C1C}">
+                <a14:useLocalDpi xmlns:a14="http://schemas.microsoft.com/office/drawing/2010/main" val="0"/>
+              </a:ext>
+            </a:extLst>
+          </a:blip>
+          <a:stretch>
+            <a:fillRect/>
+          </a:stretch>
+        </p:blipFill>
+        <p:spPr>
+          <a:xfrm>
+            <a:off x="0" y="1160283"/>
+            <a:ext cx="12192000" cy="4876800"/>
+          </a:xfrm>
+          <a:prstGeom prst="rect">
+            <a:avLst/>
+          </a:prstGeom>
+        </p:spPr>
+      </p:pic>
     </p:spTree>
     <p:extLst>
       <p:ext uri="{BB962C8B-B14F-4D97-AF65-F5344CB8AC3E}">
-        <p14:creationId xmlns:p14="http://schemas.microsoft.com/office/powerpoint/2010/main" val="3362145272"/>
+        <p14:creationId xmlns:p14="http://schemas.microsoft.com/office/powerpoint/2010/main" val="1634943828"/>
       </p:ext>
     </p:extLst>
   </p:cSld>
@@ -4865,22 +5503,1817 @@
           </p:cNvPicPr>
           <p:nvPr/>
         </p:nvPicPr>
-        <p:blipFill>
+        <p:blipFill rotWithShape="1">
           <a:blip r:embed="rId2"/>
-          <a:stretch>
-            <a:fillRect/>
-          </a:stretch>
+          <a:srcRect l="32552" t="25872" r="56623" b="34571"/>
+          <a:stretch/>
         </p:blipFill>
         <p:spPr>
           <a:xfrm>
-            <a:off x="0" y="2434013"/>
-            <a:ext cx="12192000" cy="3526943"/>
+            <a:off x="2007908" y="2561734"/>
+            <a:ext cx="1706252" cy="1803752"/>
           </a:xfrm>
           <a:prstGeom prst="rect">
             <a:avLst/>
           </a:prstGeom>
         </p:spPr>
       </p:pic>
+      <p:sp>
+        <p:nvSpPr>
+          <p:cNvPr id="4" name="Rectangle 3">
+            <a:extLst>
+              <a:ext uri="{FF2B5EF4-FFF2-40B4-BE49-F238E27FC236}">
+                <a16:creationId xmlns:a16="http://schemas.microsoft.com/office/drawing/2014/main" id="{F4B9C8DF-A02E-64A5-EF69-039F4141A9D0}"/>
+              </a:ext>
+            </a:extLst>
+          </p:cNvPr>
+          <p:cNvSpPr/>
+          <p:nvPr/>
+        </p:nvSpPr>
+        <p:spPr>
+          <a:xfrm>
+            <a:off x="2828040" y="3297025"/>
+            <a:ext cx="216817" cy="360575"/>
+          </a:xfrm>
+          <a:prstGeom prst="rect">
+            <a:avLst/>
+          </a:prstGeom>
+          <a:solidFill>
+            <a:schemeClr val="bg1"/>
+          </a:solidFill>
+          <a:ln>
+            <a:solidFill>
+              <a:schemeClr val="bg1"/>
+            </a:solidFill>
+          </a:ln>
+        </p:spPr>
+        <p:style>
+          <a:lnRef idx="2">
+            <a:schemeClr val="accent1">
+              <a:shade val="15000"/>
+            </a:schemeClr>
+          </a:lnRef>
+          <a:fillRef idx="1">
+            <a:schemeClr val="accent1"/>
+          </a:fillRef>
+          <a:effectRef idx="0">
+            <a:schemeClr val="accent1"/>
+          </a:effectRef>
+          <a:fontRef idx="minor">
+            <a:schemeClr val="lt1"/>
+          </a:fontRef>
+        </p:style>
+        <p:txBody>
+          <a:bodyPr rtlCol="0" anchor="ctr"/>
+          <a:lstStyle/>
+          <a:p>
+            <a:pPr algn="ctr"/>
+            <a:endParaRPr lang="en-US"/>
+          </a:p>
+        </p:txBody>
+      </p:sp>
+      <p:sp>
+        <p:nvSpPr>
+          <p:cNvPr id="6" name="Rectangle 5">
+            <a:extLst>
+              <a:ext uri="{FF2B5EF4-FFF2-40B4-BE49-F238E27FC236}">
+                <a16:creationId xmlns:a16="http://schemas.microsoft.com/office/drawing/2014/main" id="{F3CEBC4E-64B1-C963-0749-AF9F094602C6}"/>
+              </a:ext>
+            </a:extLst>
+          </p:cNvPr>
+          <p:cNvSpPr/>
+          <p:nvPr/>
+        </p:nvSpPr>
+        <p:spPr>
+          <a:xfrm>
+            <a:off x="3497343" y="4004911"/>
+            <a:ext cx="216817" cy="360575"/>
+          </a:xfrm>
+          <a:prstGeom prst="rect">
+            <a:avLst/>
+          </a:prstGeom>
+          <a:solidFill>
+            <a:schemeClr val="bg1"/>
+          </a:solidFill>
+          <a:ln>
+            <a:solidFill>
+              <a:schemeClr val="bg1"/>
+            </a:solidFill>
+          </a:ln>
+        </p:spPr>
+        <p:style>
+          <a:lnRef idx="2">
+            <a:schemeClr val="accent1">
+              <a:shade val="15000"/>
+            </a:schemeClr>
+          </a:lnRef>
+          <a:fillRef idx="1">
+            <a:schemeClr val="accent1"/>
+          </a:fillRef>
+          <a:effectRef idx="0">
+            <a:schemeClr val="accent1"/>
+          </a:effectRef>
+          <a:fontRef idx="minor">
+            <a:schemeClr val="lt1"/>
+          </a:fontRef>
+        </p:style>
+        <p:txBody>
+          <a:bodyPr rtlCol="0" anchor="ctr"/>
+          <a:lstStyle/>
+          <a:p>
+            <a:pPr algn="ctr"/>
+            <a:endParaRPr lang="en-US"/>
+          </a:p>
+        </p:txBody>
+      </p:sp>
+      <p:sp>
+        <p:nvSpPr>
+          <p:cNvPr id="7" name="Rectangle 6">
+            <a:extLst>
+              <a:ext uri="{FF2B5EF4-FFF2-40B4-BE49-F238E27FC236}">
+                <a16:creationId xmlns:a16="http://schemas.microsoft.com/office/drawing/2014/main" id="{9F593913-D5A9-8D52-82C4-F49CCAA40C7A}"/>
+              </a:ext>
+            </a:extLst>
+          </p:cNvPr>
+          <p:cNvSpPr/>
+          <p:nvPr/>
+        </p:nvSpPr>
+        <p:spPr>
+          <a:xfrm>
+            <a:off x="3648172" y="3103035"/>
+            <a:ext cx="216817" cy="360575"/>
+          </a:xfrm>
+          <a:prstGeom prst="rect">
+            <a:avLst/>
+          </a:prstGeom>
+          <a:solidFill>
+            <a:schemeClr val="bg1"/>
+          </a:solidFill>
+          <a:ln>
+            <a:solidFill>
+              <a:schemeClr val="bg1"/>
+            </a:solidFill>
+          </a:ln>
+        </p:spPr>
+        <p:style>
+          <a:lnRef idx="2">
+            <a:schemeClr val="accent1">
+              <a:shade val="15000"/>
+            </a:schemeClr>
+          </a:lnRef>
+          <a:fillRef idx="1">
+            <a:schemeClr val="accent1"/>
+          </a:fillRef>
+          <a:effectRef idx="0">
+            <a:schemeClr val="accent1"/>
+          </a:effectRef>
+          <a:fontRef idx="minor">
+            <a:schemeClr val="lt1"/>
+          </a:fontRef>
+        </p:style>
+        <p:txBody>
+          <a:bodyPr rtlCol="0" anchor="ctr"/>
+          <a:lstStyle/>
+          <a:p>
+            <a:pPr algn="ctr"/>
+            <a:endParaRPr lang="en-US"/>
+          </a:p>
+        </p:txBody>
+      </p:sp>
+      <p:sp>
+        <p:nvSpPr>
+          <p:cNvPr id="10" name="Rectangle 9">
+            <a:extLst>
+              <a:ext uri="{FF2B5EF4-FFF2-40B4-BE49-F238E27FC236}">
+                <a16:creationId xmlns:a16="http://schemas.microsoft.com/office/drawing/2014/main" id="{5691CFC5-A082-5C67-58D1-0BF8336773DA}"/>
+              </a:ext>
+            </a:extLst>
+          </p:cNvPr>
+          <p:cNvSpPr/>
+          <p:nvPr/>
+        </p:nvSpPr>
+        <p:spPr>
+          <a:xfrm>
+            <a:off x="2810757" y="3106171"/>
+            <a:ext cx="350368" cy="1195588"/>
+          </a:xfrm>
+          <a:prstGeom prst="rect">
+            <a:avLst/>
+          </a:prstGeom>
+          <a:solidFill>
+            <a:schemeClr val="tx2">
+              <a:lumMod val="50000"/>
+              <a:lumOff val="50000"/>
+            </a:schemeClr>
+          </a:solidFill>
+        </p:spPr>
+        <p:style>
+          <a:lnRef idx="2">
+            <a:schemeClr val="accent1">
+              <a:shade val="15000"/>
+            </a:schemeClr>
+          </a:lnRef>
+          <a:fillRef idx="1">
+            <a:schemeClr val="accent1"/>
+          </a:fillRef>
+          <a:effectRef idx="0">
+            <a:schemeClr val="accent1"/>
+          </a:effectRef>
+          <a:fontRef idx="minor">
+            <a:schemeClr val="lt1"/>
+          </a:fontRef>
+        </p:style>
+        <p:txBody>
+          <a:bodyPr rtlCol="0" anchor="ctr"/>
+          <a:lstStyle/>
+          <a:p>
+            <a:pPr algn="ctr"/>
+            <a:endParaRPr lang="en-US"/>
+          </a:p>
+        </p:txBody>
+      </p:sp>
+      <p:sp>
+        <p:nvSpPr>
+          <p:cNvPr id="11" name="Rectangle 10">
+            <a:extLst>
+              <a:ext uri="{FF2B5EF4-FFF2-40B4-BE49-F238E27FC236}">
+                <a16:creationId xmlns:a16="http://schemas.microsoft.com/office/drawing/2014/main" id="{7977C807-1622-0798-C89B-8FEB0776323D}"/>
+              </a:ext>
+            </a:extLst>
+          </p:cNvPr>
+          <p:cNvSpPr/>
+          <p:nvPr/>
+        </p:nvSpPr>
+        <p:spPr>
+          <a:xfrm>
+            <a:off x="2460389" y="3106171"/>
+            <a:ext cx="350368" cy="1195588"/>
+          </a:xfrm>
+          <a:prstGeom prst="rect">
+            <a:avLst/>
+          </a:prstGeom>
+          <a:solidFill>
+            <a:schemeClr val="accent6">
+              <a:lumMod val="75000"/>
+            </a:schemeClr>
+          </a:solidFill>
+        </p:spPr>
+        <p:style>
+          <a:lnRef idx="2">
+            <a:schemeClr val="accent1">
+              <a:shade val="15000"/>
+            </a:schemeClr>
+          </a:lnRef>
+          <a:fillRef idx="1">
+            <a:schemeClr val="accent1"/>
+          </a:fillRef>
+          <a:effectRef idx="0">
+            <a:schemeClr val="accent1"/>
+          </a:effectRef>
+          <a:fontRef idx="minor">
+            <a:schemeClr val="lt1"/>
+          </a:fontRef>
+        </p:style>
+        <p:txBody>
+          <a:bodyPr rtlCol="0" anchor="ctr"/>
+          <a:lstStyle/>
+          <a:p>
+            <a:pPr algn="ctr"/>
+            <a:endParaRPr lang="en-US"/>
+          </a:p>
+        </p:txBody>
+      </p:sp>
+      <p:sp>
+        <p:nvSpPr>
+          <p:cNvPr id="12" name="Rectangle 11">
+            <a:extLst>
+              <a:ext uri="{FF2B5EF4-FFF2-40B4-BE49-F238E27FC236}">
+                <a16:creationId xmlns:a16="http://schemas.microsoft.com/office/drawing/2014/main" id="{E39F5AEA-2462-3BA6-EECA-952A86315697}"/>
+              </a:ext>
+            </a:extLst>
+          </p:cNvPr>
+          <p:cNvSpPr/>
+          <p:nvPr/>
+        </p:nvSpPr>
+        <p:spPr>
+          <a:xfrm>
+            <a:off x="2101380" y="3103035"/>
+            <a:ext cx="350368" cy="1195588"/>
+          </a:xfrm>
+          <a:prstGeom prst="rect">
+            <a:avLst/>
+          </a:prstGeom>
+          <a:solidFill>
+            <a:srgbClr val="FF0000"/>
+          </a:solidFill>
+        </p:spPr>
+        <p:style>
+          <a:lnRef idx="2">
+            <a:schemeClr val="accent1">
+              <a:shade val="15000"/>
+            </a:schemeClr>
+          </a:lnRef>
+          <a:fillRef idx="1">
+            <a:schemeClr val="accent1"/>
+          </a:fillRef>
+          <a:effectRef idx="0">
+            <a:schemeClr val="accent1"/>
+          </a:effectRef>
+          <a:fontRef idx="minor">
+            <a:schemeClr val="lt1"/>
+          </a:fontRef>
+        </p:style>
+        <p:txBody>
+          <a:bodyPr rtlCol="0" anchor="ctr"/>
+          <a:lstStyle/>
+          <a:p>
+            <a:pPr algn="ctr"/>
+            <a:endParaRPr lang="en-US"/>
+          </a:p>
+        </p:txBody>
+      </p:sp>
+      <p:cxnSp>
+        <p:nvCxnSpPr>
+          <p:cNvPr id="17" name="Straight Connector 16">
+            <a:extLst>
+              <a:ext uri="{FF2B5EF4-FFF2-40B4-BE49-F238E27FC236}">
+                <a16:creationId xmlns:a16="http://schemas.microsoft.com/office/drawing/2014/main" id="{CA1D62E1-A124-41DF-DF84-303887ABC525}"/>
+              </a:ext>
+            </a:extLst>
+          </p:cNvPr>
+          <p:cNvCxnSpPr/>
+          <p:nvPr/>
+        </p:nvCxnSpPr>
+        <p:spPr>
+          <a:xfrm flipV="1">
+            <a:off x="2493383" y="2659554"/>
+            <a:ext cx="367651" cy="425822"/>
+          </a:xfrm>
+          <a:prstGeom prst="line">
+            <a:avLst/>
+          </a:prstGeom>
+          <a:ln>
+            <a:solidFill>
+              <a:schemeClr val="tx1"/>
+            </a:solidFill>
+          </a:ln>
+        </p:spPr>
+        <p:style>
+          <a:lnRef idx="2">
+            <a:schemeClr val="accent1"/>
+          </a:lnRef>
+          <a:fillRef idx="0">
+            <a:schemeClr val="accent1"/>
+          </a:fillRef>
+          <a:effectRef idx="1">
+            <a:schemeClr val="accent1"/>
+          </a:effectRef>
+          <a:fontRef idx="minor">
+            <a:schemeClr val="tx1"/>
+          </a:fontRef>
+        </p:style>
+      </p:cxnSp>
+      <p:cxnSp>
+        <p:nvCxnSpPr>
+          <p:cNvPr id="18" name="Straight Connector 17">
+            <a:extLst>
+              <a:ext uri="{FF2B5EF4-FFF2-40B4-BE49-F238E27FC236}">
+                <a16:creationId xmlns:a16="http://schemas.microsoft.com/office/drawing/2014/main" id="{9D7A116F-81F6-9BDF-77AA-44105816960C}"/>
+              </a:ext>
+            </a:extLst>
+          </p:cNvPr>
+          <p:cNvCxnSpPr/>
+          <p:nvPr/>
+        </p:nvCxnSpPr>
+        <p:spPr>
+          <a:xfrm flipV="1">
+            <a:off x="2837465" y="2659554"/>
+            <a:ext cx="367651" cy="425822"/>
+          </a:xfrm>
+          <a:prstGeom prst="line">
+            <a:avLst/>
+          </a:prstGeom>
+          <a:ln>
+            <a:solidFill>
+              <a:schemeClr val="tx1"/>
+            </a:solidFill>
+          </a:ln>
+        </p:spPr>
+        <p:style>
+          <a:lnRef idx="2">
+            <a:schemeClr val="accent1"/>
+          </a:lnRef>
+          <a:fillRef idx="0">
+            <a:schemeClr val="accent1"/>
+          </a:fillRef>
+          <a:effectRef idx="1">
+            <a:schemeClr val="accent1"/>
+          </a:effectRef>
+          <a:fontRef idx="minor">
+            <a:schemeClr val="tx1"/>
+          </a:fontRef>
+        </p:style>
+      </p:cxnSp>
+      <p:sp>
+        <p:nvSpPr>
+          <p:cNvPr id="24" name="Freeform: Shape 23">
+            <a:extLst>
+              <a:ext uri="{FF2B5EF4-FFF2-40B4-BE49-F238E27FC236}">
+                <a16:creationId xmlns:a16="http://schemas.microsoft.com/office/drawing/2014/main" id="{400F36D3-6F6F-BF56-B20B-5FDED9E7EDC3}"/>
+              </a:ext>
+            </a:extLst>
+          </p:cNvPr>
+          <p:cNvSpPr/>
+          <p:nvPr/>
+        </p:nvSpPr>
+        <p:spPr>
+          <a:xfrm>
+            <a:off x="2493383" y="2639505"/>
+            <a:ext cx="711730" cy="452486"/>
+          </a:xfrm>
+          <a:custGeom>
+            <a:avLst/>
+            <a:gdLst>
+              <a:gd name="connsiteX0" fmla="*/ 0 w 678730"/>
+              <a:gd name="connsiteY0" fmla="*/ 433633 h 433633"/>
+              <a:gd name="connsiteX1" fmla="*/ 320511 w 678730"/>
+              <a:gd name="connsiteY1" fmla="*/ 433633 h 433633"/>
+              <a:gd name="connsiteX2" fmla="*/ 678730 w 678730"/>
+              <a:gd name="connsiteY2" fmla="*/ 0 h 433633"/>
+              <a:gd name="connsiteX3" fmla="*/ 339365 w 678730"/>
+              <a:gd name="connsiteY3" fmla="*/ 0 h 433633"/>
+              <a:gd name="connsiteX4" fmla="*/ 0 w 678730"/>
+              <a:gd name="connsiteY4" fmla="*/ 433633 h 433633"/>
+            </a:gdLst>
+            <a:ahLst/>
+            <a:cxnLst>
+              <a:cxn ang="0">
+                <a:pos x="connsiteX0" y="connsiteY0"/>
+              </a:cxn>
+              <a:cxn ang="0">
+                <a:pos x="connsiteX1" y="connsiteY1"/>
+              </a:cxn>
+              <a:cxn ang="0">
+                <a:pos x="connsiteX2" y="connsiteY2"/>
+              </a:cxn>
+              <a:cxn ang="0">
+                <a:pos x="connsiteX3" y="connsiteY3"/>
+              </a:cxn>
+              <a:cxn ang="0">
+                <a:pos x="connsiteX4" y="connsiteY4"/>
+              </a:cxn>
+            </a:cxnLst>
+            <a:rect l="l" t="t" r="r" b="b"/>
+            <a:pathLst>
+              <a:path w="678730" h="433633">
+                <a:moveTo>
+                  <a:pt x="0" y="433633"/>
+                </a:moveTo>
+                <a:lnTo>
+                  <a:pt x="320511" y="433633"/>
+                </a:lnTo>
+                <a:lnTo>
+                  <a:pt x="678730" y="0"/>
+                </a:lnTo>
+                <a:lnTo>
+                  <a:pt x="339365" y="0"/>
+                </a:lnTo>
+                <a:lnTo>
+                  <a:pt x="0" y="433633"/>
+                </a:lnTo>
+                <a:close/>
+              </a:path>
+            </a:pathLst>
+          </a:custGeom>
+          <a:solidFill>
+            <a:schemeClr val="accent6">
+              <a:lumMod val="75000"/>
+            </a:schemeClr>
+          </a:solidFill>
+        </p:spPr>
+        <p:style>
+          <a:lnRef idx="2">
+            <a:schemeClr val="accent1">
+              <a:shade val="15000"/>
+            </a:schemeClr>
+          </a:lnRef>
+          <a:fillRef idx="1">
+            <a:schemeClr val="accent1"/>
+          </a:fillRef>
+          <a:effectRef idx="0">
+            <a:schemeClr val="accent1"/>
+          </a:effectRef>
+          <a:fontRef idx="minor">
+            <a:schemeClr val="lt1"/>
+          </a:fontRef>
+        </p:style>
+        <p:txBody>
+          <a:bodyPr rtlCol="0" anchor="ctr"/>
+          <a:lstStyle/>
+          <a:p>
+            <a:pPr algn="ctr"/>
+            <a:endParaRPr lang="en-US"/>
+          </a:p>
+        </p:txBody>
+      </p:sp>
+      <p:sp>
+        <p:nvSpPr>
+          <p:cNvPr id="25" name="Freeform: Shape 24">
+            <a:extLst>
+              <a:ext uri="{FF2B5EF4-FFF2-40B4-BE49-F238E27FC236}">
+                <a16:creationId xmlns:a16="http://schemas.microsoft.com/office/drawing/2014/main" id="{1265DB68-D17F-CD4A-225C-502A0D99EA9E}"/>
+              </a:ext>
+            </a:extLst>
+          </p:cNvPr>
+          <p:cNvSpPr/>
+          <p:nvPr/>
+        </p:nvSpPr>
+        <p:spPr>
+          <a:xfrm>
+            <a:off x="2829606" y="2646194"/>
+            <a:ext cx="751013" cy="456841"/>
+          </a:xfrm>
+          <a:custGeom>
+            <a:avLst/>
+            <a:gdLst>
+              <a:gd name="connsiteX0" fmla="*/ 0 w 678730"/>
+              <a:gd name="connsiteY0" fmla="*/ 433633 h 433633"/>
+              <a:gd name="connsiteX1" fmla="*/ 320511 w 678730"/>
+              <a:gd name="connsiteY1" fmla="*/ 433633 h 433633"/>
+              <a:gd name="connsiteX2" fmla="*/ 678730 w 678730"/>
+              <a:gd name="connsiteY2" fmla="*/ 0 h 433633"/>
+              <a:gd name="connsiteX3" fmla="*/ 339365 w 678730"/>
+              <a:gd name="connsiteY3" fmla="*/ 0 h 433633"/>
+              <a:gd name="connsiteX4" fmla="*/ 0 w 678730"/>
+              <a:gd name="connsiteY4" fmla="*/ 433633 h 433633"/>
+            </a:gdLst>
+            <a:ahLst/>
+            <a:cxnLst>
+              <a:cxn ang="0">
+                <a:pos x="connsiteX0" y="connsiteY0"/>
+              </a:cxn>
+              <a:cxn ang="0">
+                <a:pos x="connsiteX1" y="connsiteY1"/>
+              </a:cxn>
+              <a:cxn ang="0">
+                <a:pos x="connsiteX2" y="connsiteY2"/>
+              </a:cxn>
+              <a:cxn ang="0">
+                <a:pos x="connsiteX3" y="connsiteY3"/>
+              </a:cxn>
+              <a:cxn ang="0">
+                <a:pos x="connsiteX4" y="connsiteY4"/>
+              </a:cxn>
+            </a:cxnLst>
+            <a:rect l="l" t="t" r="r" b="b"/>
+            <a:pathLst>
+              <a:path w="678730" h="433633">
+                <a:moveTo>
+                  <a:pt x="0" y="433633"/>
+                </a:moveTo>
+                <a:lnTo>
+                  <a:pt x="320511" y="433633"/>
+                </a:lnTo>
+                <a:lnTo>
+                  <a:pt x="678730" y="0"/>
+                </a:lnTo>
+                <a:lnTo>
+                  <a:pt x="339365" y="0"/>
+                </a:lnTo>
+                <a:lnTo>
+                  <a:pt x="0" y="433633"/>
+                </a:lnTo>
+                <a:close/>
+              </a:path>
+            </a:pathLst>
+          </a:custGeom>
+          <a:solidFill>
+            <a:schemeClr val="tx2">
+              <a:lumMod val="50000"/>
+              <a:lumOff val="50000"/>
+            </a:schemeClr>
+          </a:solidFill>
+        </p:spPr>
+        <p:style>
+          <a:lnRef idx="2">
+            <a:schemeClr val="accent1">
+              <a:shade val="15000"/>
+            </a:schemeClr>
+          </a:lnRef>
+          <a:fillRef idx="1">
+            <a:schemeClr val="accent1"/>
+          </a:fillRef>
+          <a:effectRef idx="0">
+            <a:schemeClr val="accent1"/>
+          </a:effectRef>
+          <a:fontRef idx="minor">
+            <a:schemeClr val="lt1"/>
+          </a:fontRef>
+        </p:style>
+        <p:txBody>
+          <a:bodyPr rtlCol="0" anchor="ctr"/>
+          <a:lstStyle/>
+          <a:p>
+            <a:pPr algn="ctr"/>
+            <a:endParaRPr lang="en-US"/>
+          </a:p>
+        </p:txBody>
+      </p:sp>
+      <p:sp>
+        <p:nvSpPr>
+          <p:cNvPr id="26" name="Freeform: Shape 25">
+            <a:extLst>
+              <a:ext uri="{FF2B5EF4-FFF2-40B4-BE49-F238E27FC236}">
+                <a16:creationId xmlns:a16="http://schemas.microsoft.com/office/drawing/2014/main" id="{F00DEC49-B9FE-1117-9483-2F6CF7B26B50}"/>
+              </a:ext>
+            </a:extLst>
+          </p:cNvPr>
+          <p:cNvSpPr/>
+          <p:nvPr/>
+        </p:nvSpPr>
+        <p:spPr>
+          <a:xfrm>
+            <a:off x="2073896" y="2630079"/>
+            <a:ext cx="782425" cy="452486"/>
+          </a:xfrm>
+          <a:custGeom>
+            <a:avLst/>
+            <a:gdLst>
+              <a:gd name="connsiteX0" fmla="*/ 0 w 782425"/>
+              <a:gd name="connsiteY0" fmla="*/ 452486 h 452486"/>
+              <a:gd name="connsiteX1" fmla="*/ 433633 w 782425"/>
+              <a:gd name="connsiteY1" fmla="*/ 452486 h 452486"/>
+              <a:gd name="connsiteX2" fmla="*/ 782425 w 782425"/>
+              <a:gd name="connsiteY2" fmla="*/ 18853 h 452486"/>
+              <a:gd name="connsiteX3" fmla="*/ 490194 w 782425"/>
+              <a:gd name="connsiteY3" fmla="*/ 0 h 452486"/>
+              <a:gd name="connsiteX4" fmla="*/ 0 w 782425"/>
+              <a:gd name="connsiteY4" fmla="*/ 452486 h 452486"/>
+            </a:gdLst>
+            <a:ahLst/>
+            <a:cxnLst>
+              <a:cxn ang="0">
+                <a:pos x="connsiteX0" y="connsiteY0"/>
+              </a:cxn>
+              <a:cxn ang="0">
+                <a:pos x="connsiteX1" y="connsiteY1"/>
+              </a:cxn>
+              <a:cxn ang="0">
+                <a:pos x="connsiteX2" y="connsiteY2"/>
+              </a:cxn>
+              <a:cxn ang="0">
+                <a:pos x="connsiteX3" y="connsiteY3"/>
+              </a:cxn>
+              <a:cxn ang="0">
+                <a:pos x="connsiteX4" y="connsiteY4"/>
+              </a:cxn>
+            </a:cxnLst>
+            <a:rect l="l" t="t" r="r" b="b"/>
+            <a:pathLst>
+              <a:path w="782425" h="452486">
+                <a:moveTo>
+                  <a:pt x="0" y="452486"/>
+                </a:moveTo>
+                <a:lnTo>
+                  <a:pt x="433633" y="452486"/>
+                </a:lnTo>
+                <a:lnTo>
+                  <a:pt x="782425" y="18853"/>
+                </a:lnTo>
+                <a:lnTo>
+                  <a:pt x="490194" y="0"/>
+                </a:lnTo>
+                <a:lnTo>
+                  <a:pt x="0" y="452486"/>
+                </a:lnTo>
+                <a:close/>
+              </a:path>
+            </a:pathLst>
+          </a:custGeom>
+          <a:solidFill>
+            <a:srgbClr val="FF0000"/>
+          </a:solidFill>
+        </p:spPr>
+        <p:style>
+          <a:lnRef idx="2">
+            <a:schemeClr val="accent1">
+              <a:shade val="15000"/>
+            </a:schemeClr>
+          </a:lnRef>
+          <a:fillRef idx="1">
+            <a:schemeClr val="accent1"/>
+          </a:fillRef>
+          <a:effectRef idx="0">
+            <a:schemeClr val="accent1"/>
+          </a:effectRef>
+          <a:fontRef idx="minor">
+            <a:schemeClr val="lt1"/>
+          </a:fontRef>
+        </p:style>
+        <p:txBody>
+          <a:bodyPr rtlCol="0" anchor="ctr"/>
+          <a:lstStyle/>
+          <a:p>
+            <a:pPr algn="ctr"/>
+            <a:endParaRPr lang="en-US"/>
+          </a:p>
+        </p:txBody>
+      </p:sp>
+      <p:sp>
+        <p:nvSpPr>
+          <p:cNvPr id="27" name="Freeform: Shape 26">
+            <a:extLst>
+              <a:ext uri="{FF2B5EF4-FFF2-40B4-BE49-F238E27FC236}">
+                <a16:creationId xmlns:a16="http://schemas.microsoft.com/office/drawing/2014/main" id="{06460EC4-7D6A-C2AD-2CA4-9FDC17E038C1}"/>
+              </a:ext>
+            </a:extLst>
+          </p:cNvPr>
+          <p:cNvSpPr/>
+          <p:nvPr/>
+        </p:nvSpPr>
+        <p:spPr>
+          <a:xfrm>
+            <a:off x="3167405" y="2630079"/>
+            <a:ext cx="432063" cy="1649690"/>
+          </a:xfrm>
+          <a:custGeom>
+            <a:avLst/>
+            <a:gdLst>
+              <a:gd name="connsiteX0" fmla="*/ 9427 w 461914"/>
+              <a:gd name="connsiteY0" fmla="*/ 452487 h 1621410"/>
+              <a:gd name="connsiteX1" fmla="*/ 0 w 461914"/>
+              <a:gd name="connsiteY1" fmla="*/ 1621410 h 1621410"/>
+              <a:gd name="connsiteX2" fmla="*/ 461914 w 461914"/>
+              <a:gd name="connsiteY2" fmla="*/ 1197204 h 1621410"/>
+              <a:gd name="connsiteX3" fmla="*/ 461914 w 461914"/>
+              <a:gd name="connsiteY3" fmla="*/ 0 h 1621410"/>
+              <a:gd name="connsiteX4" fmla="*/ 9427 w 461914"/>
+              <a:gd name="connsiteY4" fmla="*/ 452487 h 1621410"/>
+            </a:gdLst>
+            <a:ahLst/>
+            <a:cxnLst>
+              <a:cxn ang="0">
+                <a:pos x="connsiteX0" y="connsiteY0"/>
+              </a:cxn>
+              <a:cxn ang="0">
+                <a:pos x="connsiteX1" y="connsiteY1"/>
+              </a:cxn>
+              <a:cxn ang="0">
+                <a:pos x="connsiteX2" y="connsiteY2"/>
+              </a:cxn>
+              <a:cxn ang="0">
+                <a:pos x="connsiteX3" y="connsiteY3"/>
+              </a:cxn>
+              <a:cxn ang="0">
+                <a:pos x="connsiteX4" y="connsiteY4"/>
+              </a:cxn>
+            </a:cxnLst>
+            <a:rect l="l" t="t" r="r" b="b"/>
+            <a:pathLst>
+              <a:path w="461914" h="1621410">
+                <a:moveTo>
+                  <a:pt x="9427" y="452487"/>
+                </a:moveTo>
+                <a:cubicBezTo>
+                  <a:pt x="6285" y="842128"/>
+                  <a:pt x="3142" y="1231769"/>
+                  <a:pt x="0" y="1621410"/>
+                </a:cubicBezTo>
+                <a:lnTo>
+                  <a:pt x="461914" y="1197204"/>
+                </a:lnTo>
+                <a:lnTo>
+                  <a:pt x="461914" y="0"/>
+                </a:lnTo>
+                <a:lnTo>
+                  <a:pt x="9427" y="452487"/>
+                </a:lnTo>
+                <a:close/>
+              </a:path>
+            </a:pathLst>
+          </a:custGeom>
+          <a:solidFill>
+            <a:schemeClr val="tx2">
+              <a:lumMod val="50000"/>
+              <a:lumOff val="50000"/>
+            </a:schemeClr>
+          </a:solidFill>
+        </p:spPr>
+        <p:style>
+          <a:lnRef idx="2">
+            <a:schemeClr val="accent1">
+              <a:shade val="15000"/>
+            </a:schemeClr>
+          </a:lnRef>
+          <a:fillRef idx="1">
+            <a:schemeClr val="accent1"/>
+          </a:fillRef>
+          <a:effectRef idx="0">
+            <a:schemeClr val="accent1"/>
+          </a:effectRef>
+          <a:fontRef idx="minor">
+            <a:schemeClr val="lt1"/>
+          </a:fontRef>
+        </p:style>
+        <p:txBody>
+          <a:bodyPr rtlCol="0" anchor="ctr"/>
+          <a:lstStyle/>
+          <a:p>
+            <a:pPr algn="ctr"/>
+            <a:endParaRPr lang="en-US"/>
+          </a:p>
+        </p:txBody>
+      </p:sp>
+      <p:cxnSp>
+        <p:nvCxnSpPr>
+          <p:cNvPr id="29" name="Straight Arrow Connector 28">
+            <a:extLst>
+              <a:ext uri="{FF2B5EF4-FFF2-40B4-BE49-F238E27FC236}">
+                <a16:creationId xmlns:a16="http://schemas.microsoft.com/office/drawing/2014/main" id="{2F77B0F5-FD9C-374B-5369-1E04731F3A85}"/>
+              </a:ext>
+            </a:extLst>
+          </p:cNvPr>
+          <p:cNvCxnSpPr>
+            <a:cxnSpLocks/>
+          </p:cNvCxnSpPr>
+          <p:nvPr/>
+        </p:nvCxnSpPr>
+        <p:spPr>
+          <a:xfrm>
+            <a:off x="4892511" y="3297025"/>
+            <a:ext cx="1640264" cy="0"/>
+          </a:xfrm>
+          <a:prstGeom prst="straightConnector1">
+            <a:avLst/>
+          </a:prstGeom>
+          <a:ln>
+            <a:solidFill>
+              <a:schemeClr val="tx1"/>
+            </a:solidFill>
+            <a:tailEnd type="triangle"/>
+          </a:ln>
+        </p:spPr>
+        <p:style>
+          <a:lnRef idx="2">
+            <a:schemeClr val="accent1"/>
+          </a:lnRef>
+          <a:fillRef idx="0">
+            <a:schemeClr val="accent1"/>
+          </a:fillRef>
+          <a:effectRef idx="1">
+            <a:schemeClr val="accent1"/>
+          </a:effectRef>
+          <a:fontRef idx="minor">
+            <a:schemeClr val="tx1"/>
+          </a:fontRef>
+        </p:style>
+      </p:cxnSp>
+      <p:sp>
+        <p:nvSpPr>
+          <p:cNvPr id="31" name="TextBox 30">
+            <a:extLst>
+              <a:ext uri="{FF2B5EF4-FFF2-40B4-BE49-F238E27FC236}">
+                <a16:creationId xmlns:a16="http://schemas.microsoft.com/office/drawing/2014/main" id="{84F28914-A06D-FBC3-5170-A14137E0CA51}"/>
+              </a:ext>
+            </a:extLst>
+          </p:cNvPr>
+          <p:cNvSpPr txBox="1"/>
+          <p:nvPr/>
+        </p:nvSpPr>
+        <p:spPr>
+          <a:xfrm>
+            <a:off x="5241302" y="2872465"/>
+            <a:ext cx="1027522" cy="369332"/>
+          </a:xfrm>
+          <a:prstGeom prst="rect">
+            <a:avLst/>
+          </a:prstGeom>
+          <a:noFill/>
+        </p:spPr>
+        <p:txBody>
+          <a:bodyPr wrap="square" rtlCol="0">
+            <a:spAutoFit/>
+          </a:bodyPr>
+          <a:lstStyle/>
+          <a:p>
+            <a:r>
+              <a:rPr lang="en-US" dirty="0"/>
+              <a:t>SENet</a:t>
+            </a:r>
+          </a:p>
+        </p:txBody>
+      </p:sp>
+      <p:pic>
+        <p:nvPicPr>
+          <p:cNvPr id="32" name="Picture 31">
+            <a:extLst>
+              <a:ext uri="{FF2B5EF4-FFF2-40B4-BE49-F238E27FC236}">
+                <a16:creationId xmlns:a16="http://schemas.microsoft.com/office/drawing/2014/main" id="{1994495A-DFD7-3256-3F23-95C80D08E63C}"/>
+              </a:ext>
+            </a:extLst>
+          </p:cNvPr>
+          <p:cNvPicPr>
+            <a:picLocks noChangeAspect="1"/>
+          </p:cNvPicPr>
+          <p:nvPr/>
+        </p:nvPicPr>
+        <p:blipFill rotWithShape="1">
+          <a:blip r:embed="rId2"/>
+          <a:srcRect l="32552" t="25872" r="56623" b="34571"/>
+          <a:stretch/>
+        </p:blipFill>
+        <p:spPr>
+          <a:xfrm>
+            <a:off x="7574437" y="2561734"/>
+            <a:ext cx="1706252" cy="1803752"/>
+          </a:xfrm>
+          <a:prstGeom prst="rect">
+            <a:avLst/>
+          </a:prstGeom>
+        </p:spPr>
+      </p:pic>
+      <p:sp>
+        <p:nvSpPr>
+          <p:cNvPr id="33" name="Rectangle 32">
+            <a:extLst>
+              <a:ext uri="{FF2B5EF4-FFF2-40B4-BE49-F238E27FC236}">
+                <a16:creationId xmlns:a16="http://schemas.microsoft.com/office/drawing/2014/main" id="{1427F7BC-599D-0546-0135-42DAB0542BD8}"/>
+              </a:ext>
+            </a:extLst>
+          </p:cNvPr>
+          <p:cNvSpPr/>
+          <p:nvPr/>
+        </p:nvSpPr>
+        <p:spPr>
+          <a:xfrm>
+            <a:off x="8394569" y="3297025"/>
+            <a:ext cx="216817" cy="360575"/>
+          </a:xfrm>
+          <a:prstGeom prst="rect">
+            <a:avLst/>
+          </a:prstGeom>
+          <a:solidFill>
+            <a:schemeClr val="bg1"/>
+          </a:solidFill>
+          <a:ln>
+            <a:solidFill>
+              <a:schemeClr val="bg1"/>
+            </a:solidFill>
+          </a:ln>
+        </p:spPr>
+        <p:style>
+          <a:lnRef idx="2">
+            <a:schemeClr val="accent1">
+              <a:shade val="15000"/>
+            </a:schemeClr>
+          </a:lnRef>
+          <a:fillRef idx="1">
+            <a:schemeClr val="accent1"/>
+          </a:fillRef>
+          <a:effectRef idx="0">
+            <a:schemeClr val="accent1"/>
+          </a:effectRef>
+          <a:fontRef idx="minor">
+            <a:schemeClr val="lt1"/>
+          </a:fontRef>
+        </p:style>
+        <p:txBody>
+          <a:bodyPr rtlCol="0" anchor="ctr"/>
+          <a:lstStyle/>
+          <a:p>
+            <a:pPr algn="ctr"/>
+            <a:endParaRPr lang="en-US"/>
+          </a:p>
+        </p:txBody>
+      </p:sp>
+      <p:sp>
+        <p:nvSpPr>
+          <p:cNvPr id="34" name="Rectangle 33">
+            <a:extLst>
+              <a:ext uri="{FF2B5EF4-FFF2-40B4-BE49-F238E27FC236}">
+                <a16:creationId xmlns:a16="http://schemas.microsoft.com/office/drawing/2014/main" id="{83E70F16-165F-EF61-4DC0-513DEBECEBA4}"/>
+              </a:ext>
+            </a:extLst>
+          </p:cNvPr>
+          <p:cNvSpPr/>
+          <p:nvPr/>
+        </p:nvSpPr>
+        <p:spPr>
+          <a:xfrm>
+            <a:off x="9063872" y="4004911"/>
+            <a:ext cx="216817" cy="360575"/>
+          </a:xfrm>
+          <a:prstGeom prst="rect">
+            <a:avLst/>
+          </a:prstGeom>
+          <a:solidFill>
+            <a:schemeClr val="bg1"/>
+          </a:solidFill>
+          <a:ln>
+            <a:solidFill>
+              <a:schemeClr val="bg1"/>
+            </a:solidFill>
+          </a:ln>
+        </p:spPr>
+        <p:style>
+          <a:lnRef idx="2">
+            <a:schemeClr val="accent1">
+              <a:shade val="15000"/>
+            </a:schemeClr>
+          </a:lnRef>
+          <a:fillRef idx="1">
+            <a:schemeClr val="accent1"/>
+          </a:fillRef>
+          <a:effectRef idx="0">
+            <a:schemeClr val="accent1"/>
+          </a:effectRef>
+          <a:fontRef idx="minor">
+            <a:schemeClr val="lt1"/>
+          </a:fontRef>
+        </p:style>
+        <p:txBody>
+          <a:bodyPr rtlCol="0" anchor="ctr"/>
+          <a:lstStyle/>
+          <a:p>
+            <a:pPr algn="ctr"/>
+            <a:endParaRPr lang="en-US"/>
+          </a:p>
+        </p:txBody>
+      </p:sp>
+      <p:sp>
+        <p:nvSpPr>
+          <p:cNvPr id="35" name="Rectangle 34">
+            <a:extLst>
+              <a:ext uri="{FF2B5EF4-FFF2-40B4-BE49-F238E27FC236}">
+                <a16:creationId xmlns:a16="http://schemas.microsoft.com/office/drawing/2014/main" id="{2A4F4C1C-7586-948A-3489-D9329F8305D7}"/>
+              </a:ext>
+            </a:extLst>
+          </p:cNvPr>
+          <p:cNvSpPr/>
+          <p:nvPr/>
+        </p:nvSpPr>
+        <p:spPr>
+          <a:xfrm>
+            <a:off x="9214701" y="3103035"/>
+            <a:ext cx="216817" cy="360575"/>
+          </a:xfrm>
+          <a:prstGeom prst="rect">
+            <a:avLst/>
+          </a:prstGeom>
+          <a:solidFill>
+            <a:schemeClr val="bg1"/>
+          </a:solidFill>
+          <a:ln>
+            <a:solidFill>
+              <a:schemeClr val="bg1"/>
+            </a:solidFill>
+          </a:ln>
+        </p:spPr>
+        <p:style>
+          <a:lnRef idx="2">
+            <a:schemeClr val="accent1">
+              <a:shade val="15000"/>
+            </a:schemeClr>
+          </a:lnRef>
+          <a:fillRef idx="1">
+            <a:schemeClr val="accent1"/>
+          </a:fillRef>
+          <a:effectRef idx="0">
+            <a:schemeClr val="accent1"/>
+          </a:effectRef>
+          <a:fontRef idx="minor">
+            <a:schemeClr val="lt1"/>
+          </a:fontRef>
+        </p:style>
+        <p:txBody>
+          <a:bodyPr rtlCol="0" anchor="ctr"/>
+          <a:lstStyle/>
+          <a:p>
+            <a:pPr algn="ctr"/>
+            <a:endParaRPr lang="en-US"/>
+          </a:p>
+        </p:txBody>
+      </p:sp>
+      <p:sp>
+        <p:nvSpPr>
+          <p:cNvPr id="36" name="Rectangle 35">
+            <a:extLst>
+              <a:ext uri="{FF2B5EF4-FFF2-40B4-BE49-F238E27FC236}">
+                <a16:creationId xmlns:a16="http://schemas.microsoft.com/office/drawing/2014/main" id="{BAF7BBC6-D525-D410-4DA2-DEDFC7F362D1}"/>
+              </a:ext>
+            </a:extLst>
+          </p:cNvPr>
+          <p:cNvSpPr/>
+          <p:nvPr/>
+        </p:nvSpPr>
+        <p:spPr>
+          <a:xfrm>
+            <a:off x="8377286" y="3106171"/>
+            <a:ext cx="350368" cy="1195588"/>
+          </a:xfrm>
+          <a:prstGeom prst="rect">
+            <a:avLst/>
+          </a:prstGeom>
+          <a:solidFill>
+            <a:schemeClr val="tx2">
+              <a:lumMod val="90000"/>
+              <a:lumOff val="10000"/>
+            </a:schemeClr>
+          </a:solidFill>
+        </p:spPr>
+        <p:style>
+          <a:lnRef idx="2">
+            <a:schemeClr val="accent1">
+              <a:shade val="15000"/>
+            </a:schemeClr>
+          </a:lnRef>
+          <a:fillRef idx="1">
+            <a:schemeClr val="accent1"/>
+          </a:fillRef>
+          <a:effectRef idx="0">
+            <a:schemeClr val="accent1"/>
+          </a:effectRef>
+          <a:fontRef idx="minor">
+            <a:schemeClr val="lt1"/>
+          </a:fontRef>
+        </p:style>
+        <p:txBody>
+          <a:bodyPr rtlCol="0" anchor="ctr"/>
+          <a:lstStyle/>
+          <a:p>
+            <a:pPr algn="ctr"/>
+            <a:endParaRPr lang="en-US"/>
+          </a:p>
+        </p:txBody>
+      </p:sp>
+      <p:sp>
+        <p:nvSpPr>
+          <p:cNvPr id="37" name="Rectangle 36">
+            <a:extLst>
+              <a:ext uri="{FF2B5EF4-FFF2-40B4-BE49-F238E27FC236}">
+                <a16:creationId xmlns:a16="http://schemas.microsoft.com/office/drawing/2014/main" id="{55349B4F-B2DB-E934-2808-A3129623163F}"/>
+              </a:ext>
+            </a:extLst>
+          </p:cNvPr>
+          <p:cNvSpPr/>
+          <p:nvPr/>
+        </p:nvSpPr>
+        <p:spPr>
+          <a:xfrm>
+            <a:off x="8026918" y="3106171"/>
+            <a:ext cx="350368" cy="1195588"/>
+          </a:xfrm>
+          <a:prstGeom prst="rect">
+            <a:avLst/>
+          </a:prstGeom>
+          <a:solidFill>
+            <a:schemeClr val="accent6">
+              <a:lumMod val="75000"/>
+            </a:schemeClr>
+          </a:solidFill>
+        </p:spPr>
+        <p:style>
+          <a:lnRef idx="2">
+            <a:schemeClr val="accent1">
+              <a:shade val="15000"/>
+            </a:schemeClr>
+          </a:lnRef>
+          <a:fillRef idx="1">
+            <a:schemeClr val="accent1"/>
+          </a:fillRef>
+          <a:effectRef idx="0">
+            <a:schemeClr val="accent1"/>
+          </a:effectRef>
+          <a:fontRef idx="minor">
+            <a:schemeClr val="lt1"/>
+          </a:fontRef>
+        </p:style>
+        <p:txBody>
+          <a:bodyPr rtlCol="0" anchor="ctr"/>
+          <a:lstStyle/>
+          <a:p>
+            <a:pPr algn="ctr"/>
+            <a:endParaRPr lang="en-US"/>
+          </a:p>
+        </p:txBody>
+      </p:sp>
+      <p:sp>
+        <p:nvSpPr>
+          <p:cNvPr id="38" name="Rectangle 37">
+            <a:extLst>
+              <a:ext uri="{FF2B5EF4-FFF2-40B4-BE49-F238E27FC236}">
+                <a16:creationId xmlns:a16="http://schemas.microsoft.com/office/drawing/2014/main" id="{763EC828-1874-1F58-E5FB-22B44AF85964}"/>
+              </a:ext>
+            </a:extLst>
+          </p:cNvPr>
+          <p:cNvSpPr/>
+          <p:nvPr/>
+        </p:nvSpPr>
+        <p:spPr>
+          <a:xfrm>
+            <a:off x="7667909" y="3103035"/>
+            <a:ext cx="350368" cy="1195588"/>
+          </a:xfrm>
+          <a:prstGeom prst="rect">
+            <a:avLst/>
+          </a:prstGeom>
+          <a:solidFill>
+            <a:srgbClr val="C00000"/>
+          </a:solidFill>
+        </p:spPr>
+        <p:style>
+          <a:lnRef idx="2">
+            <a:schemeClr val="accent1">
+              <a:shade val="15000"/>
+            </a:schemeClr>
+          </a:lnRef>
+          <a:fillRef idx="1">
+            <a:schemeClr val="accent1"/>
+          </a:fillRef>
+          <a:effectRef idx="0">
+            <a:schemeClr val="accent1"/>
+          </a:effectRef>
+          <a:fontRef idx="minor">
+            <a:schemeClr val="lt1"/>
+          </a:fontRef>
+        </p:style>
+        <p:txBody>
+          <a:bodyPr rtlCol="0" anchor="ctr"/>
+          <a:lstStyle/>
+          <a:p>
+            <a:pPr algn="ctr"/>
+            <a:endParaRPr lang="en-US"/>
+          </a:p>
+        </p:txBody>
+      </p:sp>
+      <p:cxnSp>
+        <p:nvCxnSpPr>
+          <p:cNvPr id="39" name="Straight Connector 38">
+            <a:extLst>
+              <a:ext uri="{FF2B5EF4-FFF2-40B4-BE49-F238E27FC236}">
+                <a16:creationId xmlns:a16="http://schemas.microsoft.com/office/drawing/2014/main" id="{875477B9-3952-AC3F-16A2-D002A95C9812}"/>
+              </a:ext>
+            </a:extLst>
+          </p:cNvPr>
+          <p:cNvCxnSpPr/>
+          <p:nvPr/>
+        </p:nvCxnSpPr>
+        <p:spPr>
+          <a:xfrm flipV="1">
+            <a:off x="8059912" y="2659554"/>
+            <a:ext cx="367651" cy="425822"/>
+          </a:xfrm>
+          <a:prstGeom prst="line">
+            <a:avLst/>
+          </a:prstGeom>
+          <a:ln>
+            <a:solidFill>
+              <a:schemeClr val="tx1"/>
+            </a:solidFill>
+          </a:ln>
+        </p:spPr>
+        <p:style>
+          <a:lnRef idx="2">
+            <a:schemeClr val="accent1"/>
+          </a:lnRef>
+          <a:fillRef idx="0">
+            <a:schemeClr val="accent1"/>
+          </a:fillRef>
+          <a:effectRef idx="1">
+            <a:schemeClr val="accent1"/>
+          </a:effectRef>
+          <a:fontRef idx="minor">
+            <a:schemeClr val="tx1"/>
+          </a:fontRef>
+        </p:style>
+      </p:cxnSp>
+      <p:cxnSp>
+        <p:nvCxnSpPr>
+          <p:cNvPr id="40" name="Straight Connector 39">
+            <a:extLst>
+              <a:ext uri="{FF2B5EF4-FFF2-40B4-BE49-F238E27FC236}">
+                <a16:creationId xmlns:a16="http://schemas.microsoft.com/office/drawing/2014/main" id="{1F2DCFFE-CD5D-6444-8EE5-369F1DB6FB1A}"/>
+              </a:ext>
+            </a:extLst>
+          </p:cNvPr>
+          <p:cNvCxnSpPr/>
+          <p:nvPr/>
+        </p:nvCxnSpPr>
+        <p:spPr>
+          <a:xfrm flipV="1">
+            <a:off x="8403994" y="2659554"/>
+            <a:ext cx="367651" cy="425822"/>
+          </a:xfrm>
+          <a:prstGeom prst="line">
+            <a:avLst/>
+          </a:prstGeom>
+          <a:ln>
+            <a:solidFill>
+              <a:schemeClr val="tx1"/>
+            </a:solidFill>
+          </a:ln>
+        </p:spPr>
+        <p:style>
+          <a:lnRef idx="2">
+            <a:schemeClr val="accent1"/>
+          </a:lnRef>
+          <a:fillRef idx="0">
+            <a:schemeClr val="accent1"/>
+          </a:fillRef>
+          <a:effectRef idx="1">
+            <a:schemeClr val="accent1"/>
+          </a:effectRef>
+          <a:fontRef idx="minor">
+            <a:schemeClr val="tx1"/>
+          </a:fontRef>
+        </p:style>
+      </p:cxnSp>
+      <p:sp>
+        <p:nvSpPr>
+          <p:cNvPr id="41" name="Freeform: Shape 40">
+            <a:extLst>
+              <a:ext uri="{FF2B5EF4-FFF2-40B4-BE49-F238E27FC236}">
+                <a16:creationId xmlns:a16="http://schemas.microsoft.com/office/drawing/2014/main" id="{B8A69881-53C7-2E43-BD3C-0DD594C514B2}"/>
+              </a:ext>
+            </a:extLst>
+          </p:cNvPr>
+          <p:cNvSpPr/>
+          <p:nvPr/>
+        </p:nvSpPr>
+        <p:spPr>
+          <a:xfrm>
+            <a:off x="8059912" y="2639505"/>
+            <a:ext cx="711730" cy="452486"/>
+          </a:xfrm>
+          <a:custGeom>
+            <a:avLst/>
+            <a:gdLst>
+              <a:gd name="connsiteX0" fmla="*/ 0 w 678730"/>
+              <a:gd name="connsiteY0" fmla="*/ 433633 h 433633"/>
+              <a:gd name="connsiteX1" fmla="*/ 320511 w 678730"/>
+              <a:gd name="connsiteY1" fmla="*/ 433633 h 433633"/>
+              <a:gd name="connsiteX2" fmla="*/ 678730 w 678730"/>
+              <a:gd name="connsiteY2" fmla="*/ 0 h 433633"/>
+              <a:gd name="connsiteX3" fmla="*/ 339365 w 678730"/>
+              <a:gd name="connsiteY3" fmla="*/ 0 h 433633"/>
+              <a:gd name="connsiteX4" fmla="*/ 0 w 678730"/>
+              <a:gd name="connsiteY4" fmla="*/ 433633 h 433633"/>
+            </a:gdLst>
+            <a:ahLst/>
+            <a:cxnLst>
+              <a:cxn ang="0">
+                <a:pos x="connsiteX0" y="connsiteY0"/>
+              </a:cxn>
+              <a:cxn ang="0">
+                <a:pos x="connsiteX1" y="connsiteY1"/>
+              </a:cxn>
+              <a:cxn ang="0">
+                <a:pos x="connsiteX2" y="connsiteY2"/>
+              </a:cxn>
+              <a:cxn ang="0">
+                <a:pos x="connsiteX3" y="connsiteY3"/>
+              </a:cxn>
+              <a:cxn ang="0">
+                <a:pos x="connsiteX4" y="connsiteY4"/>
+              </a:cxn>
+            </a:cxnLst>
+            <a:rect l="l" t="t" r="r" b="b"/>
+            <a:pathLst>
+              <a:path w="678730" h="433633">
+                <a:moveTo>
+                  <a:pt x="0" y="433633"/>
+                </a:moveTo>
+                <a:lnTo>
+                  <a:pt x="320511" y="433633"/>
+                </a:lnTo>
+                <a:lnTo>
+                  <a:pt x="678730" y="0"/>
+                </a:lnTo>
+                <a:lnTo>
+                  <a:pt x="339365" y="0"/>
+                </a:lnTo>
+                <a:lnTo>
+                  <a:pt x="0" y="433633"/>
+                </a:lnTo>
+                <a:close/>
+              </a:path>
+            </a:pathLst>
+          </a:custGeom>
+          <a:solidFill>
+            <a:schemeClr val="accent6">
+              <a:lumMod val="75000"/>
+            </a:schemeClr>
+          </a:solidFill>
+        </p:spPr>
+        <p:style>
+          <a:lnRef idx="2">
+            <a:schemeClr val="accent1">
+              <a:shade val="15000"/>
+            </a:schemeClr>
+          </a:lnRef>
+          <a:fillRef idx="1">
+            <a:schemeClr val="accent1"/>
+          </a:fillRef>
+          <a:effectRef idx="0">
+            <a:schemeClr val="accent1"/>
+          </a:effectRef>
+          <a:fontRef idx="minor">
+            <a:schemeClr val="lt1"/>
+          </a:fontRef>
+        </p:style>
+        <p:txBody>
+          <a:bodyPr rtlCol="0" anchor="ctr"/>
+          <a:lstStyle/>
+          <a:p>
+            <a:pPr algn="ctr"/>
+            <a:endParaRPr lang="en-US"/>
+          </a:p>
+        </p:txBody>
+      </p:sp>
+      <p:sp>
+        <p:nvSpPr>
+          <p:cNvPr id="42" name="Freeform: Shape 41">
+            <a:extLst>
+              <a:ext uri="{FF2B5EF4-FFF2-40B4-BE49-F238E27FC236}">
+                <a16:creationId xmlns:a16="http://schemas.microsoft.com/office/drawing/2014/main" id="{57760C80-154C-D24A-5430-C6A299371EC4}"/>
+              </a:ext>
+            </a:extLst>
+          </p:cNvPr>
+          <p:cNvSpPr/>
+          <p:nvPr/>
+        </p:nvSpPr>
+        <p:spPr>
+          <a:xfrm>
+            <a:off x="8396135" y="2646194"/>
+            <a:ext cx="751013" cy="456841"/>
+          </a:xfrm>
+          <a:custGeom>
+            <a:avLst/>
+            <a:gdLst>
+              <a:gd name="connsiteX0" fmla="*/ 0 w 678730"/>
+              <a:gd name="connsiteY0" fmla="*/ 433633 h 433633"/>
+              <a:gd name="connsiteX1" fmla="*/ 320511 w 678730"/>
+              <a:gd name="connsiteY1" fmla="*/ 433633 h 433633"/>
+              <a:gd name="connsiteX2" fmla="*/ 678730 w 678730"/>
+              <a:gd name="connsiteY2" fmla="*/ 0 h 433633"/>
+              <a:gd name="connsiteX3" fmla="*/ 339365 w 678730"/>
+              <a:gd name="connsiteY3" fmla="*/ 0 h 433633"/>
+              <a:gd name="connsiteX4" fmla="*/ 0 w 678730"/>
+              <a:gd name="connsiteY4" fmla="*/ 433633 h 433633"/>
+            </a:gdLst>
+            <a:ahLst/>
+            <a:cxnLst>
+              <a:cxn ang="0">
+                <a:pos x="connsiteX0" y="connsiteY0"/>
+              </a:cxn>
+              <a:cxn ang="0">
+                <a:pos x="connsiteX1" y="connsiteY1"/>
+              </a:cxn>
+              <a:cxn ang="0">
+                <a:pos x="connsiteX2" y="connsiteY2"/>
+              </a:cxn>
+              <a:cxn ang="0">
+                <a:pos x="connsiteX3" y="connsiteY3"/>
+              </a:cxn>
+              <a:cxn ang="0">
+                <a:pos x="connsiteX4" y="connsiteY4"/>
+              </a:cxn>
+            </a:cxnLst>
+            <a:rect l="l" t="t" r="r" b="b"/>
+            <a:pathLst>
+              <a:path w="678730" h="433633">
+                <a:moveTo>
+                  <a:pt x="0" y="433633"/>
+                </a:moveTo>
+                <a:lnTo>
+                  <a:pt x="320511" y="433633"/>
+                </a:lnTo>
+                <a:lnTo>
+                  <a:pt x="678730" y="0"/>
+                </a:lnTo>
+                <a:lnTo>
+                  <a:pt x="339365" y="0"/>
+                </a:lnTo>
+                <a:lnTo>
+                  <a:pt x="0" y="433633"/>
+                </a:lnTo>
+                <a:close/>
+              </a:path>
+            </a:pathLst>
+          </a:custGeom>
+          <a:solidFill>
+            <a:schemeClr val="tx2">
+              <a:lumMod val="90000"/>
+              <a:lumOff val="10000"/>
+            </a:schemeClr>
+          </a:solidFill>
+        </p:spPr>
+        <p:style>
+          <a:lnRef idx="2">
+            <a:schemeClr val="accent1">
+              <a:shade val="15000"/>
+            </a:schemeClr>
+          </a:lnRef>
+          <a:fillRef idx="1">
+            <a:schemeClr val="accent1"/>
+          </a:fillRef>
+          <a:effectRef idx="0">
+            <a:schemeClr val="accent1"/>
+          </a:effectRef>
+          <a:fontRef idx="minor">
+            <a:schemeClr val="lt1"/>
+          </a:fontRef>
+        </p:style>
+        <p:txBody>
+          <a:bodyPr rtlCol="0" anchor="ctr"/>
+          <a:lstStyle/>
+          <a:p>
+            <a:pPr algn="ctr"/>
+            <a:endParaRPr lang="en-US"/>
+          </a:p>
+        </p:txBody>
+      </p:sp>
+      <p:sp>
+        <p:nvSpPr>
+          <p:cNvPr id="43" name="Freeform: Shape 42">
+            <a:extLst>
+              <a:ext uri="{FF2B5EF4-FFF2-40B4-BE49-F238E27FC236}">
+                <a16:creationId xmlns:a16="http://schemas.microsoft.com/office/drawing/2014/main" id="{5A5038B4-C663-5F86-6CF9-2D5182A17E68}"/>
+              </a:ext>
+            </a:extLst>
+          </p:cNvPr>
+          <p:cNvSpPr/>
+          <p:nvPr/>
+        </p:nvSpPr>
+        <p:spPr>
+          <a:xfrm>
+            <a:off x="7640425" y="2630079"/>
+            <a:ext cx="782425" cy="452486"/>
+          </a:xfrm>
+          <a:custGeom>
+            <a:avLst/>
+            <a:gdLst>
+              <a:gd name="connsiteX0" fmla="*/ 0 w 782425"/>
+              <a:gd name="connsiteY0" fmla="*/ 452486 h 452486"/>
+              <a:gd name="connsiteX1" fmla="*/ 433633 w 782425"/>
+              <a:gd name="connsiteY1" fmla="*/ 452486 h 452486"/>
+              <a:gd name="connsiteX2" fmla="*/ 782425 w 782425"/>
+              <a:gd name="connsiteY2" fmla="*/ 18853 h 452486"/>
+              <a:gd name="connsiteX3" fmla="*/ 490194 w 782425"/>
+              <a:gd name="connsiteY3" fmla="*/ 0 h 452486"/>
+              <a:gd name="connsiteX4" fmla="*/ 0 w 782425"/>
+              <a:gd name="connsiteY4" fmla="*/ 452486 h 452486"/>
+            </a:gdLst>
+            <a:ahLst/>
+            <a:cxnLst>
+              <a:cxn ang="0">
+                <a:pos x="connsiteX0" y="connsiteY0"/>
+              </a:cxn>
+              <a:cxn ang="0">
+                <a:pos x="connsiteX1" y="connsiteY1"/>
+              </a:cxn>
+              <a:cxn ang="0">
+                <a:pos x="connsiteX2" y="connsiteY2"/>
+              </a:cxn>
+              <a:cxn ang="0">
+                <a:pos x="connsiteX3" y="connsiteY3"/>
+              </a:cxn>
+              <a:cxn ang="0">
+                <a:pos x="connsiteX4" y="connsiteY4"/>
+              </a:cxn>
+            </a:cxnLst>
+            <a:rect l="l" t="t" r="r" b="b"/>
+            <a:pathLst>
+              <a:path w="782425" h="452486">
+                <a:moveTo>
+                  <a:pt x="0" y="452486"/>
+                </a:moveTo>
+                <a:lnTo>
+                  <a:pt x="433633" y="452486"/>
+                </a:lnTo>
+                <a:lnTo>
+                  <a:pt x="782425" y="18853"/>
+                </a:lnTo>
+                <a:lnTo>
+                  <a:pt x="490194" y="0"/>
+                </a:lnTo>
+                <a:lnTo>
+                  <a:pt x="0" y="452486"/>
+                </a:lnTo>
+                <a:close/>
+              </a:path>
+            </a:pathLst>
+          </a:custGeom>
+          <a:solidFill>
+            <a:srgbClr val="C00000"/>
+          </a:solidFill>
+        </p:spPr>
+        <p:style>
+          <a:lnRef idx="2">
+            <a:schemeClr val="accent1">
+              <a:shade val="15000"/>
+            </a:schemeClr>
+          </a:lnRef>
+          <a:fillRef idx="1">
+            <a:schemeClr val="accent1"/>
+          </a:fillRef>
+          <a:effectRef idx="0">
+            <a:schemeClr val="accent1"/>
+          </a:effectRef>
+          <a:fontRef idx="minor">
+            <a:schemeClr val="lt1"/>
+          </a:fontRef>
+        </p:style>
+        <p:txBody>
+          <a:bodyPr rtlCol="0" anchor="ctr"/>
+          <a:lstStyle/>
+          <a:p>
+            <a:pPr algn="ctr"/>
+            <a:endParaRPr lang="en-US"/>
+          </a:p>
+        </p:txBody>
+      </p:sp>
+      <p:sp>
+        <p:nvSpPr>
+          <p:cNvPr id="44" name="Freeform: Shape 43">
+            <a:extLst>
+              <a:ext uri="{FF2B5EF4-FFF2-40B4-BE49-F238E27FC236}">
+                <a16:creationId xmlns:a16="http://schemas.microsoft.com/office/drawing/2014/main" id="{9754BD4F-832A-D152-BC85-5961F79AF41B}"/>
+              </a:ext>
+            </a:extLst>
+          </p:cNvPr>
+          <p:cNvSpPr/>
+          <p:nvPr/>
+        </p:nvSpPr>
+        <p:spPr>
+          <a:xfrm>
+            <a:off x="8733934" y="2630079"/>
+            <a:ext cx="457195" cy="1649690"/>
+          </a:xfrm>
+          <a:custGeom>
+            <a:avLst/>
+            <a:gdLst>
+              <a:gd name="connsiteX0" fmla="*/ 9427 w 461914"/>
+              <a:gd name="connsiteY0" fmla="*/ 452487 h 1621410"/>
+              <a:gd name="connsiteX1" fmla="*/ 0 w 461914"/>
+              <a:gd name="connsiteY1" fmla="*/ 1621410 h 1621410"/>
+              <a:gd name="connsiteX2" fmla="*/ 461914 w 461914"/>
+              <a:gd name="connsiteY2" fmla="*/ 1197204 h 1621410"/>
+              <a:gd name="connsiteX3" fmla="*/ 461914 w 461914"/>
+              <a:gd name="connsiteY3" fmla="*/ 0 h 1621410"/>
+              <a:gd name="connsiteX4" fmla="*/ 9427 w 461914"/>
+              <a:gd name="connsiteY4" fmla="*/ 452487 h 1621410"/>
+            </a:gdLst>
+            <a:ahLst/>
+            <a:cxnLst>
+              <a:cxn ang="0">
+                <a:pos x="connsiteX0" y="connsiteY0"/>
+              </a:cxn>
+              <a:cxn ang="0">
+                <a:pos x="connsiteX1" y="connsiteY1"/>
+              </a:cxn>
+              <a:cxn ang="0">
+                <a:pos x="connsiteX2" y="connsiteY2"/>
+              </a:cxn>
+              <a:cxn ang="0">
+                <a:pos x="connsiteX3" y="connsiteY3"/>
+              </a:cxn>
+              <a:cxn ang="0">
+                <a:pos x="connsiteX4" y="connsiteY4"/>
+              </a:cxn>
+            </a:cxnLst>
+            <a:rect l="l" t="t" r="r" b="b"/>
+            <a:pathLst>
+              <a:path w="461914" h="1621410">
+                <a:moveTo>
+                  <a:pt x="9427" y="452487"/>
+                </a:moveTo>
+                <a:cubicBezTo>
+                  <a:pt x="6285" y="842128"/>
+                  <a:pt x="3142" y="1231769"/>
+                  <a:pt x="0" y="1621410"/>
+                </a:cubicBezTo>
+                <a:lnTo>
+                  <a:pt x="461914" y="1197204"/>
+                </a:lnTo>
+                <a:lnTo>
+                  <a:pt x="461914" y="0"/>
+                </a:lnTo>
+                <a:lnTo>
+                  <a:pt x="9427" y="452487"/>
+                </a:lnTo>
+                <a:close/>
+              </a:path>
+            </a:pathLst>
+          </a:custGeom>
+          <a:solidFill>
+            <a:schemeClr val="tx2">
+              <a:lumMod val="90000"/>
+              <a:lumOff val="10000"/>
+            </a:schemeClr>
+          </a:solidFill>
+        </p:spPr>
+        <p:style>
+          <a:lnRef idx="2">
+            <a:schemeClr val="accent1">
+              <a:shade val="15000"/>
+            </a:schemeClr>
+          </a:lnRef>
+          <a:fillRef idx="1">
+            <a:schemeClr val="accent1"/>
+          </a:fillRef>
+          <a:effectRef idx="0">
+            <a:schemeClr val="accent1"/>
+          </a:effectRef>
+          <a:fontRef idx="minor">
+            <a:schemeClr val="lt1"/>
+          </a:fontRef>
+        </p:style>
+        <p:txBody>
+          <a:bodyPr rtlCol="0" anchor="ctr"/>
+          <a:lstStyle/>
+          <a:p>
+            <a:pPr algn="ctr"/>
+            <a:endParaRPr lang="en-US"/>
+          </a:p>
+        </p:txBody>
+      </p:sp>
+      <p:sp>
+        <p:nvSpPr>
+          <p:cNvPr id="45" name="TextBox 44">
+            <a:extLst>
+              <a:ext uri="{FF2B5EF4-FFF2-40B4-BE49-F238E27FC236}">
+                <a16:creationId xmlns:a16="http://schemas.microsoft.com/office/drawing/2014/main" id="{C12700B5-A938-E2D8-CC47-76937D50EDE0}"/>
+              </a:ext>
+            </a:extLst>
+          </p:cNvPr>
+          <p:cNvSpPr txBox="1"/>
+          <p:nvPr/>
+        </p:nvSpPr>
+        <p:spPr>
+          <a:xfrm>
+            <a:off x="7419090" y="4570767"/>
+            <a:ext cx="2384592" cy="923330"/>
+          </a:xfrm>
+          <a:prstGeom prst="rect">
+            <a:avLst/>
+          </a:prstGeom>
+          <a:noFill/>
+        </p:spPr>
+        <p:txBody>
+          <a:bodyPr wrap="square" rtlCol="0">
+            <a:spAutoFit/>
+          </a:bodyPr>
+          <a:lstStyle/>
+          <a:p>
+            <a:r>
+              <a:rPr lang="en-US" dirty="0"/>
+              <a:t>Learned attention weights: </a:t>
+            </a:r>
+            <a:r>
+              <a:rPr lang="en-US" dirty="0">
+                <a:solidFill>
+                  <a:srgbClr val="FF0000"/>
+                </a:solidFill>
+              </a:rPr>
+              <a:t>.5</a:t>
+            </a:r>
+            <a:r>
+              <a:rPr lang="en-US" dirty="0"/>
+              <a:t>, </a:t>
+            </a:r>
+            <a:r>
+              <a:rPr lang="en-US" dirty="0">
+                <a:solidFill>
+                  <a:schemeClr val="accent6"/>
+                </a:solidFill>
+              </a:rPr>
+              <a:t>1</a:t>
+            </a:r>
+            <a:r>
+              <a:rPr lang="en-US" dirty="0"/>
+              <a:t>, </a:t>
+            </a:r>
+            <a:r>
+              <a:rPr lang="en-US" dirty="0">
+                <a:solidFill>
+                  <a:schemeClr val="accent1">
+                    <a:lumMod val="60000"/>
+                    <a:lumOff val="40000"/>
+                  </a:schemeClr>
+                </a:solidFill>
+              </a:rPr>
+              <a:t>.5</a:t>
+            </a:r>
+          </a:p>
+          <a:p>
+            <a:r>
+              <a:rPr lang="en-US" dirty="0"/>
+              <a:t> </a:t>
+            </a:r>
+          </a:p>
+        </p:txBody>
+      </p:sp>
     </p:spTree>
     <p:extLst>
       <p:ext uri="{BB962C8B-B14F-4D97-AF65-F5344CB8AC3E}">
@@ -4916,7 +7349,7 @@
           <p:cNvPr id="2" name="Title 1">
             <a:extLst>
               <a:ext uri="{FF2B5EF4-FFF2-40B4-BE49-F238E27FC236}">
-                <a16:creationId xmlns:a16="http://schemas.microsoft.com/office/drawing/2014/main" id="{0A05021D-26CB-295B-E8C5-FE5F1F9DBB02}"/>
+                <a16:creationId xmlns:a16="http://schemas.microsoft.com/office/drawing/2014/main" id="{DF587476-32A9-2B84-4B0D-E7AA937D87E4}"/>
               </a:ext>
             </a:extLst>
           </p:cNvPr>
@@ -4927,25 +7360,29 @@
             <p:ph type="title"/>
           </p:nvPr>
         </p:nvSpPr>
-        <p:spPr/>
+        <p:spPr>
+          <a:xfrm>
+            <a:off x="838199" y="0"/>
+            <a:ext cx="10515600" cy="1325563"/>
+          </a:xfrm>
+        </p:spPr>
         <p:txBody>
           <a:bodyPr/>
           <a:lstStyle/>
           <a:p>
             <a:r>
-              <a:rPr lang="en-US" dirty="0" err="1"/>
-              <a:t>MedMNIST</a:t>
-            </a:r>
-            <a:endParaRPr lang="en-US" dirty="0"/>
-          </a:p>
-        </p:txBody>
-      </p:sp>
-      <p:sp>
-        <p:nvSpPr>
-          <p:cNvPr id="12" name="TextBox 11">
-            <a:extLst>
-              <a:ext uri="{FF2B5EF4-FFF2-40B4-BE49-F238E27FC236}">
-                <a16:creationId xmlns:a16="http://schemas.microsoft.com/office/drawing/2014/main" id="{D553FF60-110A-5893-83DC-5C8F440FCE9C}"/>
+              <a:rPr lang="en-US" dirty="0"/>
+              <a:t>Impact of SENet on images</a:t>
+            </a:r>
+          </a:p>
+        </p:txBody>
+      </p:sp>
+      <p:sp>
+        <p:nvSpPr>
+          <p:cNvPr id="8" name="TextBox 7">
+            <a:extLst>
+              <a:ext uri="{FF2B5EF4-FFF2-40B4-BE49-F238E27FC236}">
+                <a16:creationId xmlns:a16="http://schemas.microsoft.com/office/drawing/2014/main" id="{026B51F5-6941-69E5-463B-6D29A1EA30A8}"/>
               </a:ext>
             </a:extLst>
           </p:cNvPr>
@@ -4954,7 +7391,7 @@
         </p:nvSpPr>
         <p:spPr>
           <a:xfrm>
-            <a:off x="209146" y="2402412"/>
+            <a:off x="1971464" y="2431595"/>
             <a:ext cx="933855" cy="369332"/>
           </a:xfrm>
           <a:prstGeom prst="rect">
@@ -4977,10 +7414,10 @@
       </p:sp>
       <p:sp>
         <p:nvSpPr>
-          <p:cNvPr id="13" name="TextBox 12">
-            <a:extLst>
-              <a:ext uri="{FF2B5EF4-FFF2-40B4-BE49-F238E27FC236}">
-                <a16:creationId xmlns:a16="http://schemas.microsoft.com/office/drawing/2014/main" id="{F5562E02-8F56-72E6-6316-CECCB47EC37C}"/>
+          <p:cNvPr id="9" name="TextBox 8">
+            <a:extLst>
+              <a:ext uri="{FF2B5EF4-FFF2-40B4-BE49-F238E27FC236}">
+                <a16:creationId xmlns:a16="http://schemas.microsoft.com/office/drawing/2014/main" id="{464EFFA4-244F-B103-6896-47ABB7F9EEA0}"/>
               </a:ext>
             </a:extLst>
           </p:cNvPr>
@@ -4989,7 +7426,7 @@
         </p:nvSpPr>
         <p:spPr>
           <a:xfrm>
-            <a:off x="145915" y="4455588"/>
+            <a:off x="1921203" y="5198732"/>
             <a:ext cx="1034375" cy="369332"/>
           </a:xfrm>
           <a:prstGeom prst="rect">
@@ -5012,10 +7449,10 @@
       </p:sp>
       <p:pic>
         <p:nvPicPr>
-          <p:cNvPr id="4" name="Picture 3" descr="A collage of multiple squares of pink and white cells&#10;&#10;Description automatically generated">
-            <a:extLst>
-              <a:ext uri="{FF2B5EF4-FFF2-40B4-BE49-F238E27FC236}">
-                <a16:creationId xmlns:a16="http://schemas.microsoft.com/office/drawing/2014/main" id="{8A524385-96F1-BA26-F6EF-008195690123}"/>
+          <p:cNvPr id="13" name="Picture 12" descr="Purple and black images of a purple and white surface&#10;&#10;Description automatically generated with medium confidence">
+            <a:extLst>
+              <a:ext uri="{FF2B5EF4-FFF2-40B4-BE49-F238E27FC236}">
+                <a16:creationId xmlns:a16="http://schemas.microsoft.com/office/drawing/2014/main" id="{BB933EF6-05E0-A47F-8DB6-1F9E9617310E}"/>
               </a:ext>
             </a:extLst>
           </p:cNvPr>
@@ -5038,18 +7475,129 @@
         </p:blipFill>
         <p:spPr>
           <a:xfrm>
-            <a:off x="0" y="1160283"/>
-            <a:ext cx="12192000" cy="4876800"/>
+            <a:off x="2955578" y="3429000"/>
+            <a:ext cx="6451609" cy="3225804"/>
           </a:xfrm>
           <a:prstGeom prst="rect">
             <a:avLst/>
           </a:prstGeom>
         </p:spPr>
       </p:pic>
+      <p:pic>
+        <p:nvPicPr>
+          <p:cNvPr id="15" name="Picture 14" descr="A screenshot of a computer generated image&#10;&#10;Description automatically generated">
+            <a:extLst>
+              <a:ext uri="{FF2B5EF4-FFF2-40B4-BE49-F238E27FC236}">
+                <a16:creationId xmlns:a16="http://schemas.microsoft.com/office/drawing/2014/main" id="{73431052-766A-5DC4-2D99-98CF69917345}"/>
+              </a:ext>
+            </a:extLst>
+          </p:cNvPr>
+          <p:cNvPicPr>
+            <a:picLocks noChangeAspect="1"/>
+          </p:cNvPicPr>
+          <p:nvPr/>
+        </p:nvPicPr>
+        <p:blipFill>
+          <a:blip r:embed="rId3">
+            <a:extLst>
+              <a:ext uri="{28A0092B-C50C-407E-A947-70E740481C1C}">
+                <a14:useLocalDpi xmlns:a14="http://schemas.microsoft.com/office/drawing/2010/main" val="0"/>
+              </a:ext>
+            </a:extLst>
+          </a:blip>
+          <a:stretch>
+            <a:fillRect/>
+          </a:stretch>
+        </p:blipFill>
+        <p:spPr>
+          <a:xfrm>
+            <a:off x="2955578" y="886188"/>
+            <a:ext cx="6451609" cy="3225804"/>
+          </a:xfrm>
+          <a:prstGeom prst="rect">
+            <a:avLst/>
+          </a:prstGeom>
+        </p:spPr>
+      </p:pic>
+      <p:sp>
+        <p:nvSpPr>
+          <p:cNvPr id="16" name="TextBox 15">
+            <a:extLst>
+              <a:ext uri="{FF2B5EF4-FFF2-40B4-BE49-F238E27FC236}">
+                <a16:creationId xmlns:a16="http://schemas.microsoft.com/office/drawing/2014/main" id="{010FDE14-733B-7DB2-EF53-0513368E7E13}"/>
+              </a:ext>
+            </a:extLst>
+          </p:cNvPr>
+          <p:cNvSpPr txBox="1"/>
+          <p:nvPr/>
+        </p:nvSpPr>
+        <p:spPr>
+          <a:xfrm>
+            <a:off x="9407187" y="2800927"/>
+            <a:ext cx="2449533" cy="1200329"/>
+          </a:xfrm>
+          <a:prstGeom prst="rect">
+            <a:avLst/>
+          </a:prstGeom>
+          <a:noFill/>
+        </p:spPr>
+        <p:txBody>
+          <a:bodyPr wrap="square" rtlCol="0">
+            <a:spAutoFit/>
+          </a:bodyPr>
+          <a:lstStyle/>
+          <a:p>
+            <a:r>
+              <a:rPr lang="en-US" dirty="0"/>
+              <a:t>Example Learned RGB Weights:</a:t>
+            </a:r>
+          </a:p>
+          <a:p>
+            <a:endParaRPr lang="en-US" dirty="0"/>
+          </a:p>
+          <a:p>
+            <a:r>
+              <a:rPr lang="en-US" dirty="0">
+                <a:solidFill>
+                  <a:srgbClr val="FF0000"/>
+                </a:solidFill>
+              </a:rPr>
+              <a:t>0.8</a:t>
+            </a:r>
+            <a:r>
+              <a:rPr lang="en-US" dirty="0"/>
+              <a:t>, </a:t>
+            </a:r>
+            <a:r>
+              <a:rPr lang="en-US" dirty="0">
+                <a:solidFill>
+                  <a:schemeClr val="accent6"/>
+                </a:solidFill>
+              </a:rPr>
+              <a:t>0.3</a:t>
+            </a:r>
+            <a:r>
+              <a:rPr lang="en-US" dirty="0"/>
+              <a:t>, </a:t>
+            </a:r>
+            <a:r>
+              <a:rPr lang="en-US" dirty="0">
+                <a:solidFill>
+                  <a:schemeClr val="accent1">
+                    <a:lumMod val="60000"/>
+                    <a:lumOff val="40000"/>
+                  </a:schemeClr>
+                </a:solidFill>
+              </a:rPr>
+              <a:t>0.8</a:t>
+            </a:r>
+          </a:p>
+        </p:txBody>
+      </p:sp>
     </p:spTree>
     <p:extLst>
       <p:ext uri="{BB962C8B-B14F-4D97-AF65-F5344CB8AC3E}">
-        <p14:creationId xmlns:p14="http://schemas.microsoft.com/office/powerpoint/2010/main" val="1634943828"/>
+        <p14:creationId xmlns:p14="http://schemas.microsoft.com/office/powerpoint/2010/main" val="1429941430"/>
       </p:ext>
     </p:extLst>
   </p:cSld>
@@ -5081,7 +7629,7 @@
           <p:cNvPr id="2" name="Title 1">
             <a:extLst>
               <a:ext uri="{FF2B5EF4-FFF2-40B4-BE49-F238E27FC236}">
-                <a16:creationId xmlns:a16="http://schemas.microsoft.com/office/drawing/2014/main" id="{DF587476-32A9-2B84-4B0D-E7AA937D87E4}"/>
+                <a16:creationId xmlns:a16="http://schemas.microsoft.com/office/drawing/2014/main" id="{BFFF6739-74BE-B40A-0783-1D0F657AB68C}"/>
               </a:ext>
             </a:extLst>
           </p:cNvPr>
@@ -5092,10 +7640,38 @@
             <p:ph type="title"/>
           </p:nvPr>
         </p:nvSpPr>
+        <p:spPr/>
+        <p:txBody>
+          <a:bodyPr/>
+          <a:lstStyle/>
+          <a:p>
+            <a:r>
+              <a:rPr lang="en-US" dirty="0"/>
+              <a:t>Parallel Job Information</a:t>
+            </a:r>
+          </a:p>
+        </p:txBody>
+      </p:sp>
+      <p:sp>
+        <p:nvSpPr>
+          <p:cNvPr id="3" name="Content Placeholder 2">
+            <a:extLst>
+              <a:ext uri="{FF2B5EF4-FFF2-40B4-BE49-F238E27FC236}">
+                <a16:creationId xmlns:a16="http://schemas.microsoft.com/office/drawing/2014/main" id="{61F10844-96C4-C016-79B4-6FBB95519507}"/>
+              </a:ext>
+            </a:extLst>
+          </p:cNvPr>
+          <p:cNvSpPr>
+            <a:spLocks noGrp="1"/>
+          </p:cNvSpPr>
+          <p:nvPr>
+            <p:ph idx="1"/>
+          </p:nvPr>
+        </p:nvSpPr>
         <p:spPr>
           <a:xfrm>
-            <a:off x="838199" y="0"/>
-            <a:ext cx="10515600" cy="1325563"/>
+            <a:off x="838200" y="1417637"/>
+            <a:ext cx="10515600" cy="1457536"/>
           </a:xfrm>
         </p:spPr>
         <p:txBody>
@@ -5103,18 +7679,37 @@
           <a:lstStyle/>
           <a:p>
             <a:r>
-              <a:rPr lang="en-US" dirty="0"/>
-              <a:t>Impact of SENet on images</a:t>
-            </a:r>
-          </a:p>
-        </p:txBody>
-      </p:sp>
-      <p:sp>
-        <p:nvSpPr>
-          <p:cNvPr id="8" name="TextBox 7">
-            <a:extLst>
-              <a:ext uri="{FF2B5EF4-FFF2-40B4-BE49-F238E27FC236}">
-                <a16:creationId xmlns:a16="http://schemas.microsoft.com/office/drawing/2014/main" id="{026B51F5-6941-69E5-463B-6D29A1EA30A8}"/>
+              <a:rPr lang="en-US" sz="2100" dirty="0"/>
+              <a:t>2 GPUs used for each job, example names: NVIDIA A100-SXM4-80GB, </a:t>
+            </a:r>
+            <a:r>
+              <a:rPr lang="pt-BR" sz="2100" dirty="0"/>
+              <a:t>NVIDIA GeForce RTX 2080 Ti, NVIDIA L40. </a:t>
+            </a:r>
+          </a:p>
+          <a:p>
+            <a:r>
+              <a:rPr lang="pt-BR" sz="2100" dirty="0"/>
+              <a:t>Each job uses ~33.8 GB Disk, ~18.4 GB Memory</a:t>
+            </a:r>
+          </a:p>
+          <a:p>
+            <a:endParaRPr lang="pt-BR" dirty="0"/>
+          </a:p>
+          <a:p>
+            <a:endParaRPr lang="pt-BR" dirty="0"/>
+          </a:p>
+          <a:p>
+            <a:endParaRPr lang="en-US" dirty="0"/>
+          </a:p>
+        </p:txBody>
+      </p:sp>
+      <p:sp>
+        <p:nvSpPr>
+          <p:cNvPr id="4" name="TextBox 3">
+            <a:extLst>
+              <a:ext uri="{FF2B5EF4-FFF2-40B4-BE49-F238E27FC236}">
+                <a16:creationId xmlns:a16="http://schemas.microsoft.com/office/drawing/2014/main" id="{6F67AD03-ADDF-0012-315D-535B5F16F0AF}"/>
               </a:ext>
             </a:extLst>
           </p:cNvPr>
@@ -5123,8 +7718,95 @@
         </p:nvSpPr>
         <p:spPr>
           <a:xfrm>
-            <a:off x="1971464" y="2431595"/>
-            <a:ext cx="933855" cy="369332"/>
+            <a:off x="1799734" y="3614848"/>
+            <a:ext cx="4035458" cy="1815882"/>
+          </a:xfrm>
+          <a:prstGeom prst="rect">
+            <a:avLst/>
+          </a:prstGeom>
+          <a:noFill/>
+          <a:ln>
+            <a:solidFill>
+              <a:schemeClr val="tx1"/>
+            </a:solidFill>
+          </a:ln>
+        </p:spPr>
+        <p:txBody>
+          <a:bodyPr wrap="square" rtlCol="0">
+            <a:spAutoFit/>
+          </a:bodyPr>
+          <a:lstStyle/>
+          <a:p>
+            <a:r>
+              <a:rPr lang="en-US" sz="1400" dirty="0"/>
+              <a:t>--model LeNet --image_size 28 --</a:t>
+            </a:r>
+            <a:r>
+              <a:rPr lang="en-US" sz="1400" dirty="0" err="1"/>
+              <a:t>use_se</a:t>
+            </a:r>
+            <a:endParaRPr lang="en-US" sz="1400" dirty="0"/>
+          </a:p>
+          <a:p>
+            <a:r>
+              <a:rPr lang="en-US" sz="1400" dirty="0"/>
+              <a:t>--model LeNet --image_size 28</a:t>
+            </a:r>
+          </a:p>
+          <a:p>
+            <a:r>
+              <a:rPr lang="en-US" sz="1400" dirty="0"/>
+              <a:t>--model LeNet --image_size 224 --use_se</a:t>
+            </a:r>
+          </a:p>
+          <a:p>
+            <a:r>
+              <a:rPr lang="en-US" sz="1400" dirty="0"/>
+              <a:t>--model LeNet --image_size 224</a:t>
+            </a:r>
+          </a:p>
+          <a:p>
+            <a:r>
+              <a:rPr lang="en-US" sz="1400" dirty="0"/>
+              <a:t>--model ResNet --image_size 28 --use_se</a:t>
+            </a:r>
+          </a:p>
+          <a:p>
+            <a:r>
+              <a:rPr lang="en-US" sz="1400" dirty="0"/>
+              <a:t>--model ResNet --image_size 28</a:t>
+            </a:r>
+          </a:p>
+          <a:p>
+            <a:r>
+              <a:rPr lang="en-US" sz="1400" dirty="0"/>
+              <a:t>--model ResNet --image_size 224 --use_se</a:t>
+            </a:r>
+          </a:p>
+          <a:p>
+            <a:r>
+              <a:rPr lang="en-US" sz="1400" dirty="0"/>
+              <a:t>--model ResNet --image_size 224</a:t>
+            </a:r>
+          </a:p>
+        </p:txBody>
+      </p:sp>
+      <p:sp>
+        <p:nvSpPr>
+          <p:cNvPr id="5" name="TextBox 4">
+            <a:extLst>
+              <a:ext uri="{FF2B5EF4-FFF2-40B4-BE49-F238E27FC236}">
+                <a16:creationId xmlns:a16="http://schemas.microsoft.com/office/drawing/2014/main" id="{2BA07310-5FCF-A95C-C6B9-E636A93C69FF}"/>
+              </a:ext>
+            </a:extLst>
+          </p:cNvPr>
+          <p:cNvSpPr txBox="1"/>
+          <p:nvPr/>
+        </p:nvSpPr>
+        <p:spPr>
+          <a:xfrm>
+            <a:off x="1799734" y="3202473"/>
+            <a:ext cx="3837495" cy="369332"/>
           </a:xfrm>
           <a:prstGeom prst="rect">
             <a:avLst/>
@@ -5139,17 +7821,56 @@
           <a:p>
             <a:r>
               <a:rPr lang="en-US" dirty="0"/>
-              <a:t>28x28</a:t>
-            </a:r>
-          </a:p>
-        </p:txBody>
-      </p:sp>
-      <p:sp>
-        <p:nvSpPr>
-          <p:cNvPr id="9" name="TextBox 8">
-            <a:extLst>
-              <a:ext uri="{FF2B5EF4-FFF2-40B4-BE49-F238E27FC236}">
-                <a16:creationId xmlns:a16="http://schemas.microsoft.com/office/drawing/2014/main" id="{464EFFA4-244F-B103-6896-47ABB7F9EEA0}"/>
+              <a:t>model_list.txt</a:t>
+            </a:r>
+          </a:p>
+        </p:txBody>
+      </p:sp>
+      <p:cxnSp>
+        <p:nvCxnSpPr>
+          <p:cNvPr id="7" name="Straight Arrow Connector 6">
+            <a:extLst>
+              <a:ext uri="{FF2B5EF4-FFF2-40B4-BE49-F238E27FC236}">
+                <a16:creationId xmlns:a16="http://schemas.microsoft.com/office/drawing/2014/main" id="{750F1ABB-E3C7-4A4B-6559-80E8F76CEB06}"/>
+              </a:ext>
+            </a:extLst>
+          </p:cNvPr>
+          <p:cNvCxnSpPr/>
+          <p:nvPr/>
+        </p:nvCxnSpPr>
+        <p:spPr>
+          <a:xfrm>
+            <a:off x="6106212" y="4371349"/>
+            <a:ext cx="1923068" cy="0"/>
+          </a:xfrm>
+          <a:prstGeom prst="straightConnector1">
+            <a:avLst/>
+          </a:prstGeom>
+          <a:ln>
+            <a:tailEnd type="triangle"/>
+          </a:ln>
+        </p:spPr>
+        <p:style>
+          <a:lnRef idx="2">
+            <a:schemeClr val="accent1"/>
+          </a:lnRef>
+          <a:fillRef idx="0">
+            <a:schemeClr val="accent1"/>
+          </a:fillRef>
+          <a:effectRef idx="1">
+            <a:schemeClr val="accent1"/>
+          </a:effectRef>
+          <a:fontRef idx="minor">
+            <a:schemeClr val="tx1"/>
+          </a:fontRef>
+        </p:style>
+      </p:cxnSp>
+      <p:sp>
+        <p:nvSpPr>
+          <p:cNvPr id="8" name="TextBox 7">
+            <a:extLst>
+              <a:ext uri="{FF2B5EF4-FFF2-40B4-BE49-F238E27FC236}">
+                <a16:creationId xmlns:a16="http://schemas.microsoft.com/office/drawing/2014/main" id="{F205C8D9-9231-A547-FB62-698B1B8748B1}"/>
               </a:ext>
             </a:extLst>
           </p:cNvPr>
@@ -5158,8 +7879,8 @@
         </p:nvSpPr>
         <p:spPr>
           <a:xfrm>
-            <a:off x="1921203" y="5198732"/>
-            <a:ext cx="1034375" cy="369332"/>
+            <a:off x="6106212" y="3703808"/>
+            <a:ext cx="2078611" cy="646331"/>
           </a:xfrm>
           <a:prstGeom prst="rect">
             <a:avLst/>
@@ -5174,104 +7895,42 @@
           <a:p>
             <a:r>
               <a:rPr lang="en-US" dirty="0"/>
-              <a:t>224x224</a:t>
-            </a:r>
-          </a:p>
-        </p:txBody>
-      </p:sp>
-      <p:pic>
-        <p:nvPicPr>
-          <p:cNvPr id="13" name="Picture 12" descr="Purple and black images of a purple and white surface&#10;&#10;Description automatically generated with medium confidence">
-            <a:extLst>
-              <a:ext uri="{FF2B5EF4-FFF2-40B4-BE49-F238E27FC236}">
-                <a16:creationId xmlns:a16="http://schemas.microsoft.com/office/drawing/2014/main" id="{BB933EF6-05E0-A47F-8DB6-1F9E9617310E}"/>
-              </a:ext>
-            </a:extLst>
-          </p:cNvPr>
-          <p:cNvPicPr>
-            <a:picLocks noChangeAspect="1"/>
-          </p:cNvPicPr>
+              <a:t>queue model from model_list.txt</a:t>
+            </a:r>
+          </a:p>
+        </p:txBody>
+      </p:sp>
+      <p:sp>
+        <p:nvSpPr>
+          <p:cNvPr id="9" name="TextBox 8">
+            <a:extLst>
+              <a:ext uri="{FF2B5EF4-FFF2-40B4-BE49-F238E27FC236}">
+                <a16:creationId xmlns:a16="http://schemas.microsoft.com/office/drawing/2014/main" id="{6F494A94-C754-3E31-F19A-1A04B7B08EA0}"/>
+              </a:ext>
+            </a:extLst>
+          </p:cNvPr>
+          <p:cNvSpPr txBox="1"/>
           <p:nvPr/>
-        </p:nvPicPr>
-        <p:blipFill>
-          <a:blip r:embed="rId2">
-            <a:extLst>
-              <a:ext uri="{28A0092B-C50C-407E-A947-70E740481C1C}">
-                <a14:useLocalDpi xmlns:a14="http://schemas.microsoft.com/office/drawing/2010/main" val="0"/>
-              </a:ext>
-            </a:extLst>
-          </a:blip>
-          <a:stretch>
-            <a:fillRect/>
-          </a:stretch>
-        </p:blipFill>
+        </p:nvSpPr>
         <p:spPr>
           <a:xfrm>
-            <a:off x="2955578" y="3429000"/>
-            <a:ext cx="6451609" cy="3225804"/>
+            <a:off x="8455843" y="4057751"/>
+            <a:ext cx="1234911" cy="584775"/>
           </a:xfrm>
           <a:prstGeom prst="rect">
             <a:avLst/>
           </a:prstGeom>
-        </p:spPr>
-      </p:pic>
-      <p:pic>
-        <p:nvPicPr>
-          <p:cNvPr id="15" name="Picture 14" descr="A screenshot of a computer generated image&#10;&#10;Description automatically generated">
-            <a:extLst>
-              <a:ext uri="{FF2B5EF4-FFF2-40B4-BE49-F238E27FC236}">
-                <a16:creationId xmlns:a16="http://schemas.microsoft.com/office/drawing/2014/main" id="{73431052-766A-5DC4-2D99-98CF69917345}"/>
-              </a:ext>
-            </a:extLst>
-          </p:cNvPr>
-          <p:cNvPicPr>
-            <a:picLocks noChangeAspect="1"/>
-          </p:cNvPicPr>
-          <p:nvPr/>
-        </p:nvPicPr>
-        <p:blipFill>
-          <a:blip r:embed="rId3">
-            <a:extLst>
-              <a:ext uri="{28A0092B-C50C-407E-A947-70E740481C1C}">
-                <a14:useLocalDpi xmlns:a14="http://schemas.microsoft.com/office/drawing/2010/main" val="0"/>
-              </a:ext>
-            </a:extLst>
-          </a:blip>
-          <a:stretch>
-            <a:fillRect/>
-          </a:stretch>
-        </p:blipFill>
-        <p:spPr>
-          <a:xfrm>
-            <a:off x="2955578" y="886188"/>
-            <a:ext cx="6451609" cy="3225804"/>
-          </a:xfrm>
-          <a:prstGeom prst="rect">
-            <a:avLst/>
-          </a:prstGeom>
-        </p:spPr>
-      </p:pic>
-      <p:sp>
-        <p:nvSpPr>
-          <p:cNvPr id="16" name="TextBox 15">
-            <a:extLst>
-              <a:ext uri="{FF2B5EF4-FFF2-40B4-BE49-F238E27FC236}">
-                <a16:creationId xmlns:a16="http://schemas.microsoft.com/office/drawing/2014/main" id="{010FDE14-733B-7DB2-EF53-0513368E7E13}"/>
-              </a:ext>
-            </a:extLst>
-          </p:cNvPr>
-          <p:cNvSpPr txBox="1"/>
-          <p:nvPr/>
-        </p:nvSpPr>
-        <p:spPr>
-          <a:xfrm>
-            <a:off x="9407187" y="2800927"/>
-            <a:ext cx="2449533" cy="1200329"/>
-          </a:xfrm>
-          <a:prstGeom prst="rect">
-            <a:avLst/>
-          </a:prstGeom>
-          <a:noFill/>
+          <a:solidFill>
+            <a:schemeClr val="tx2">
+              <a:lumMod val="25000"/>
+              <a:lumOff val="75000"/>
+            </a:schemeClr>
+          </a:solidFill>
+          <a:ln>
+            <a:solidFill>
+              <a:schemeClr val="tx1"/>
+            </a:solidFill>
+          </a:ln>
         </p:spPr>
         <p:txBody>
           <a:bodyPr wrap="square" rtlCol="0">
@@ -5280,48 +7939,8 @@
           <a:lstStyle/>
           <a:p>
             <a:r>
-              <a:rPr lang="en-US" dirty="0"/>
-              <a:t>Example Learned RGB Weights:</a:t>
-            </a:r>
-          </a:p>
-          <a:p>
-            <a:endParaRPr lang="en-US" dirty="0"/>
-          </a:p>
-          <a:p>
-            <a:r>
-              <a:rPr lang="en-US" dirty="0">
-                <a:solidFill>
-                  <a:srgbClr val="FF0000"/>
-                </a:solidFill>
-              </a:rPr>
-              <a:t>0.8</a:t>
-            </a:r>
-            <a:r>
-              <a:rPr lang="en-US" dirty="0"/>
-              <a:t>, </a:t>
-            </a:r>
-            <a:r>
-              <a:rPr lang="en-US" dirty="0">
-                <a:solidFill>
-                  <a:schemeClr val="accent6"/>
-                </a:solidFill>
-              </a:rPr>
-              <a:t>0.3</a:t>
-            </a:r>
-            <a:r>
-              <a:rPr lang="en-US" dirty="0"/>
-              <a:t>, </a:t>
-            </a:r>
-            <a:r>
-              <a:rPr lang="en-US" dirty="0">
-                <a:solidFill>
-                  <a:schemeClr val="accent1">
-                    <a:lumMod val="60000"/>
-                    <a:lumOff val="40000"/>
-                  </a:schemeClr>
-                </a:solidFill>
-              </a:rPr>
-              <a:t>0.8</a:t>
+              <a:rPr lang="en-US" sz="3200" dirty="0"/>
+              <a:t>CHTC</a:t>
             </a:r>
           </a:p>
         </p:txBody>
@@ -5329,7 +7948,7 @@
     </p:spTree>
     <p:extLst>
       <p:ext uri="{BB962C8B-B14F-4D97-AF65-F5344CB8AC3E}">
-        <p14:creationId xmlns:p14="http://schemas.microsoft.com/office/powerpoint/2010/main" val="1429941430"/>
+        <p14:creationId xmlns:p14="http://schemas.microsoft.com/office/powerpoint/2010/main" val="3366345782"/>
       </p:ext>
     </p:extLst>
   </p:cSld>
@@ -5393,98 +8012,6 @@
       </p:sp>
       <p:pic>
         <p:nvPicPr>
-          <p:cNvPr id="9" name="Picture 8" descr="A graph of a graph of a graph&#10;&#10;Description automatically generated with medium confidence">
-            <a:extLst>
-              <a:ext uri="{FF2B5EF4-FFF2-40B4-BE49-F238E27FC236}">
-                <a16:creationId xmlns:a16="http://schemas.microsoft.com/office/drawing/2014/main" id="{5D513335-409C-BC29-3635-301F735640CE}"/>
-              </a:ext>
-            </a:extLst>
-          </p:cNvPr>
-          <p:cNvPicPr>
-            <a:picLocks noChangeAspect="1"/>
-          </p:cNvPicPr>
-          <p:nvPr/>
-        </p:nvPicPr>
-        <p:blipFill>
-          <a:blip r:embed="rId2">
-            <a:extLst>
-              <a:ext uri="{28A0092B-C50C-407E-A947-70E740481C1C}">
-                <a14:useLocalDpi xmlns:a14="http://schemas.microsoft.com/office/drawing/2010/main" val="0"/>
-              </a:ext>
-            </a:extLst>
-          </a:blip>
-          <a:stretch>
-            <a:fillRect/>
-          </a:stretch>
-        </p:blipFill>
-        <p:spPr>
-          <a:xfrm>
-            <a:off x="2539999" y="3485693"/>
-            <a:ext cx="8001005" cy="3333752"/>
-          </a:xfrm>
-          <a:prstGeom prst="rect">
-            <a:avLst/>
-          </a:prstGeom>
-        </p:spPr>
-      </p:pic>
-      <p:sp>
-        <p:nvSpPr>
-          <p:cNvPr id="10" name="TextBox 9">
-            <a:extLst>
-              <a:ext uri="{FF2B5EF4-FFF2-40B4-BE49-F238E27FC236}">
-                <a16:creationId xmlns:a16="http://schemas.microsoft.com/office/drawing/2014/main" id="{A0008708-FFCB-B443-1978-7605953218FB}"/>
-              </a:ext>
-            </a:extLst>
-          </p:cNvPr>
-          <p:cNvSpPr txBox="1"/>
-          <p:nvPr/>
-        </p:nvSpPr>
-        <p:spPr>
-          <a:xfrm>
-            <a:off x="284480" y="4413905"/>
-            <a:ext cx="2600960" cy="1477328"/>
-          </a:xfrm>
-          <a:prstGeom prst="rect">
-            <a:avLst/>
-          </a:prstGeom>
-          <a:noFill/>
-        </p:spPr>
-        <p:txBody>
-          <a:bodyPr wrap="square" rtlCol="0">
-            <a:spAutoFit/>
-          </a:bodyPr>
-          <a:lstStyle/>
-          <a:p>
-            <a:r>
-              <a:rPr lang="en-US" b="1" dirty="0"/>
-              <a:t>LeNet 224x224 SENet </a:t>
-            </a:r>
-          </a:p>
-          <a:p>
-            <a:endParaRPr lang="en-US" b="1" dirty="0"/>
-          </a:p>
-          <a:p>
-            <a:pPr marL="285750" indent="-285750">
-              <a:buFont typeface="Arial" panose="020B0604020202020204" pitchFamily="34" charset="0"/>
-              <a:buChar char="•"/>
-            </a:pPr>
-            <a:r>
-              <a:rPr lang="en-US" dirty="0"/>
-              <a:t>LeNet</a:t>
-            </a:r>
-            <a:r>
-              <a:rPr lang="en-US" b="1" dirty="0"/>
-              <a:t> </a:t>
-            </a:r>
-            <a:r>
-              <a:rPr lang="en-US" dirty="0"/>
-              <a:t>has significant overfitting with and without SENet</a:t>
-            </a:r>
-          </a:p>
-        </p:txBody>
-      </p:sp>
-      <p:pic>
-        <p:nvPicPr>
           <p:cNvPr id="14" name="Picture 13" descr="A graph of a graph of a graph of a graph of a graph of a graph of a graph of a graph of a graph of a graph of a graph of a graph of a graph of&#10;&#10;Description automatically generated">
             <a:extLst>
               <a:ext uri="{FF2B5EF4-FFF2-40B4-BE49-F238E27FC236}">
@@ -5498,7 +8025,7 @@
           <p:nvPr/>
         </p:nvPicPr>
         <p:blipFill rotWithShape="1">
-          <a:blip r:embed="rId3">
+          <a:blip r:embed="rId2">
             <a:extLst>
               <a:ext uri="{28A0092B-C50C-407E-A947-70E740481C1C}">
                 <a14:useLocalDpi xmlns:a14="http://schemas.microsoft.com/office/drawing/2010/main" val="0"/>
@@ -5604,10 +8131,10 @@
       </p:grpSpPr>
       <p:sp>
         <p:nvSpPr>
-          <p:cNvPr id="4" name="Title 1">
-            <a:extLst>
-              <a:ext uri="{FF2B5EF4-FFF2-40B4-BE49-F238E27FC236}">
-                <a16:creationId xmlns:a16="http://schemas.microsoft.com/office/drawing/2014/main" id="{F8579A63-4C39-11BE-A124-1AC74B6556F3}"/>
+          <p:cNvPr id="2" name="Title 1">
+            <a:extLst>
+              <a:ext uri="{FF2B5EF4-FFF2-40B4-BE49-F238E27FC236}">
+                <a16:creationId xmlns:a16="http://schemas.microsoft.com/office/drawing/2014/main" id="{52D525D5-B54B-30ED-A5EF-7B084EF2F170}"/>
               </a:ext>
             </a:extLst>
           </p:cNvPr>
@@ -5618,31 +8145,46 @@
             <p:ph type="title"/>
           </p:nvPr>
         </p:nvSpPr>
-        <p:spPr>
-          <a:xfrm>
-            <a:off x="838200" y="0"/>
-            <a:ext cx="10515600" cy="836579"/>
-          </a:xfrm>
-        </p:spPr>
-        <p:txBody>
-          <a:bodyPr>
-            <a:normAutofit/>
-          </a:bodyPr>
-          <a:lstStyle/>
-          <a:p>
-            <a:r>
-              <a:rPr lang="en-US" sz="3200" dirty="0"/>
-              <a:t>Training Results - ResNet</a:t>
-            </a:r>
+        <p:spPr/>
+        <p:txBody>
+          <a:bodyPr/>
+          <a:lstStyle/>
+          <a:p>
+            <a:endParaRPr lang="en-US"/>
+          </a:p>
+        </p:txBody>
+      </p:sp>
+      <p:sp>
+        <p:nvSpPr>
+          <p:cNvPr id="3" name="Content Placeholder 2">
+            <a:extLst>
+              <a:ext uri="{FF2B5EF4-FFF2-40B4-BE49-F238E27FC236}">
+                <a16:creationId xmlns:a16="http://schemas.microsoft.com/office/drawing/2014/main" id="{6624A213-0C03-5FE7-B01E-217728348F64}"/>
+              </a:ext>
+            </a:extLst>
+          </p:cNvPr>
+          <p:cNvSpPr>
+            <a:spLocks noGrp="1"/>
+          </p:cNvSpPr>
+          <p:nvPr>
+            <p:ph idx="1"/>
+          </p:nvPr>
+        </p:nvSpPr>
+        <p:spPr/>
+        <p:txBody>
+          <a:bodyPr/>
+          <a:lstStyle/>
+          <a:p>
+            <a:endParaRPr lang="en-US"/>
           </a:p>
         </p:txBody>
       </p:sp>
       <p:pic>
         <p:nvPicPr>
-          <p:cNvPr id="6" name="Picture 5" descr="A graph of a graph of a graph of a graph of a graph of a graph of a graph of a graph of a graph of a graph of a graph of a graph of a graph of&#10;&#10;Description automatically generated">
-            <a:extLst>
-              <a:ext uri="{FF2B5EF4-FFF2-40B4-BE49-F238E27FC236}">
-                <a16:creationId xmlns:a16="http://schemas.microsoft.com/office/drawing/2014/main" id="{3B7B94FA-FF71-1049-59B3-2B7E06E2099F}"/>
+          <p:cNvPr id="9" name="Picture 8" descr="A graph of a graph of a graph&#10;&#10;Description automatically generated with medium confidence">
+            <a:extLst>
+              <a:ext uri="{FF2B5EF4-FFF2-40B4-BE49-F238E27FC236}">
+                <a16:creationId xmlns:a16="http://schemas.microsoft.com/office/drawing/2014/main" id="{5D513335-409C-BC29-3635-301F735640CE}"/>
               </a:ext>
             </a:extLst>
           </p:cNvPr>
@@ -5651,7 +8193,7 @@
           </p:cNvPicPr>
           <p:nvPr/>
         </p:nvPicPr>
-        <p:blipFill rotWithShape="1">
+        <p:blipFill>
           <a:blip r:embed="rId2">
             <a:extLst>
               <a:ext uri="{28A0092B-C50C-407E-A947-70E740481C1C}">
@@ -5659,13 +8201,14 @@
               </a:ext>
             </a:extLst>
           </a:blip>
-          <a:srcRect t="8862"/>
-          <a:stretch/>
+          <a:stretch>
+            <a:fillRect/>
+          </a:stretch>
         </p:blipFill>
         <p:spPr>
           <a:xfrm>
-            <a:off x="2540000" y="725745"/>
-            <a:ext cx="7487937" cy="2843474"/>
+            <a:off x="2539999" y="3485693"/>
+            <a:ext cx="8001005" cy="3333752"/>
           </a:xfrm>
           <a:prstGeom prst="rect">
             <a:avLst/>
@@ -5674,10 +8217,10 @@
       </p:pic>
       <p:sp>
         <p:nvSpPr>
-          <p:cNvPr id="7" name="TextBox 6">
-            <a:extLst>
-              <a:ext uri="{FF2B5EF4-FFF2-40B4-BE49-F238E27FC236}">
-                <a16:creationId xmlns:a16="http://schemas.microsoft.com/office/drawing/2014/main" id="{BC1422A9-4BB5-8991-0A66-6F7B866A6F17}"/>
+          <p:cNvPr id="10" name="TextBox 9">
+            <a:extLst>
+              <a:ext uri="{FF2B5EF4-FFF2-40B4-BE49-F238E27FC236}">
+                <a16:creationId xmlns:a16="http://schemas.microsoft.com/office/drawing/2014/main" id="{A0008708-FFCB-B443-1978-7605953218FB}"/>
               </a:ext>
             </a:extLst>
           </p:cNvPr>
@@ -5686,8 +8229,8 @@
         </p:nvSpPr>
         <p:spPr>
           <a:xfrm>
-            <a:off x="731520" y="1501151"/>
-            <a:ext cx="1930400" cy="646331"/>
+            <a:off x="284480" y="4413905"/>
+            <a:ext cx="2600960" cy="1477328"/>
           </a:xfrm>
           <a:prstGeom prst="rect">
             <a:avLst/>
@@ -5702,77 +8245,7 @@
           <a:p>
             <a:r>
               <a:rPr lang="en-US" b="1" dirty="0"/>
-              <a:t>224x224 without SENet</a:t>
-            </a:r>
-          </a:p>
-        </p:txBody>
-      </p:sp>
-      <p:pic>
-        <p:nvPicPr>
-          <p:cNvPr id="9" name="Picture 8" descr="A graph of a graph&#10;&#10;Description automatically generated with medium confidence">
-            <a:extLst>
-              <a:ext uri="{FF2B5EF4-FFF2-40B4-BE49-F238E27FC236}">
-                <a16:creationId xmlns:a16="http://schemas.microsoft.com/office/drawing/2014/main" id="{84B9EB64-71B4-C16C-C70B-2B3CC8D07B1C}"/>
-              </a:ext>
-            </a:extLst>
-          </p:cNvPr>
-          <p:cNvPicPr>
-            <a:picLocks noChangeAspect="1"/>
-          </p:cNvPicPr>
-          <p:nvPr/>
-        </p:nvPicPr>
-        <p:blipFill rotWithShape="1">
-          <a:blip r:embed="rId3">
-            <a:extLst>
-              <a:ext uri="{28A0092B-C50C-407E-A947-70E740481C1C}">
-                <a14:useLocalDpi xmlns:a14="http://schemas.microsoft.com/office/drawing/2010/main" val="0"/>
-              </a:ext>
-            </a:extLst>
-          </a:blip>
-          <a:srcRect t="9482"/>
-          <a:stretch/>
-        </p:blipFill>
-        <p:spPr>
-          <a:xfrm>
-            <a:off x="2362202" y="3583939"/>
-            <a:ext cx="7843531" cy="2958258"/>
-          </a:xfrm>
-          <a:prstGeom prst="rect">
-            <a:avLst/>
-          </a:prstGeom>
-        </p:spPr>
-      </p:pic>
-      <p:sp>
-        <p:nvSpPr>
-          <p:cNvPr id="11" name="TextBox 10">
-            <a:extLst>
-              <a:ext uri="{FF2B5EF4-FFF2-40B4-BE49-F238E27FC236}">
-                <a16:creationId xmlns:a16="http://schemas.microsoft.com/office/drawing/2014/main" id="{E2BA792B-3737-A99F-DCAA-D5B0F81CC434}"/>
-              </a:ext>
-            </a:extLst>
-          </p:cNvPr>
-          <p:cNvSpPr txBox="1"/>
-          <p:nvPr/>
-        </p:nvSpPr>
-        <p:spPr>
-          <a:xfrm>
-            <a:off x="731520" y="4682510"/>
-            <a:ext cx="2164080" cy="1754326"/>
-          </a:xfrm>
-          <a:prstGeom prst="rect">
-            <a:avLst/>
-          </a:prstGeom>
-          <a:noFill/>
-        </p:spPr>
-        <p:txBody>
-          <a:bodyPr wrap="square">
-            <a:spAutoFit/>
-          </a:bodyPr>
-          <a:lstStyle/>
-          <a:p>
-            <a:r>
-              <a:rPr lang="en-US" b="1" dirty="0"/>
-              <a:t>224x224 with SENet</a:t>
+              <a:t>LeNet 224x224 SENet </a:t>
             </a:r>
           </a:p>
           <a:p>
@@ -5785,7 +8258,15 @@
             </a:pPr>
             <a:r>
               <a:rPr lang="en-US" dirty="0"/>
-              <a:t>SENet provides improvements with ResNet</a:t>
+              <a:t>LeNet</a:t>
+            </a:r>
+            <a:r>
+              <a:rPr lang="en-US" b="1" dirty="0"/>
+              <a:t> </a:t>
+            </a:r>
+            <a:r>
+              <a:rPr lang="en-US" dirty="0"/>
+              <a:t>has significant overfitting with and without SENet</a:t>
             </a:r>
           </a:p>
         </p:txBody>
@@ -5793,7 +8274,7 @@
     </p:spTree>
     <p:extLst>
       <p:ext uri="{BB962C8B-B14F-4D97-AF65-F5344CB8AC3E}">
-        <p14:creationId xmlns:p14="http://schemas.microsoft.com/office/powerpoint/2010/main" val="3113043071"/>
+        <p14:creationId xmlns:p14="http://schemas.microsoft.com/office/powerpoint/2010/main" val="3209603536"/>
       </p:ext>
     </p:extLst>
   </p:cSld>

--- a/presentation.pptx
+++ b/presentation.pptx
@@ -4,6 +4,9 @@
   <p:sldMasterIdLst>
     <p:sldMasterId id="2147483648" r:id="rId1"/>
   </p:sldMasterIdLst>
+  <p:notesMasterIdLst>
+    <p:notesMasterId r:id="rId14"/>
+  </p:notesMasterIdLst>
   <p:sldIdLst>
     <p:sldId id="256" r:id="rId2"/>
     <p:sldId id="267" r:id="rId3"/>
@@ -13,11 +16,10 @@
     <p:sldId id="259" r:id="rId7"/>
     <p:sldId id="269" r:id="rId8"/>
     <p:sldId id="262" r:id="rId9"/>
-    <p:sldId id="270" r:id="rId10"/>
-    <p:sldId id="263" r:id="rId11"/>
-    <p:sldId id="261" r:id="rId12"/>
-    <p:sldId id="271" r:id="rId13"/>
-    <p:sldId id="264" r:id="rId14"/>
+    <p:sldId id="263" r:id="rId10"/>
+    <p:sldId id="261" r:id="rId11"/>
+    <p:sldId id="271" r:id="rId12"/>
+    <p:sldId id="264" r:id="rId13"/>
   </p:sldIdLst>
   <p:sldSz cx="12192000" cy="6858000"/>
   <p:notesSz cx="6858000" cy="9144000"/>
@@ -122,6 +124,439 @@
     </p:ext>
   </p:extLst>
 </p:presentation>
+</file>
+
+<file path=ppt/notesMasters/notesMaster1.xml><?xml version="1.0" encoding="utf-8"?>
+<p:notesMaster xmlns:a="http://schemas.openxmlformats.org/drawingml/2006/main" xmlns:r="http://schemas.openxmlformats.org/officeDocument/2006/relationships" xmlns:p="http://schemas.openxmlformats.org/presentationml/2006/main">
+  <p:cSld>
+    <p:bg>
+      <p:bgRef idx="1001">
+        <a:schemeClr val="bg1"/>
+      </p:bgRef>
+    </p:bg>
+    <p:spTree>
+      <p:nvGrpSpPr>
+        <p:cNvPr id="1" name=""/>
+        <p:cNvGrpSpPr/>
+        <p:nvPr/>
+      </p:nvGrpSpPr>
+      <p:grpSpPr>
+        <a:xfrm>
+          <a:off x="0" y="0"/>
+          <a:ext cx="0" cy="0"/>
+          <a:chOff x="0" y="0"/>
+          <a:chExt cx="0" cy="0"/>
+        </a:xfrm>
+      </p:grpSpPr>
+      <p:sp>
+        <p:nvSpPr>
+          <p:cNvPr id="2" name="Header Placeholder 1"/>
+          <p:cNvSpPr>
+            <a:spLocks noGrp="1"/>
+          </p:cNvSpPr>
+          <p:nvPr>
+            <p:ph type="hdr" sz="quarter"/>
+          </p:nvPr>
+        </p:nvSpPr>
+        <p:spPr>
+          <a:xfrm>
+            <a:off x="0" y="0"/>
+            <a:ext cx="2971800" cy="458788"/>
+          </a:xfrm>
+          <a:prstGeom prst="rect">
+            <a:avLst/>
+          </a:prstGeom>
+        </p:spPr>
+        <p:txBody>
+          <a:bodyPr vert="horz" lIns="91440" tIns="45720" rIns="91440" bIns="45720" rtlCol="0"/>
+          <a:lstStyle>
+            <a:lvl1pPr algn="l">
+              <a:defRPr sz="1200"/>
+            </a:lvl1pPr>
+          </a:lstStyle>
+          <a:p>
+            <a:endParaRPr lang="en-US"/>
+          </a:p>
+        </p:txBody>
+      </p:sp>
+      <p:sp>
+        <p:nvSpPr>
+          <p:cNvPr id="3" name="Date Placeholder 2"/>
+          <p:cNvSpPr>
+            <a:spLocks noGrp="1"/>
+          </p:cNvSpPr>
+          <p:nvPr>
+            <p:ph type="dt" idx="1"/>
+          </p:nvPr>
+        </p:nvSpPr>
+        <p:spPr>
+          <a:xfrm>
+            <a:off x="3884613" y="0"/>
+            <a:ext cx="2971800" cy="458788"/>
+          </a:xfrm>
+          <a:prstGeom prst="rect">
+            <a:avLst/>
+          </a:prstGeom>
+        </p:spPr>
+        <p:txBody>
+          <a:bodyPr vert="horz" lIns="91440" tIns="45720" rIns="91440" bIns="45720" rtlCol="0"/>
+          <a:lstStyle>
+            <a:lvl1pPr algn="r">
+              <a:defRPr sz="1200"/>
+            </a:lvl1pPr>
+          </a:lstStyle>
+          <a:p>
+            <a:fld id="{5D0A436C-8462-4E28-902A-54592E92CF35}" type="datetimeFigureOut">
+              <a:rPr lang="en-US" smtClean="0"/>
+              <a:t>4/23/2024</a:t>
+            </a:fld>
+            <a:endParaRPr lang="en-US"/>
+          </a:p>
+        </p:txBody>
+      </p:sp>
+      <p:sp>
+        <p:nvSpPr>
+          <p:cNvPr id="4" name="Slide Image Placeholder 3"/>
+          <p:cNvSpPr>
+            <a:spLocks noGrp="1" noRot="1" noChangeAspect="1"/>
+          </p:cNvSpPr>
+          <p:nvPr>
+            <p:ph type="sldImg" idx="2"/>
+          </p:nvPr>
+        </p:nvSpPr>
+        <p:spPr>
+          <a:xfrm>
+            <a:off x="685800" y="1143000"/>
+            <a:ext cx="5486400" cy="3086100"/>
+          </a:xfrm>
+          <a:prstGeom prst="rect">
+            <a:avLst/>
+          </a:prstGeom>
+          <a:noFill/>
+          <a:ln w="12700">
+            <a:solidFill>
+              <a:prstClr val="black"/>
+            </a:solidFill>
+          </a:ln>
+        </p:spPr>
+        <p:txBody>
+          <a:bodyPr vert="horz" lIns="91440" tIns="45720" rIns="91440" bIns="45720" rtlCol="0" anchor="ctr"/>
+          <a:lstStyle/>
+          <a:p>
+            <a:endParaRPr lang="en-US"/>
+          </a:p>
+        </p:txBody>
+      </p:sp>
+      <p:sp>
+        <p:nvSpPr>
+          <p:cNvPr id="5" name="Notes Placeholder 4"/>
+          <p:cNvSpPr>
+            <a:spLocks noGrp="1"/>
+          </p:cNvSpPr>
+          <p:nvPr>
+            <p:ph type="body" sz="quarter" idx="3"/>
+          </p:nvPr>
+        </p:nvSpPr>
+        <p:spPr>
+          <a:xfrm>
+            <a:off x="685800" y="4400550"/>
+            <a:ext cx="5486400" cy="3600450"/>
+          </a:xfrm>
+          <a:prstGeom prst="rect">
+            <a:avLst/>
+          </a:prstGeom>
+        </p:spPr>
+        <p:txBody>
+          <a:bodyPr vert="horz" lIns="91440" tIns="45720" rIns="91440" bIns="45720" rtlCol="0"/>
+          <a:lstStyle/>
+          <a:p>
+            <a:pPr lvl="0"/>
+            <a:r>
+              <a:rPr lang="en-US"/>
+              <a:t>Click to edit Master text styles</a:t>
+            </a:r>
+          </a:p>
+          <a:p>
+            <a:pPr lvl="1"/>
+            <a:r>
+              <a:rPr lang="en-US"/>
+              <a:t>Second level</a:t>
+            </a:r>
+          </a:p>
+          <a:p>
+            <a:pPr lvl="2"/>
+            <a:r>
+              <a:rPr lang="en-US"/>
+              <a:t>Third level</a:t>
+            </a:r>
+          </a:p>
+          <a:p>
+            <a:pPr lvl="3"/>
+            <a:r>
+              <a:rPr lang="en-US"/>
+              <a:t>Fourth level</a:t>
+            </a:r>
+          </a:p>
+          <a:p>
+            <a:pPr lvl="4"/>
+            <a:r>
+              <a:rPr lang="en-US"/>
+              <a:t>Fifth level</a:t>
+            </a:r>
+          </a:p>
+        </p:txBody>
+      </p:sp>
+      <p:sp>
+        <p:nvSpPr>
+          <p:cNvPr id="6" name="Footer Placeholder 5"/>
+          <p:cNvSpPr>
+            <a:spLocks noGrp="1"/>
+          </p:cNvSpPr>
+          <p:nvPr>
+            <p:ph type="ftr" sz="quarter" idx="4"/>
+          </p:nvPr>
+        </p:nvSpPr>
+        <p:spPr>
+          <a:xfrm>
+            <a:off x="0" y="8685213"/>
+            <a:ext cx="2971800" cy="458787"/>
+          </a:xfrm>
+          <a:prstGeom prst="rect">
+            <a:avLst/>
+          </a:prstGeom>
+        </p:spPr>
+        <p:txBody>
+          <a:bodyPr vert="horz" lIns="91440" tIns="45720" rIns="91440" bIns="45720" rtlCol="0" anchor="b"/>
+          <a:lstStyle>
+            <a:lvl1pPr algn="l">
+              <a:defRPr sz="1200"/>
+            </a:lvl1pPr>
+          </a:lstStyle>
+          <a:p>
+            <a:endParaRPr lang="en-US"/>
+          </a:p>
+        </p:txBody>
+      </p:sp>
+      <p:sp>
+        <p:nvSpPr>
+          <p:cNvPr id="7" name="Slide Number Placeholder 6"/>
+          <p:cNvSpPr>
+            <a:spLocks noGrp="1"/>
+          </p:cNvSpPr>
+          <p:nvPr>
+            <p:ph type="sldNum" sz="quarter" idx="5"/>
+          </p:nvPr>
+        </p:nvSpPr>
+        <p:spPr>
+          <a:xfrm>
+            <a:off x="3884613" y="8685213"/>
+            <a:ext cx="2971800" cy="458787"/>
+          </a:xfrm>
+          <a:prstGeom prst="rect">
+            <a:avLst/>
+          </a:prstGeom>
+        </p:spPr>
+        <p:txBody>
+          <a:bodyPr vert="horz" lIns="91440" tIns="45720" rIns="91440" bIns="45720" rtlCol="0" anchor="b"/>
+          <a:lstStyle>
+            <a:lvl1pPr algn="r">
+              <a:defRPr sz="1200"/>
+            </a:lvl1pPr>
+          </a:lstStyle>
+          <a:p>
+            <a:fld id="{C9BB9B04-EC3D-46F6-B277-A3435B531A7E}" type="slidenum">
+              <a:rPr lang="en-US" smtClean="0"/>
+              <a:t>‹#›</a:t>
+            </a:fld>
+            <a:endParaRPr lang="en-US"/>
+          </a:p>
+        </p:txBody>
+      </p:sp>
+    </p:spTree>
+    <p:extLst>
+      <p:ext uri="{BB962C8B-B14F-4D97-AF65-F5344CB8AC3E}">
+        <p14:creationId xmlns:p14="http://schemas.microsoft.com/office/powerpoint/2010/main" val="3273468832"/>
+      </p:ext>
+    </p:extLst>
+  </p:cSld>
+  <p:clrMap bg1="lt1" tx1="dk1" bg2="lt2" tx2="dk2" accent1="accent1" accent2="accent2" accent3="accent3" accent4="accent4" accent5="accent5" accent6="accent6" hlink="hlink" folHlink="folHlink"/>
+  <p:notesStyle>
+    <a:lvl1pPr marL="0" algn="l" defTabSz="914400" rtl="0" eaLnBrk="1" latinLnBrk="0" hangingPunct="1">
+      <a:defRPr sz="1200" kern="1200">
+        <a:solidFill>
+          <a:schemeClr val="tx1"/>
+        </a:solidFill>
+        <a:latin typeface="+mn-lt"/>
+        <a:ea typeface="+mn-ea"/>
+        <a:cs typeface="+mn-cs"/>
+      </a:defRPr>
+    </a:lvl1pPr>
+    <a:lvl2pPr marL="457200" algn="l" defTabSz="914400" rtl="0" eaLnBrk="1" latinLnBrk="0" hangingPunct="1">
+      <a:defRPr sz="1200" kern="1200">
+        <a:solidFill>
+          <a:schemeClr val="tx1"/>
+        </a:solidFill>
+        <a:latin typeface="+mn-lt"/>
+        <a:ea typeface="+mn-ea"/>
+        <a:cs typeface="+mn-cs"/>
+      </a:defRPr>
+    </a:lvl2pPr>
+    <a:lvl3pPr marL="914400" algn="l" defTabSz="914400" rtl="0" eaLnBrk="1" latinLnBrk="0" hangingPunct="1">
+      <a:defRPr sz="1200" kern="1200">
+        <a:solidFill>
+          <a:schemeClr val="tx1"/>
+        </a:solidFill>
+        <a:latin typeface="+mn-lt"/>
+        <a:ea typeface="+mn-ea"/>
+        <a:cs typeface="+mn-cs"/>
+      </a:defRPr>
+    </a:lvl3pPr>
+    <a:lvl4pPr marL="1371600" algn="l" defTabSz="914400" rtl="0" eaLnBrk="1" latinLnBrk="0" hangingPunct="1">
+      <a:defRPr sz="1200" kern="1200">
+        <a:solidFill>
+          <a:schemeClr val="tx1"/>
+        </a:solidFill>
+        <a:latin typeface="+mn-lt"/>
+        <a:ea typeface="+mn-ea"/>
+        <a:cs typeface="+mn-cs"/>
+      </a:defRPr>
+    </a:lvl4pPr>
+    <a:lvl5pPr marL="1828800" algn="l" defTabSz="914400" rtl="0" eaLnBrk="1" latinLnBrk="0" hangingPunct="1">
+      <a:defRPr sz="1200" kern="1200">
+        <a:solidFill>
+          <a:schemeClr val="tx1"/>
+        </a:solidFill>
+        <a:latin typeface="+mn-lt"/>
+        <a:ea typeface="+mn-ea"/>
+        <a:cs typeface="+mn-cs"/>
+      </a:defRPr>
+    </a:lvl5pPr>
+    <a:lvl6pPr marL="2286000" algn="l" defTabSz="914400" rtl="0" eaLnBrk="1" latinLnBrk="0" hangingPunct="1">
+      <a:defRPr sz="1200" kern="1200">
+        <a:solidFill>
+          <a:schemeClr val="tx1"/>
+        </a:solidFill>
+        <a:latin typeface="+mn-lt"/>
+        <a:ea typeface="+mn-ea"/>
+        <a:cs typeface="+mn-cs"/>
+      </a:defRPr>
+    </a:lvl6pPr>
+    <a:lvl7pPr marL="2743200" algn="l" defTabSz="914400" rtl="0" eaLnBrk="1" latinLnBrk="0" hangingPunct="1">
+      <a:defRPr sz="1200" kern="1200">
+        <a:solidFill>
+          <a:schemeClr val="tx1"/>
+        </a:solidFill>
+        <a:latin typeface="+mn-lt"/>
+        <a:ea typeface="+mn-ea"/>
+        <a:cs typeface="+mn-cs"/>
+      </a:defRPr>
+    </a:lvl7pPr>
+    <a:lvl8pPr marL="3200400" algn="l" defTabSz="914400" rtl="0" eaLnBrk="1" latinLnBrk="0" hangingPunct="1">
+      <a:defRPr sz="1200" kern="1200">
+        <a:solidFill>
+          <a:schemeClr val="tx1"/>
+        </a:solidFill>
+        <a:latin typeface="+mn-lt"/>
+        <a:ea typeface="+mn-ea"/>
+        <a:cs typeface="+mn-cs"/>
+      </a:defRPr>
+    </a:lvl8pPr>
+    <a:lvl9pPr marL="3657600" algn="l" defTabSz="914400" rtl="0" eaLnBrk="1" latinLnBrk="0" hangingPunct="1">
+      <a:defRPr sz="1200" kern="1200">
+        <a:solidFill>
+          <a:schemeClr val="tx1"/>
+        </a:solidFill>
+        <a:latin typeface="+mn-lt"/>
+        <a:ea typeface="+mn-ea"/>
+        <a:cs typeface="+mn-cs"/>
+      </a:defRPr>
+    </a:lvl9pPr>
+  </p:notesStyle>
+</p:notesMaster>
+</file>
+
+<file path=ppt/notesSlides/notesSlide1.xml><?xml version="1.0" encoding="utf-8"?>
+<p:notes xmlns:a="http://schemas.openxmlformats.org/drawingml/2006/main" xmlns:r="http://schemas.openxmlformats.org/officeDocument/2006/relationships" xmlns:p="http://schemas.openxmlformats.org/presentationml/2006/main">
+  <p:cSld>
+    <p:spTree>
+      <p:nvGrpSpPr>
+        <p:cNvPr id="1" name=""/>
+        <p:cNvGrpSpPr/>
+        <p:nvPr/>
+      </p:nvGrpSpPr>
+      <p:grpSpPr>
+        <a:xfrm>
+          <a:off x="0" y="0"/>
+          <a:ext cx="0" cy="0"/>
+          <a:chOff x="0" y="0"/>
+          <a:chExt cx="0" cy="0"/>
+        </a:xfrm>
+      </p:grpSpPr>
+      <p:sp>
+        <p:nvSpPr>
+          <p:cNvPr id="2" name="Slide Image Placeholder 1"/>
+          <p:cNvSpPr>
+            <a:spLocks noGrp="1" noRot="1" noChangeAspect="1"/>
+          </p:cNvSpPr>
+          <p:nvPr>
+            <p:ph type="sldImg"/>
+          </p:nvPr>
+        </p:nvSpPr>
+        <p:spPr/>
+      </p:sp>
+      <p:sp>
+        <p:nvSpPr>
+          <p:cNvPr id="3" name="Notes Placeholder 2"/>
+          <p:cNvSpPr>
+            <a:spLocks noGrp="1"/>
+          </p:cNvSpPr>
+          <p:nvPr>
+            <p:ph type="body" idx="1"/>
+          </p:nvPr>
+        </p:nvSpPr>
+        <p:spPr/>
+        <p:txBody>
+          <a:bodyPr/>
+          <a:lstStyle/>
+          <a:p>
+            <a:endParaRPr lang="en-US" dirty="0"/>
+          </a:p>
+        </p:txBody>
+      </p:sp>
+      <p:sp>
+        <p:nvSpPr>
+          <p:cNvPr id="4" name="Slide Number Placeholder 3"/>
+          <p:cNvSpPr>
+            <a:spLocks noGrp="1"/>
+          </p:cNvSpPr>
+          <p:nvPr>
+            <p:ph type="sldNum" sz="quarter" idx="5"/>
+          </p:nvPr>
+        </p:nvSpPr>
+        <p:spPr/>
+        <p:txBody>
+          <a:bodyPr/>
+          <a:lstStyle/>
+          <a:p>
+            <a:fld id="{C9BB9B04-EC3D-46F6-B277-A3435B531A7E}" type="slidenum">
+              <a:rPr lang="en-US" smtClean="0"/>
+              <a:t>10</a:t>
+            </a:fld>
+            <a:endParaRPr lang="en-US"/>
+          </a:p>
+        </p:txBody>
+      </p:sp>
+    </p:spTree>
+    <p:extLst>
+      <p:ext uri="{BB962C8B-B14F-4D97-AF65-F5344CB8AC3E}">
+        <p14:creationId xmlns:p14="http://schemas.microsoft.com/office/powerpoint/2010/main" val="1838744289"/>
+      </p:ext>
+    </p:extLst>
+  </p:cSld>
+  <p:clrMapOvr>
+    <a:masterClrMapping/>
+  </p:clrMapOvr>
+</p:notes>
 </file>
 
 <file path=ppt/slideLayouts/slideLayout1.xml><?xml version="1.0" encoding="utf-8"?>
@@ -3429,224 +3864,6 @@
 </file>
 
 <file path=ppt/slides/slide10.xml><?xml version="1.0" encoding="utf-8"?>
-<p:sld xmlns:a="http://schemas.openxmlformats.org/drawingml/2006/main" xmlns:r="http://schemas.openxmlformats.org/officeDocument/2006/relationships" xmlns:p="http://schemas.openxmlformats.org/presentationml/2006/main">
-  <p:cSld>
-    <p:spTree>
-      <p:nvGrpSpPr>
-        <p:cNvPr id="1" name=""/>
-        <p:cNvGrpSpPr/>
-        <p:nvPr/>
-      </p:nvGrpSpPr>
-      <p:grpSpPr>
-        <a:xfrm>
-          <a:off x="0" y="0"/>
-          <a:ext cx="0" cy="0"/>
-          <a:chOff x="0" y="0"/>
-          <a:chExt cx="0" cy="0"/>
-        </a:xfrm>
-      </p:grpSpPr>
-      <p:sp>
-        <p:nvSpPr>
-          <p:cNvPr id="4" name="Title 1">
-            <a:extLst>
-              <a:ext uri="{FF2B5EF4-FFF2-40B4-BE49-F238E27FC236}">
-                <a16:creationId xmlns:a16="http://schemas.microsoft.com/office/drawing/2014/main" id="{F8579A63-4C39-11BE-A124-1AC74B6556F3}"/>
-              </a:ext>
-            </a:extLst>
-          </p:cNvPr>
-          <p:cNvSpPr>
-            <a:spLocks noGrp="1"/>
-          </p:cNvSpPr>
-          <p:nvPr>
-            <p:ph type="title"/>
-          </p:nvPr>
-        </p:nvSpPr>
-        <p:spPr>
-          <a:xfrm>
-            <a:off x="838200" y="0"/>
-            <a:ext cx="10515600" cy="836579"/>
-          </a:xfrm>
-        </p:spPr>
-        <p:txBody>
-          <a:bodyPr>
-            <a:normAutofit/>
-          </a:bodyPr>
-          <a:lstStyle/>
-          <a:p>
-            <a:r>
-              <a:rPr lang="en-US" sz="3200" dirty="0"/>
-              <a:t>Training Results - ResNet</a:t>
-            </a:r>
-          </a:p>
-        </p:txBody>
-      </p:sp>
-      <p:pic>
-        <p:nvPicPr>
-          <p:cNvPr id="6" name="Picture 5" descr="A graph of a graph of a graph of a graph of a graph of a graph of a graph of a graph of a graph of a graph of a graph of a graph of a graph of&#10;&#10;Description automatically generated">
-            <a:extLst>
-              <a:ext uri="{FF2B5EF4-FFF2-40B4-BE49-F238E27FC236}">
-                <a16:creationId xmlns:a16="http://schemas.microsoft.com/office/drawing/2014/main" id="{3B7B94FA-FF71-1049-59B3-2B7E06E2099F}"/>
-              </a:ext>
-            </a:extLst>
-          </p:cNvPr>
-          <p:cNvPicPr>
-            <a:picLocks noChangeAspect="1"/>
-          </p:cNvPicPr>
-          <p:nvPr/>
-        </p:nvPicPr>
-        <p:blipFill rotWithShape="1">
-          <a:blip r:embed="rId2">
-            <a:extLst>
-              <a:ext uri="{28A0092B-C50C-407E-A947-70E740481C1C}">
-                <a14:useLocalDpi xmlns:a14="http://schemas.microsoft.com/office/drawing/2010/main" val="0"/>
-              </a:ext>
-            </a:extLst>
-          </a:blip>
-          <a:srcRect t="8862"/>
-          <a:stretch/>
-        </p:blipFill>
-        <p:spPr>
-          <a:xfrm>
-            <a:off x="2540000" y="725745"/>
-            <a:ext cx="7487937" cy="2843474"/>
-          </a:xfrm>
-          <a:prstGeom prst="rect">
-            <a:avLst/>
-          </a:prstGeom>
-        </p:spPr>
-      </p:pic>
-      <p:sp>
-        <p:nvSpPr>
-          <p:cNvPr id="7" name="TextBox 6">
-            <a:extLst>
-              <a:ext uri="{FF2B5EF4-FFF2-40B4-BE49-F238E27FC236}">
-                <a16:creationId xmlns:a16="http://schemas.microsoft.com/office/drawing/2014/main" id="{BC1422A9-4BB5-8991-0A66-6F7B866A6F17}"/>
-              </a:ext>
-            </a:extLst>
-          </p:cNvPr>
-          <p:cNvSpPr txBox="1"/>
-          <p:nvPr/>
-        </p:nvSpPr>
-        <p:spPr>
-          <a:xfrm>
-            <a:off x="731520" y="1501151"/>
-            <a:ext cx="1930400" cy="646331"/>
-          </a:xfrm>
-          <a:prstGeom prst="rect">
-            <a:avLst/>
-          </a:prstGeom>
-          <a:noFill/>
-        </p:spPr>
-        <p:txBody>
-          <a:bodyPr wrap="square" rtlCol="0">
-            <a:spAutoFit/>
-          </a:bodyPr>
-          <a:lstStyle/>
-          <a:p>
-            <a:r>
-              <a:rPr lang="en-US" b="1" dirty="0"/>
-              <a:t>224x224 without SENet</a:t>
-            </a:r>
-          </a:p>
-        </p:txBody>
-      </p:sp>
-      <p:pic>
-        <p:nvPicPr>
-          <p:cNvPr id="9" name="Picture 8" descr="A graph of a graph&#10;&#10;Description automatically generated with medium confidence">
-            <a:extLst>
-              <a:ext uri="{FF2B5EF4-FFF2-40B4-BE49-F238E27FC236}">
-                <a16:creationId xmlns:a16="http://schemas.microsoft.com/office/drawing/2014/main" id="{84B9EB64-71B4-C16C-C70B-2B3CC8D07B1C}"/>
-              </a:ext>
-            </a:extLst>
-          </p:cNvPr>
-          <p:cNvPicPr>
-            <a:picLocks noChangeAspect="1"/>
-          </p:cNvPicPr>
-          <p:nvPr/>
-        </p:nvPicPr>
-        <p:blipFill rotWithShape="1">
-          <a:blip r:embed="rId3">
-            <a:extLst>
-              <a:ext uri="{28A0092B-C50C-407E-A947-70E740481C1C}">
-                <a14:useLocalDpi xmlns:a14="http://schemas.microsoft.com/office/drawing/2010/main" val="0"/>
-              </a:ext>
-            </a:extLst>
-          </a:blip>
-          <a:srcRect t="9482"/>
-          <a:stretch/>
-        </p:blipFill>
-        <p:spPr>
-          <a:xfrm>
-            <a:off x="2362202" y="3583939"/>
-            <a:ext cx="7843531" cy="2958258"/>
-          </a:xfrm>
-          <a:prstGeom prst="rect">
-            <a:avLst/>
-          </a:prstGeom>
-        </p:spPr>
-      </p:pic>
-      <p:sp>
-        <p:nvSpPr>
-          <p:cNvPr id="11" name="TextBox 10">
-            <a:extLst>
-              <a:ext uri="{FF2B5EF4-FFF2-40B4-BE49-F238E27FC236}">
-                <a16:creationId xmlns:a16="http://schemas.microsoft.com/office/drawing/2014/main" id="{E2BA792B-3737-A99F-DCAA-D5B0F81CC434}"/>
-              </a:ext>
-            </a:extLst>
-          </p:cNvPr>
-          <p:cNvSpPr txBox="1"/>
-          <p:nvPr/>
-        </p:nvSpPr>
-        <p:spPr>
-          <a:xfrm>
-            <a:off x="731520" y="4682510"/>
-            <a:ext cx="2164080" cy="1754326"/>
-          </a:xfrm>
-          <a:prstGeom prst="rect">
-            <a:avLst/>
-          </a:prstGeom>
-          <a:noFill/>
-        </p:spPr>
-        <p:txBody>
-          <a:bodyPr wrap="square">
-            <a:spAutoFit/>
-          </a:bodyPr>
-          <a:lstStyle/>
-          <a:p>
-            <a:r>
-              <a:rPr lang="en-US" b="1" dirty="0"/>
-              <a:t>224x224 with SENet</a:t>
-            </a:r>
-          </a:p>
-          <a:p>
-            <a:endParaRPr lang="en-US" b="1" dirty="0"/>
-          </a:p>
-          <a:p>
-            <a:pPr marL="285750" indent="-285750">
-              <a:buFont typeface="Arial" panose="020B0604020202020204" pitchFamily="34" charset="0"/>
-              <a:buChar char="•"/>
-            </a:pPr>
-            <a:r>
-              <a:rPr lang="en-US" dirty="0"/>
-              <a:t>SENet provides improvements with ResNet</a:t>
-            </a:r>
-          </a:p>
-        </p:txBody>
-      </p:sp>
-    </p:spTree>
-    <p:extLst>
-      <p:ext uri="{BB962C8B-B14F-4D97-AF65-F5344CB8AC3E}">
-        <p14:creationId xmlns:p14="http://schemas.microsoft.com/office/powerpoint/2010/main" val="3113043071"/>
-      </p:ext>
-    </p:extLst>
-  </p:cSld>
-  <p:clrMapOvr>
-    <a:masterClrMapping/>
-  </p:clrMapOvr>
-</p:sld>
-</file>
-
-<file path=ppt/slides/slide11.xml><?xml version="1.0" encoding="utf-8"?>
 <p:sld xmlns:a="http://schemas.openxmlformats.org/drawingml/2006/main" xmlns:r="http://schemas.openxmlformats.org/officeDocument/2006/relationships" xmlns:p="http://schemas.openxmlformats.org/presentationml/2006/main">
   <p:cSld>
     <p:spTree>
@@ -4753,7 +4970,7 @@
 </p:sld>
 </file>
 
-<file path=ppt/slides/slide12.xml><?xml version="1.0" encoding="utf-8"?>
+<file path=ppt/slides/slide11.xml><?xml version="1.0" encoding="utf-8"?>
 <p:sld xmlns:a="http://schemas.openxmlformats.org/drawingml/2006/main" xmlns:r="http://schemas.openxmlformats.org/officeDocument/2006/relationships" xmlns:p="http://schemas.openxmlformats.org/presentationml/2006/main">
   <p:cSld>
     <p:spTree>
@@ -4851,7 +5068,7 @@
 </p:sld>
 </file>
 
-<file path=ppt/slides/slide13.xml><?xml version="1.0" encoding="utf-8"?>
+<file path=ppt/slides/slide12.xml><?xml version="1.0" encoding="utf-8"?>
 <p:sld xmlns:a="http://schemas.openxmlformats.org/drawingml/2006/main" xmlns:r="http://schemas.openxmlformats.org/officeDocument/2006/relationships" xmlns:p="http://schemas.openxmlformats.org/presentationml/2006/main">
   <p:cSld>
     <p:spTree>
@@ -8010,12 +8227,51 @@
           </a:p>
         </p:txBody>
       </p:sp>
+      <p:sp>
+        <p:nvSpPr>
+          <p:cNvPr id="16" name="TextBox 15">
+            <a:extLst>
+              <a:ext uri="{FF2B5EF4-FFF2-40B4-BE49-F238E27FC236}">
+                <a16:creationId xmlns:a16="http://schemas.microsoft.com/office/drawing/2014/main" id="{89B6A58B-00FD-DAC4-E8DF-F40A44C4B034}"/>
+              </a:ext>
+            </a:extLst>
+          </p:cNvPr>
+          <p:cNvSpPr txBox="1"/>
+          <p:nvPr/>
+        </p:nvSpPr>
+        <p:spPr>
+          <a:xfrm>
+            <a:off x="284480" y="952035"/>
+            <a:ext cx="2600960" cy="646331"/>
+          </a:xfrm>
+          <a:prstGeom prst="rect">
+            <a:avLst/>
+          </a:prstGeom>
+          <a:noFill/>
+        </p:spPr>
+        <p:txBody>
+          <a:bodyPr wrap="square">
+            <a:spAutoFit/>
+          </a:bodyPr>
+          <a:lstStyle/>
+          <a:p>
+            <a:r>
+              <a:rPr lang="en-US" b="1" dirty="0"/>
+              <a:t>LeNet 28x28 without SENet</a:t>
+            </a:r>
+            <a:r>
+              <a:rPr lang="en-US" dirty="0"/>
+              <a:t> </a:t>
+            </a:r>
+          </a:p>
+        </p:txBody>
+      </p:sp>
       <p:pic>
         <p:nvPicPr>
-          <p:cNvPr id="14" name="Picture 13" descr="A graph of a graph of a graph of a graph of a graph of a graph of a graph of a graph of a graph of a graph of a graph of a graph of a graph of&#10;&#10;Description automatically generated">
-            <a:extLst>
-              <a:ext uri="{FF2B5EF4-FFF2-40B4-BE49-F238E27FC236}">
-                <a16:creationId xmlns:a16="http://schemas.microsoft.com/office/drawing/2014/main" id="{0CBECB93-C63B-E1D2-11A0-DEAA0FD2194B}"/>
+          <p:cNvPr id="4" name="Picture 3" descr="A graph of a graph of a graph of a graph of a graph of a graph of a graph of a graph of a graph of a graph of a graph of a graph of a graph of&#10;&#10;Description automatically generated">
+            <a:extLst>
+              <a:ext uri="{FF2B5EF4-FFF2-40B4-BE49-F238E27FC236}">
+                <a16:creationId xmlns:a16="http://schemas.microsoft.com/office/drawing/2014/main" id="{F2096A6D-A4B9-DC90-3BA1-2B8179AAF43E}"/>
               </a:ext>
             </a:extLst>
           </p:cNvPr>
@@ -8032,25 +8288,60 @@
               </a:ext>
             </a:extLst>
           </a:blip>
-          <a:srcRect t="10268"/>
+          <a:srcRect l="8001" t="8877" r="9471"/>
           <a:stretch/>
         </p:blipFill>
         <p:spPr>
           <a:xfrm>
-            <a:off x="2540000" y="836579"/>
-            <a:ext cx="8001004" cy="2991433"/>
+            <a:off x="3223368" y="3767764"/>
+            <a:ext cx="6716950" cy="3090236"/>
           </a:xfrm>
           <a:prstGeom prst="rect">
             <a:avLst/>
           </a:prstGeom>
         </p:spPr>
       </p:pic>
-      <p:sp>
-        <p:nvSpPr>
-          <p:cNvPr id="16" name="TextBox 15">
-            <a:extLst>
-              <a:ext uri="{FF2B5EF4-FFF2-40B4-BE49-F238E27FC236}">
-                <a16:creationId xmlns:a16="http://schemas.microsoft.com/office/drawing/2014/main" id="{89B6A58B-00FD-DAC4-E8DF-F40A44C4B034}"/>
+      <p:pic>
+        <p:nvPicPr>
+          <p:cNvPr id="6" name="Picture 5" descr="A graph of a graph of a graph&#10;&#10;Description automatically generated with medium confidence">
+            <a:extLst>
+              <a:ext uri="{FF2B5EF4-FFF2-40B4-BE49-F238E27FC236}">
+                <a16:creationId xmlns:a16="http://schemas.microsoft.com/office/drawing/2014/main" id="{BB7C6B8E-6BAC-869F-E00B-294C228E0551}"/>
+              </a:ext>
+            </a:extLst>
+          </p:cNvPr>
+          <p:cNvPicPr>
+            <a:picLocks noChangeAspect="1"/>
+          </p:cNvPicPr>
+          <p:nvPr/>
+        </p:nvPicPr>
+        <p:blipFill rotWithShape="1">
+          <a:blip r:embed="rId3">
+            <a:extLst>
+              <a:ext uri="{28A0092B-C50C-407E-A947-70E740481C1C}">
+                <a14:useLocalDpi xmlns:a14="http://schemas.microsoft.com/office/drawing/2010/main" val="0"/>
+              </a:ext>
+            </a:extLst>
+          </a:blip>
+          <a:srcRect l="7477" t="10532" r="8570"/>
+          <a:stretch/>
+        </p:blipFill>
+        <p:spPr>
+          <a:xfrm>
+            <a:off x="3223369" y="653817"/>
+            <a:ext cx="6634264" cy="2945840"/>
+          </a:xfrm>
+          <a:prstGeom prst="rect">
+            <a:avLst/>
+          </a:prstGeom>
+        </p:spPr>
+      </p:pic>
+      <p:sp>
+        <p:nvSpPr>
+          <p:cNvPr id="7" name="TextBox 6">
+            <a:extLst>
+              <a:ext uri="{FF2B5EF4-FFF2-40B4-BE49-F238E27FC236}">
+                <a16:creationId xmlns:a16="http://schemas.microsoft.com/office/drawing/2014/main" id="{6FEF4AF1-159A-7776-7BDB-F643A695EAD5}"/>
               </a:ext>
             </a:extLst>
           </p:cNvPr>
@@ -8059,8 +8350,8 @@
         </p:nvSpPr>
         <p:spPr>
           <a:xfrm>
-            <a:off x="284480" y="1422473"/>
-            <a:ext cx="2600960" cy="2031325"/>
+            <a:off x="284479" y="3874640"/>
+            <a:ext cx="2938889" cy="2308324"/>
           </a:xfrm>
           <a:prstGeom prst="rect">
             <a:avLst/>
@@ -8075,7 +8366,7 @@
           <a:p>
             <a:r>
               <a:rPr lang="en-US" b="1" dirty="0"/>
-              <a:t>LeNet 28x28 without SENet</a:t>
+              <a:t>LeNet 28x28 with SENet</a:t>
             </a:r>
           </a:p>
           <a:p>
@@ -8092,13 +8383,58 @@
             </a:r>
           </a:p>
           <a:p>
+            <a:pPr marL="285750" indent="-285750">
+              <a:buFont typeface="Arial" panose="020B0604020202020204" pitchFamily="34" charset="0"/>
+              <a:buChar char="•"/>
+            </a:pPr>
             <a:r>
               <a:rPr lang="en-US" dirty="0"/>
-              <a:t> </a:t>
-            </a:r>
-          </a:p>
-        </p:txBody>
-      </p:sp>
+              <a:t>LeNet 224x224 (not shown) had significant overfitting.</a:t>
+            </a:r>
+          </a:p>
+        </p:txBody>
+      </p:sp>
+      <p:cxnSp>
+        <p:nvCxnSpPr>
+          <p:cNvPr id="11" name="Straight Connector 10">
+            <a:extLst>
+              <a:ext uri="{FF2B5EF4-FFF2-40B4-BE49-F238E27FC236}">
+                <a16:creationId xmlns:a16="http://schemas.microsoft.com/office/drawing/2014/main" id="{DE9E1C28-CDBB-9070-1DFC-DACEE28299EC}"/>
+              </a:ext>
+            </a:extLst>
+          </p:cNvPr>
+          <p:cNvCxnSpPr/>
+          <p:nvPr/>
+        </p:nvCxnSpPr>
+        <p:spPr>
+          <a:xfrm>
+            <a:off x="0" y="3658078"/>
+            <a:ext cx="12192000" cy="0"/>
+          </a:xfrm>
+          <a:prstGeom prst="line">
+            <a:avLst/>
+          </a:prstGeom>
+          <a:ln>
+            <a:solidFill>
+              <a:schemeClr val="tx1"/>
+            </a:solidFill>
+          </a:ln>
+        </p:spPr>
+        <p:style>
+          <a:lnRef idx="2">
+            <a:schemeClr val="accent1"/>
+          </a:lnRef>
+          <a:fillRef idx="0">
+            <a:schemeClr val="accent1"/>
+          </a:fillRef>
+          <a:effectRef idx="1">
+            <a:schemeClr val="accent1"/>
+          </a:effectRef>
+          <a:fontRef idx="minor">
+            <a:schemeClr val="tx1"/>
+          </a:fontRef>
+        </p:style>
+      </p:cxnSp>
     </p:spTree>
     <p:extLst>
       <p:ext uri="{BB962C8B-B14F-4D97-AF65-F5344CB8AC3E}">
@@ -8131,10 +8467,10 @@
       </p:grpSpPr>
       <p:sp>
         <p:nvSpPr>
-          <p:cNvPr id="2" name="Title 1">
-            <a:extLst>
-              <a:ext uri="{FF2B5EF4-FFF2-40B4-BE49-F238E27FC236}">
-                <a16:creationId xmlns:a16="http://schemas.microsoft.com/office/drawing/2014/main" id="{52D525D5-B54B-30ED-A5EF-7B084EF2F170}"/>
+          <p:cNvPr id="4" name="Title 1">
+            <a:extLst>
+              <a:ext uri="{FF2B5EF4-FFF2-40B4-BE49-F238E27FC236}">
+                <a16:creationId xmlns:a16="http://schemas.microsoft.com/office/drawing/2014/main" id="{F8579A63-4C39-11BE-A124-1AC74B6556F3}"/>
               </a:ext>
             </a:extLst>
           </p:cNvPr>
@@ -8145,46 +8481,31 @@
             <p:ph type="title"/>
           </p:nvPr>
         </p:nvSpPr>
-        <p:spPr/>
-        <p:txBody>
-          <a:bodyPr/>
-          <a:lstStyle/>
-          <a:p>
-            <a:endParaRPr lang="en-US"/>
-          </a:p>
-        </p:txBody>
-      </p:sp>
-      <p:sp>
-        <p:nvSpPr>
-          <p:cNvPr id="3" name="Content Placeholder 2">
-            <a:extLst>
-              <a:ext uri="{FF2B5EF4-FFF2-40B4-BE49-F238E27FC236}">
-                <a16:creationId xmlns:a16="http://schemas.microsoft.com/office/drawing/2014/main" id="{6624A213-0C03-5FE7-B01E-217728348F64}"/>
-              </a:ext>
-            </a:extLst>
-          </p:cNvPr>
-          <p:cNvSpPr>
-            <a:spLocks noGrp="1"/>
-          </p:cNvSpPr>
-          <p:nvPr>
-            <p:ph idx="1"/>
-          </p:nvPr>
-        </p:nvSpPr>
-        <p:spPr/>
-        <p:txBody>
-          <a:bodyPr/>
-          <a:lstStyle/>
-          <a:p>
-            <a:endParaRPr lang="en-US"/>
+        <p:spPr>
+          <a:xfrm>
+            <a:off x="838200" y="0"/>
+            <a:ext cx="10515600" cy="836579"/>
+          </a:xfrm>
+        </p:spPr>
+        <p:txBody>
+          <a:bodyPr>
+            <a:normAutofit/>
+          </a:bodyPr>
+          <a:lstStyle/>
+          <a:p>
+            <a:r>
+              <a:rPr lang="en-US" sz="3200" dirty="0"/>
+              <a:t>Training Results - ResNet</a:t>
+            </a:r>
           </a:p>
         </p:txBody>
       </p:sp>
       <p:pic>
         <p:nvPicPr>
-          <p:cNvPr id="9" name="Picture 8" descr="A graph of a graph of a graph&#10;&#10;Description automatically generated with medium confidence">
-            <a:extLst>
-              <a:ext uri="{FF2B5EF4-FFF2-40B4-BE49-F238E27FC236}">
-                <a16:creationId xmlns:a16="http://schemas.microsoft.com/office/drawing/2014/main" id="{5D513335-409C-BC29-3635-301F735640CE}"/>
+          <p:cNvPr id="6" name="Picture 5" descr="A graph of a graph of a graph of a graph of a graph of a graph of a graph of a graph of a graph of a graph of a graph of a graph of a graph of&#10;&#10;Description automatically generated">
+            <a:extLst>
+              <a:ext uri="{FF2B5EF4-FFF2-40B4-BE49-F238E27FC236}">
+                <a16:creationId xmlns:a16="http://schemas.microsoft.com/office/drawing/2014/main" id="{3B7B94FA-FF71-1049-59B3-2B7E06E2099F}"/>
               </a:ext>
             </a:extLst>
           </p:cNvPr>
@@ -8193,7 +8514,7 @@
           </p:cNvPicPr>
           <p:nvPr/>
         </p:nvPicPr>
-        <p:blipFill>
+        <p:blipFill rotWithShape="1">
           <a:blip r:embed="rId2">
             <a:extLst>
               <a:ext uri="{28A0092B-C50C-407E-A947-70E740481C1C}">
@@ -8201,14 +8522,13 @@
               </a:ext>
             </a:extLst>
           </a:blip>
-          <a:stretch>
-            <a:fillRect/>
-          </a:stretch>
+          <a:srcRect t="8862"/>
+          <a:stretch/>
         </p:blipFill>
         <p:spPr>
           <a:xfrm>
-            <a:off x="2539999" y="3485693"/>
-            <a:ext cx="8001005" cy="3333752"/>
+            <a:off x="2539998" y="635104"/>
+            <a:ext cx="7487937" cy="2843474"/>
           </a:xfrm>
           <a:prstGeom prst="rect">
             <a:avLst/>
@@ -8217,10 +8537,10 @@
       </p:pic>
       <p:sp>
         <p:nvSpPr>
-          <p:cNvPr id="10" name="TextBox 9">
-            <a:extLst>
-              <a:ext uri="{FF2B5EF4-FFF2-40B4-BE49-F238E27FC236}">
-                <a16:creationId xmlns:a16="http://schemas.microsoft.com/office/drawing/2014/main" id="{A0008708-FFCB-B443-1978-7605953218FB}"/>
+          <p:cNvPr id="7" name="TextBox 6">
+            <a:extLst>
+              <a:ext uri="{FF2B5EF4-FFF2-40B4-BE49-F238E27FC236}">
+                <a16:creationId xmlns:a16="http://schemas.microsoft.com/office/drawing/2014/main" id="{BC1422A9-4BB5-8991-0A66-6F7B866A6F17}"/>
               </a:ext>
             </a:extLst>
           </p:cNvPr>
@@ -8229,8 +8549,8 @@
         </p:nvSpPr>
         <p:spPr>
           <a:xfrm>
-            <a:off x="284480" y="4413905"/>
-            <a:ext cx="2600960" cy="1477328"/>
+            <a:off x="431800" y="836579"/>
+            <a:ext cx="1930400" cy="646331"/>
           </a:xfrm>
           <a:prstGeom prst="rect">
             <a:avLst/>
@@ -8245,7 +8565,77 @@
           <a:p>
             <a:r>
               <a:rPr lang="en-US" b="1" dirty="0"/>
-              <a:t>LeNet 224x224 SENet </a:t>
+              <a:t>224x224 without SENet</a:t>
+            </a:r>
+          </a:p>
+        </p:txBody>
+      </p:sp>
+      <p:pic>
+        <p:nvPicPr>
+          <p:cNvPr id="9" name="Picture 8" descr="A graph of a graph&#10;&#10;Description automatically generated with medium confidence">
+            <a:extLst>
+              <a:ext uri="{FF2B5EF4-FFF2-40B4-BE49-F238E27FC236}">
+                <a16:creationId xmlns:a16="http://schemas.microsoft.com/office/drawing/2014/main" id="{84B9EB64-71B4-C16C-C70B-2B3CC8D07B1C}"/>
+              </a:ext>
+            </a:extLst>
+          </p:cNvPr>
+          <p:cNvPicPr>
+            <a:picLocks noChangeAspect="1"/>
+          </p:cNvPicPr>
+          <p:nvPr/>
+        </p:nvPicPr>
+        <p:blipFill rotWithShape="1">
+          <a:blip r:embed="rId3">
+            <a:extLst>
+              <a:ext uri="{28A0092B-C50C-407E-A947-70E740481C1C}">
+                <a14:useLocalDpi xmlns:a14="http://schemas.microsoft.com/office/drawing/2010/main" val="0"/>
+              </a:ext>
+            </a:extLst>
+          </a:blip>
+          <a:srcRect t="9482"/>
+          <a:stretch/>
+        </p:blipFill>
+        <p:spPr>
+          <a:xfrm>
+            <a:off x="2362200" y="3715914"/>
+            <a:ext cx="7843531" cy="2958258"/>
+          </a:xfrm>
+          <a:prstGeom prst="rect">
+            <a:avLst/>
+          </a:prstGeom>
+        </p:spPr>
+      </p:pic>
+      <p:sp>
+        <p:nvSpPr>
+          <p:cNvPr id="11" name="TextBox 10">
+            <a:extLst>
+              <a:ext uri="{FF2B5EF4-FFF2-40B4-BE49-F238E27FC236}">
+                <a16:creationId xmlns:a16="http://schemas.microsoft.com/office/drawing/2014/main" id="{E2BA792B-3737-A99F-DCAA-D5B0F81CC434}"/>
+              </a:ext>
+            </a:extLst>
+          </p:cNvPr>
+          <p:cNvSpPr txBox="1"/>
+          <p:nvPr/>
+        </p:nvSpPr>
+        <p:spPr>
+          <a:xfrm>
+            <a:off x="375918" y="3837579"/>
+            <a:ext cx="2164080" cy="1754326"/>
+          </a:xfrm>
+          <a:prstGeom prst="rect">
+            <a:avLst/>
+          </a:prstGeom>
+          <a:noFill/>
+        </p:spPr>
+        <p:txBody>
+          <a:bodyPr wrap="square">
+            <a:spAutoFit/>
+          </a:bodyPr>
+          <a:lstStyle/>
+          <a:p>
+            <a:r>
+              <a:rPr lang="en-US" b="1" dirty="0"/>
+              <a:t>224x224 with SENet</a:t>
             </a:r>
           </a:p>
           <a:p>
@@ -8258,23 +8648,56 @@
             </a:pPr>
             <a:r>
               <a:rPr lang="en-US" dirty="0"/>
-              <a:t>LeNet</a:t>
-            </a:r>
-            <a:r>
-              <a:rPr lang="en-US" b="1" dirty="0"/>
-              <a:t> </a:t>
-            </a:r>
-            <a:r>
-              <a:rPr lang="en-US" dirty="0"/>
-              <a:t>has significant overfitting with and without SENet</a:t>
-            </a:r>
-          </a:p>
-        </p:txBody>
-      </p:sp>
+              <a:t>SENet provides improvements with ResNet</a:t>
+            </a:r>
+          </a:p>
+        </p:txBody>
+      </p:sp>
+      <p:cxnSp>
+        <p:nvCxnSpPr>
+          <p:cNvPr id="2" name="Straight Connector 1">
+            <a:extLst>
+              <a:ext uri="{FF2B5EF4-FFF2-40B4-BE49-F238E27FC236}">
+                <a16:creationId xmlns:a16="http://schemas.microsoft.com/office/drawing/2014/main" id="{B709CCB7-4D59-2861-7510-2DAF93644D18}"/>
+              </a:ext>
+            </a:extLst>
+          </p:cNvPr>
+          <p:cNvCxnSpPr/>
+          <p:nvPr/>
+        </p:nvCxnSpPr>
+        <p:spPr>
+          <a:xfrm>
+            <a:off x="0" y="3658078"/>
+            <a:ext cx="12192000" cy="0"/>
+          </a:xfrm>
+          <a:prstGeom prst="line">
+            <a:avLst/>
+          </a:prstGeom>
+          <a:ln>
+            <a:solidFill>
+              <a:schemeClr val="tx1"/>
+            </a:solidFill>
+          </a:ln>
+        </p:spPr>
+        <p:style>
+          <a:lnRef idx="2">
+            <a:schemeClr val="accent1"/>
+          </a:lnRef>
+          <a:fillRef idx="0">
+            <a:schemeClr val="accent1"/>
+          </a:fillRef>
+          <a:effectRef idx="1">
+            <a:schemeClr val="accent1"/>
+          </a:effectRef>
+          <a:fontRef idx="minor">
+            <a:schemeClr val="tx1"/>
+          </a:fontRef>
+        </p:style>
+      </p:cxnSp>
     </p:spTree>
     <p:extLst>
       <p:ext uri="{BB962C8B-B14F-4D97-AF65-F5344CB8AC3E}">
-        <p14:creationId xmlns:p14="http://schemas.microsoft.com/office/powerpoint/2010/main" val="3209603536"/>
+        <p14:creationId xmlns:p14="http://schemas.microsoft.com/office/powerpoint/2010/main" val="3113043071"/>
       </p:ext>
     </p:extLst>
   </p:cSld>
@@ -8597,4 +9020,319 @@
     </a:ext>
   </a:extLst>
 </a:theme>
+</file>
+
+<file path=ppt/theme/theme2.xml><?xml version="1.0" encoding="utf-8"?>
+<a:theme xmlns:a="http://schemas.openxmlformats.org/drawingml/2006/main" name="Office Theme">
+  <a:themeElements>
+    <a:clrScheme name="Office">
+      <a:dk1>
+        <a:sysClr val="windowText" lastClr="000000"/>
+      </a:dk1>
+      <a:lt1>
+        <a:sysClr val="window" lastClr="FFFFFF"/>
+      </a:lt1>
+      <a:dk2>
+        <a:srgbClr val="0E2841"/>
+      </a:dk2>
+      <a:lt2>
+        <a:srgbClr val="E8E8E8"/>
+      </a:lt2>
+      <a:accent1>
+        <a:srgbClr val="156082"/>
+      </a:accent1>
+      <a:accent2>
+        <a:srgbClr val="E97132"/>
+      </a:accent2>
+      <a:accent3>
+        <a:srgbClr val="196B24"/>
+      </a:accent3>
+      <a:accent4>
+        <a:srgbClr val="0F9ED5"/>
+      </a:accent4>
+      <a:accent5>
+        <a:srgbClr val="A02B93"/>
+      </a:accent5>
+      <a:accent6>
+        <a:srgbClr val="4EA72E"/>
+      </a:accent6>
+      <a:hlink>
+        <a:srgbClr val="467886"/>
+      </a:hlink>
+      <a:folHlink>
+        <a:srgbClr val="96607D"/>
+      </a:folHlink>
+    </a:clrScheme>
+    <a:fontScheme name="Office">
+      <a:majorFont>
+        <a:latin typeface="Aptos Display" panose="02110004020202020204"/>
+        <a:ea typeface=""/>
+        <a:cs typeface=""/>
+        <a:font script="Jpan" typeface="游ゴシック Light"/>
+        <a:font script="Hang" typeface="맑은 고딕"/>
+        <a:font script="Hans" typeface="等线 Light"/>
+        <a:font script="Hant" typeface="新細明體"/>
+        <a:font script="Arab" typeface="Times New Roman"/>
+        <a:font script="Hebr" typeface="Times New Roman"/>
+        <a:font script="Thai" typeface="Angsana New"/>
+        <a:font script="Ethi" typeface="Nyala"/>
+        <a:font script="Beng" typeface="Vrinda"/>
+        <a:font script="Gujr" typeface="Shruti"/>
+        <a:font script="Khmr" typeface="MoolBoran"/>
+        <a:font script="Knda" typeface="Tunga"/>
+        <a:font script="Guru" typeface="Raavi"/>
+        <a:font script="Cans" typeface="Euphemia"/>
+        <a:font script="Cher" typeface="Plantagenet Cherokee"/>
+        <a:font script="Yiii" typeface="Microsoft Yi Baiti"/>
+        <a:font script="Tibt" typeface="Microsoft Himalaya"/>
+        <a:font script="Thaa" typeface="MV Boli"/>
+        <a:font script="Deva" typeface="Mangal"/>
+        <a:font script="Telu" typeface="Gautami"/>
+        <a:font script="Taml" typeface="Latha"/>
+        <a:font script="Syrc" typeface="Estrangelo Edessa"/>
+        <a:font script="Orya" typeface="Kalinga"/>
+        <a:font script="Mlym" typeface="Kartika"/>
+        <a:font script="Laoo" typeface="DokChampa"/>
+        <a:font script="Sinh" typeface="Iskoola Pota"/>
+        <a:font script="Mong" typeface="Mongolian Baiti"/>
+        <a:font script="Viet" typeface="Times New Roman"/>
+        <a:font script="Uigh" typeface="Microsoft Uighur"/>
+        <a:font script="Geor" typeface="Sylfaen"/>
+        <a:font script="Armn" typeface="Arial"/>
+        <a:font script="Bugi" typeface="Leelawadee UI"/>
+        <a:font script="Bopo" typeface="Microsoft JhengHei"/>
+        <a:font script="Java" typeface="Javanese Text"/>
+        <a:font script="Lisu" typeface="Segoe UI"/>
+        <a:font script="Mymr" typeface="Myanmar Text"/>
+        <a:font script="Nkoo" typeface="Ebrima"/>
+        <a:font script="Olck" typeface="Nirmala UI"/>
+        <a:font script="Osma" typeface="Ebrima"/>
+        <a:font script="Phag" typeface="Phagspa"/>
+        <a:font script="Syrn" typeface="Estrangelo Edessa"/>
+        <a:font script="Syrj" typeface="Estrangelo Edessa"/>
+        <a:font script="Syre" typeface="Estrangelo Edessa"/>
+        <a:font script="Sora" typeface="Nirmala UI"/>
+        <a:font script="Tale" typeface="Microsoft Tai Le"/>
+        <a:font script="Talu" typeface="Microsoft New Tai Lue"/>
+        <a:font script="Tfng" typeface="Ebrima"/>
+      </a:majorFont>
+      <a:minorFont>
+        <a:latin typeface="Aptos" panose="02110004020202020204"/>
+        <a:ea typeface=""/>
+        <a:cs typeface=""/>
+        <a:font script="Jpan" typeface="游ゴシック"/>
+        <a:font script="Hang" typeface="맑은 고딕"/>
+        <a:font script="Hans" typeface="等线"/>
+        <a:font script="Hant" typeface="新細明體"/>
+        <a:font script="Arab" typeface="Arial"/>
+        <a:font script="Hebr" typeface="Arial"/>
+        <a:font script="Thai" typeface="Cordia New"/>
+        <a:font script="Ethi" typeface="Nyala"/>
+        <a:font script="Beng" typeface="Vrinda"/>
+        <a:font script="Gujr" typeface="Shruti"/>
+        <a:font script="Khmr" typeface="DaunPenh"/>
+        <a:font script="Knda" typeface="Tunga"/>
+        <a:font script="Guru" typeface="Raavi"/>
+        <a:font script="Cans" typeface="Euphemia"/>
+        <a:font script="Cher" typeface="Plantagenet Cherokee"/>
+        <a:font script="Yiii" typeface="Microsoft Yi Baiti"/>
+        <a:font script="Tibt" typeface="Microsoft Himalaya"/>
+        <a:font script="Thaa" typeface="MV Boli"/>
+        <a:font script="Deva" typeface="Mangal"/>
+        <a:font script="Telu" typeface="Gautami"/>
+        <a:font script="Taml" typeface="Latha"/>
+        <a:font script="Syrc" typeface="Estrangelo Edessa"/>
+        <a:font script="Orya" typeface="Kalinga"/>
+        <a:font script="Mlym" typeface="Kartika"/>
+        <a:font script="Laoo" typeface="DokChampa"/>
+        <a:font script="Sinh" typeface="Iskoola Pota"/>
+        <a:font script="Mong" typeface="Mongolian Baiti"/>
+        <a:font script="Viet" typeface="Arial"/>
+        <a:font script="Uigh" typeface="Microsoft Uighur"/>
+        <a:font script="Geor" typeface="Sylfaen"/>
+        <a:font script="Armn" typeface="Arial"/>
+        <a:font script="Bugi" typeface="Leelawadee UI"/>
+        <a:font script="Bopo" typeface="Microsoft JhengHei"/>
+        <a:font script="Java" typeface="Javanese Text"/>
+        <a:font script="Lisu" typeface="Segoe UI"/>
+        <a:font script="Mymr" typeface="Myanmar Text"/>
+        <a:font script="Nkoo" typeface="Ebrima"/>
+        <a:font script="Olck" typeface="Nirmala UI"/>
+        <a:font script="Osma" typeface="Ebrima"/>
+        <a:font script="Phag" typeface="Phagspa"/>
+        <a:font script="Syrn" typeface="Estrangelo Edessa"/>
+        <a:font script="Syrj" typeface="Estrangelo Edessa"/>
+        <a:font script="Syre" typeface="Estrangelo Edessa"/>
+        <a:font script="Sora" typeface="Nirmala UI"/>
+        <a:font script="Tale" typeface="Microsoft Tai Le"/>
+        <a:font script="Talu" typeface="Microsoft New Tai Lue"/>
+        <a:font script="Tfng" typeface="Ebrima"/>
+      </a:minorFont>
+    </a:fontScheme>
+    <a:fmtScheme name="Office">
+      <a:fillStyleLst>
+        <a:solidFill>
+          <a:schemeClr val="phClr"/>
+        </a:solidFill>
+        <a:gradFill rotWithShape="1">
+          <a:gsLst>
+            <a:gs pos="0">
+              <a:schemeClr val="phClr">
+                <a:lumMod val="110000"/>
+                <a:satMod val="105000"/>
+                <a:tint val="67000"/>
+              </a:schemeClr>
+            </a:gs>
+            <a:gs pos="50000">
+              <a:schemeClr val="phClr">
+                <a:lumMod val="105000"/>
+                <a:satMod val="103000"/>
+                <a:tint val="73000"/>
+              </a:schemeClr>
+            </a:gs>
+            <a:gs pos="100000">
+              <a:schemeClr val="phClr">
+                <a:lumMod val="105000"/>
+                <a:satMod val="109000"/>
+                <a:tint val="81000"/>
+              </a:schemeClr>
+            </a:gs>
+          </a:gsLst>
+          <a:lin ang="5400000" scaled="0"/>
+        </a:gradFill>
+        <a:gradFill rotWithShape="1">
+          <a:gsLst>
+            <a:gs pos="0">
+              <a:schemeClr val="phClr">
+                <a:satMod val="103000"/>
+                <a:lumMod val="102000"/>
+                <a:tint val="94000"/>
+              </a:schemeClr>
+            </a:gs>
+            <a:gs pos="50000">
+              <a:schemeClr val="phClr">
+                <a:satMod val="110000"/>
+                <a:lumMod val="100000"/>
+                <a:shade val="100000"/>
+              </a:schemeClr>
+            </a:gs>
+            <a:gs pos="100000">
+              <a:schemeClr val="phClr">
+                <a:lumMod val="99000"/>
+                <a:satMod val="120000"/>
+                <a:shade val="78000"/>
+              </a:schemeClr>
+            </a:gs>
+          </a:gsLst>
+          <a:lin ang="5400000" scaled="0"/>
+        </a:gradFill>
+      </a:fillStyleLst>
+      <a:lnStyleLst>
+        <a:ln w="12700" cap="flat" cmpd="sng" algn="ctr">
+          <a:solidFill>
+            <a:schemeClr val="phClr"/>
+          </a:solidFill>
+          <a:prstDash val="solid"/>
+          <a:miter lim="800000"/>
+        </a:ln>
+        <a:ln w="19050" cap="flat" cmpd="sng" algn="ctr">
+          <a:solidFill>
+            <a:schemeClr val="phClr"/>
+          </a:solidFill>
+          <a:prstDash val="solid"/>
+          <a:miter lim="800000"/>
+        </a:ln>
+        <a:ln w="25400" cap="flat" cmpd="sng" algn="ctr">
+          <a:solidFill>
+            <a:schemeClr val="phClr"/>
+          </a:solidFill>
+          <a:prstDash val="solid"/>
+          <a:miter lim="800000"/>
+        </a:ln>
+      </a:lnStyleLst>
+      <a:effectStyleLst>
+        <a:effectStyle>
+          <a:effectLst/>
+        </a:effectStyle>
+        <a:effectStyle>
+          <a:effectLst/>
+        </a:effectStyle>
+        <a:effectStyle>
+          <a:effectLst>
+            <a:outerShdw blurRad="57150" dist="19050" dir="5400000" algn="ctr" rotWithShape="0">
+              <a:srgbClr val="000000">
+                <a:alpha val="63000"/>
+              </a:srgbClr>
+            </a:outerShdw>
+          </a:effectLst>
+        </a:effectStyle>
+      </a:effectStyleLst>
+      <a:bgFillStyleLst>
+        <a:solidFill>
+          <a:schemeClr val="phClr"/>
+        </a:solidFill>
+        <a:solidFill>
+          <a:schemeClr val="phClr">
+            <a:tint val="95000"/>
+            <a:satMod val="170000"/>
+          </a:schemeClr>
+        </a:solidFill>
+        <a:gradFill rotWithShape="1">
+          <a:gsLst>
+            <a:gs pos="0">
+              <a:schemeClr val="phClr">
+                <a:tint val="93000"/>
+                <a:satMod val="150000"/>
+                <a:shade val="98000"/>
+                <a:lumMod val="102000"/>
+              </a:schemeClr>
+            </a:gs>
+            <a:gs pos="50000">
+              <a:schemeClr val="phClr">
+                <a:tint val="98000"/>
+                <a:satMod val="130000"/>
+                <a:shade val="90000"/>
+                <a:lumMod val="103000"/>
+              </a:schemeClr>
+            </a:gs>
+            <a:gs pos="100000">
+              <a:schemeClr val="phClr">
+                <a:shade val="63000"/>
+                <a:satMod val="120000"/>
+              </a:schemeClr>
+            </a:gs>
+          </a:gsLst>
+          <a:lin ang="5400000" scaled="0"/>
+        </a:gradFill>
+      </a:bgFillStyleLst>
+    </a:fmtScheme>
+  </a:themeElements>
+  <a:objectDefaults>
+    <a:lnDef>
+      <a:spPr/>
+      <a:bodyPr/>
+      <a:lstStyle/>
+      <a:style>
+        <a:lnRef idx="2">
+          <a:schemeClr val="accent1"/>
+        </a:lnRef>
+        <a:fillRef idx="0">
+          <a:schemeClr val="accent1"/>
+        </a:fillRef>
+        <a:effectRef idx="1">
+          <a:schemeClr val="accent1"/>
+        </a:effectRef>
+        <a:fontRef idx="minor">
+          <a:schemeClr val="tx1"/>
+        </a:fontRef>
+      </a:style>
+    </a:lnDef>
+  </a:objectDefaults>
+  <a:extraClrSchemeLst/>
+  <a:extLst>
+    <a:ext uri="{05A4C25C-085E-4340-85A3-A5531E510DB2}">
+      <thm15:themeFamily xmlns:thm15="http://schemas.microsoft.com/office/thememl/2012/main" name="Office Theme" id="{2E142A2C-CD16-42D6-873A-C26D2A0506FA}" vid="{1BDDFF52-6CD6-40A5-AB3C-68EB2F1E4D0A}"/>
+    </a:ext>
+  </a:extLst>
+</a:theme>
 </file>
--- a/presentation.pptx
+++ b/presentation.pptx
@@ -271,7 +271,7 @@
           <a:p>
             <a:fld id="{8DAA02D2-C3EC-4A23-88E4-9A9F1D4614A7}" type="datetimeFigureOut">
               <a:rPr lang="en-US" smtClean="0"/>
-              <a:t>4/23/2024</a:t>
+              <a:t>4/23/24</a:t>
             </a:fld>
             <a:endParaRPr lang="en-US"/>
           </a:p>
@@ -469,7 +469,7 @@
           <a:p>
             <a:fld id="{8DAA02D2-C3EC-4A23-88E4-9A9F1D4614A7}" type="datetimeFigureOut">
               <a:rPr lang="en-US" smtClean="0"/>
-              <a:t>4/23/2024</a:t>
+              <a:t>4/23/24</a:t>
             </a:fld>
             <a:endParaRPr lang="en-US"/>
           </a:p>
@@ -677,7 +677,7 @@
           <a:p>
             <a:fld id="{8DAA02D2-C3EC-4A23-88E4-9A9F1D4614A7}" type="datetimeFigureOut">
               <a:rPr lang="en-US" smtClean="0"/>
-              <a:t>4/23/2024</a:t>
+              <a:t>4/23/24</a:t>
             </a:fld>
             <a:endParaRPr lang="en-US"/>
           </a:p>
@@ -875,7 +875,7 @@
           <a:p>
             <a:fld id="{8DAA02D2-C3EC-4A23-88E4-9A9F1D4614A7}" type="datetimeFigureOut">
               <a:rPr lang="en-US" smtClean="0"/>
-              <a:t>4/23/2024</a:t>
+              <a:t>4/23/24</a:t>
             </a:fld>
             <a:endParaRPr lang="en-US"/>
           </a:p>
@@ -1150,7 +1150,7 @@
           <a:p>
             <a:fld id="{8DAA02D2-C3EC-4A23-88E4-9A9F1D4614A7}" type="datetimeFigureOut">
               <a:rPr lang="en-US" smtClean="0"/>
-              <a:t>4/23/2024</a:t>
+              <a:t>4/23/24</a:t>
             </a:fld>
             <a:endParaRPr lang="en-US"/>
           </a:p>
@@ -1415,7 +1415,7 @@
           <a:p>
             <a:fld id="{8DAA02D2-C3EC-4A23-88E4-9A9F1D4614A7}" type="datetimeFigureOut">
               <a:rPr lang="en-US" smtClean="0"/>
-              <a:t>4/23/2024</a:t>
+              <a:t>4/23/24</a:t>
             </a:fld>
             <a:endParaRPr lang="en-US"/>
           </a:p>
@@ -1827,7 +1827,7 @@
           <a:p>
             <a:fld id="{8DAA02D2-C3EC-4A23-88E4-9A9F1D4614A7}" type="datetimeFigureOut">
               <a:rPr lang="en-US" smtClean="0"/>
-              <a:t>4/23/2024</a:t>
+              <a:t>4/23/24</a:t>
             </a:fld>
             <a:endParaRPr lang="en-US"/>
           </a:p>
@@ -1968,7 +1968,7 @@
           <a:p>
             <a:fld id="{8DAA02D2-C3EC-4A23-88E4-9A9F1D4614A7}" type="datetimeFigureOut">
               <a:rPr lang="en-US" smtClean="0"/>
-              <a:t>4/23/2024</a:t>
+              <a:t>4/23/24</a:t>
             </a:fld>
             <a:endParaRPr lang="en-US"/>
           </a:p>
@@ -2081,7 +2081,7 @@
           <a:p>
             <a:fld id="{8DAA02D2-C3EC-4A23-88E4-9A9F1D4614A7}" type="datetimeFigureOut">
               <a:rPr lang="en-US" smtClean="0"/>
-              <a:t>4/23/2024</a:t>
+              <a:t>4/23/24</a:t>
             </a:fld>
             <a:endParaRPr lang="en-US"/>
           </a:p>
@@ -2392,7 +2392,7 @@
           <a:p>
             <a:fld id="{8DAA02D2-C3EC-4A23-88E4-9A9F1D4614A7}" type="datetimeFigureOut">
               <a:rPr lang="en-US" smtClean="0"/>
-              <a:t>4/23/2024</a:t>
+              <a:t>4/23/24</a:t>
             </a:fld>
             <a:endParaRPr lang="en-US"/>
           </a:p>
@@ -2680,7 +2680,7 @@
           <a:p>
             <a:fld id="{8DAA02D2-C3EC-4A23-88E4-9A9F1D4614A7}" type="datetimeFigureOut">
               <a:rPr lang="en-US" smtClean="0"/>
-              <a:t>4/23/2024</a:t>
+              <a:t>4/23/24</a:t>
             </a:fld>
             <a:endParaRPr lang="en-US"/>
           </a:p>
@@ -2921,7 +2921,7 @@
           <a:p>
             <a:fld id="{8DAA02D2-C3EC-4A23-88E4-9A9F1D4614A7}" type="datetimeFigureOut">
               <a:rPr lang="en-US" smtClean="0"/>
-              <a:t>4/23/2024</a:t>
+              <a:t>4/23/24</a:t>
             </a:fld>
             <a:endParaRPr lang="en-US"/>
           </a:p>
@@ -5055,9 +5055,116 @@
         </p:nvSpPr>
         <p:spPr/>
         <p:txBody>
-          <a:bodyPr/>
-          <a:lstStyle/>
-          <a:p>
+          <a:bodyPr>
+            <a:normAutofit/>
+          </a:bodyPr>
+          <a:lstStyle/>
+          <a:p>
+            <a:r>
+              <a:rPr lang="en-US" dirty="0"/>
+              <a:t>1.</a:t>
+            </a:r>
+            <a:r>
+              <a:rPr lang="en-US" b="1" dirty="0">
+                <a:effectLst/>
+                <a:latin typeface="Helvetica Neue" panose="02000503000000020004" pitchFamily="2" charset="0"/>
+              </a:rPr>
+              <a:t> Dataset Utilization</a:t>
+            </a:r>
+            <a:r>
+              <a:rPr lang="en-US" dirty="0">
+                <a:effectLst/>
+                <a:latin typeface="Helvetica Neue" panose="02000503000000020004" pitchFamily="2" charset="0"/>
+              </a:rPr>
+              <a:t>: Evaluate the performance of deep learning models in classifying colorectal cancer histology images</a:t>
+            </a:r>
+            <a:r>
+              <a:rPr lang="en-US" dirty="0">
+                <a:latin typeface="Helvetica Neue" panose="02000503000000020004" pitchFamily="2" charset="0"/>
+              </a:rPr>
+              <a:t>. </a:t>
+            </a:r>
+          </a:p>
+          <a:p>
+            <a:endParaRPr lang="en-US" dirty="0">
+              <a:effectLst/>
+              <a:latin typeface="Helvetica Neue" panose="02000503000000020004" pitchFamily="2" charset="0"/>
+            </a:endParaRPr>
+          </a:p>
+          <a:p>
+            <a:r>
+              <a:rPr lang="en-US" dirty="0"/>
+              <a:t>2. </a:t>
+            </a:r>
+            <a:r>
+              <a:rPr lang="en-US" b="1" i="0" dirty="0">
+                <a:solidFill>
+                  <a:srgbClr val="0D0D0D"/>
+                </a:solidFill>
+                <a:effectLst/>
+                <a:highlight>
+                  <a:srgbClr val="FFFFFF"/>
+                </a:highlight>
+                <a:latin typeface="Söhne"/>
+              </a:rPr>
+              <a:t>Accuracy Enhancement</a:t>
+            </a:r>
+            <a:r>
+              <a:rPr lang="en-US" b="0" i="0" dirty="0">
+                <a:solidFill>
+                  <a:srgbClr val="0D0D0D"/>
+                </a:solidFill>
+                <a:effectLst/>
+                <a:highlight>
+                  <a:srgbClr val="FFFFFF"/>
+                </a:highlight>
+                <a:latin typeface="Söhne"/>
+              </a:rPr>
+              <a:t>: Try to surpass the baseline accuracy reported in previous studies. </a:t>
+            </a:r>
+          </a:p>
+          <a:p>
+            <a:endParaRPr lang="en-US" dirty="0">
+              <a:solidFill>
+                <a:srgbClr val="0D0D0D"/>
+              </a:solidFill>
+              <a:highlight>
+                <a:srgbClr val="FFFFFF"/>
+              </a:highlight>
+              <a:latin typeface="Söhne"/>
+            </a:endParaRPr>
+          </a:p>
+          <a:p>
+            <a:r>
+              <a:rPr lang="en-US" dirty="0"/>
+              <a:t>3. </a:t>
+            </a:r>
+            <a:r>
+              <a:rPr lang="en-US" b="1" i="0" dirty="0">
+                <a:solidFill>
+                  <a:srgbClr val="0D0D0D"/>
+                </a:solidFill>
+                <a:effectLst/>
+                <a:highlight>
+                  <a:srgbClr val="FFFFFF"/>
+                </a:highlight>
+                <a:latin typeface="Söhne"/>
+              </a:rPr>
+              <a:t>SENet Evaluation</a:t>
+            </a:r>
+            <a:r>
+              <a:rPr lang="en-US" b="0" i="0" dirty="0">
+                <a:solidFill>
+                  <a:srgbClr val="0D0D0D"/>
+                </a:solidFill>
+                <a:effectLst/>
+                <a:highlight>
+                  <a:srgbClr val="FFFFFF"/>
+                </a:highlight>
+                <a:latin typeface="Söhne"/>
+              </a:rPr>
+              <a:t>: Test the effectiveness of SENet in different CNN models and image resolutions. </a:t>
+            </a:r>
             <a:endParaRPr lang="en-US" dirty="0"/>
           </a:p>
         </p:txBody>
@@ -5121,8 +5228,8 @@
         </p:blipFill>
         <p:spPr bwMode="auto">
           <a:xfrm>
-            <a:off x="5872898" y="3068737"/>
-            <a:ext cx="5110487" cy="3650347"/>
+            <a:off x="4816984" y="2617613"/>
+            <a:ext cx="5927216" cy="4233725"/>
           </a:xfrm>
           <a:prstGeom prst="rect">
             <a:avLst/>
@@ -5153,8 +5260,8 @@
         </p:nvSpPr>
         <p:spPr>
           <a:xfrm>
-            <a:off x="542348" y="4330350"/>
-            <a:ext cx="5330550" cy="646331"/>
+            <a:off x="183119" y="4388399"/>
+            <a:ext cx="5330550" cy="369332"/>
           </a:xfrm>
           <a:prstGeom prst="rect">
             <a:avLst/>
@@ -5173,7 +5280,7 @@
             </a:r>
             <a:r>
               <a:rPr lang="en-US" dirty="0"/>
-              <a:t> – uses residual connections. Output of earlier layers are used as input of future layers.</a:t>
+              <a:t> – uses residual connections. </a:t>
             </a:r>
           </a:p>
         </p:txBody>
@@ -5207,8 +5314,8 @@
         </p:blipFill>
         <p:spPr bwMode="auto">
           <a:xfrm>
-            <a:off x="2679456" y="346565"/>
-            <a:ext cx="8416792" cy="2514516"/>
+            <a:off x="3506770" y="260300"/>
+            <a:ext cx="8685230" cy="2594712"/>
           </a:xfrm>
           <a:prstGeom prst="rect">
             <a:avLst/>
@@ -5239,7 +5346,7 @@
         </p:nvSpPr>
         <p:spPr>
           <a:xfrm>
-            <a:off x="957128" y="1234491"/>
+            <a:off x="281091" y="1188324"/>
             <a:ext cx="3108960" cy="369332"/>
           </a:xfrm>
           <a:prstGeom prst="rect">
@@ -5257,6 +5364,39 @@
               <a:rPr lang="en-US" b="1" dirty="0"/>
               <a:t>LeNet-5</a:t>
             </a:r>
+            <a:r>
+              <a:rPr lang="zh-CN" altLang="en-US" b="1" dirty="0"/>
+              <a:t> </a:t>
+            </a:r>
+            <a:r>
+              <a:rPr lang="en-US" altLang="zh-CN" dirty="0"/>
+              <a:t>–</a:t>
+            </a:r>
+            <a:r>
+              <a:rPr lang="zh-CN" altLang="en-US" dirty="0"/>
+              <a:t> </a:t>
+            </a:r>
+            <a:r>
+              <a:rPr lang="en-US" altLang="zh-CN" dirty="0"/>
+              <a:t>most</a:t>
+            </a:r>
+            <a:r>
+              <a:rPr lang="zh-CN" altLang="en-US" dirty="0"/>
+              <a:t> </a:t>
+            </a:r>
+            <a:r>
+              <a:rPr lang="en-US" altLang="zh-CN" dirty="0"/>
+              <a:t>simple</a:t>
+            </a:r>
+            <a:r>
+              <a:rPr lang="zh-CN" altLang="en-US" dirty="0"/>
+              <a:t> </a:t>
+            </a:r>
+            <a:r>
+              <a:rPr lang="en-US" altLang="zh-CN" dirty="0"/>
+              <a:t>model</a:t>
+            </a:r>
+            <a:endParaRPr lang="en-US" dirty="0"/>
           </a:p>
         </p:txBody>
       </p:sp>

--- a/presentation.pptx
+++ b/presentation.pptx
@@ -13,11 +13,10 @@
     <p:sldId id="259" r:id="rId7"/>
     <p:sldId id="269" r:id="rId8"/>
     <p:sldId id="262" r:id="rId9"/>
-    <p:sldId id="270" r:id="rId10"/>
-    <p:sldId id="263" r:id="rId11"/>
-    <p:sldId id="261" r:id="rId12"/>
-    <p:sldId id="271" r:id="rId13"/>
-    <p:sldId id="264" r:id="rId14"/>
+    <p:sldId id="263" r:id="rId10"/>
+    <p:sldId id="261" r:id="rId11"/>
+    <p:sldId id="271" r:id="rId12"/>
+    <p:sldId id="264" r:id="rId13"/>
   </p:sldIdLst>
   <p:sldSz cx="12192000" cy="6858000"/>
   <p:notesSz cx="6858000" cy="9144000"/>
@@ -271,7 +270,7 @@
           <a:p>
             <a:fld id="{8DAA02D2-C3EC-4A23-88E4-9A9F1D4614A7}" type="datetimeFigureOut">
               <a:rPr lang="en-US" smtClean="0"/>
-              <a:t>4/23/24</a:t>
+              <a:t>4/23/2024</a:t>
             </a:fld>
             <a:endParaRPr lang="en-US"/>
           </a:p>
@@ -469,7 +468,7 @@
           <a:p>
             <a:fld id="{8DAA02D2-C3EC-4A23-88E4-9A9F1D4614A7}" type="datetimeFigureOut">
               <a:rPr lang="en-US" smtClean="0"/>
-              <a:t>4/23/24</a:t>
+              <a:t>4/23/2024</a:t>
             </a:fld>
             <a:endParaRPr lang="en-US"/>
           </a:p>
@@ -677,7 +676,7 @@
           <a:p>
             <a:fld id="{8DAA02D2-C3EC-4A23-88E4-9A9F1D4614A7}" type="datetimeFigureOut">
               <a:rPr lang="en-US" smtClean="0"/>
-              <a:t>4/23/24</a:t>
+              <a:t>4/23/2024</a:t>
             </a:fld>
             <a:endParaRPr lang="en-US"/>
           </a:p>
@@ -875,7 +874,7 @@
           <a:p>
             <a:fld id="{8DAA02D2-C3EC-4A23-88E4-9A9F1D4614A7}" type="datetimeFigureOut">
               <a:rPr lang="en-US" smtClean="0"/>
-              <a:t>4/23/24</a:t>
+              <a:t>4/23/2024</a:t>
             </a:fld>
             <a:endParaRPr lang="en-US"/>
           </a:p>
@@ -1150,7 +1149,7 @@
           <a:p>
             <a:fld id="{8DAA02D2-C3EC-4A23-88E4-9A9F1D4614A7}" type="datetimeFigureOut">
               <a:rPr lang="en-US" smtClean="0"/>
-              <a:t>4/23/24</a:t>
+              <a:t>4/23/2024</a:t>
             </a:fld>
             <a:endParaRPr lang="en-US"/>
           </a:p>
@@ -1415,7 +1414,7 @@
           <a:p>
             <a:fld id="{8DAA02D2-C3EC-4A23-88E4-9A9F1D4614A7}" type="datetimeFigureOut">
               <a:rPr lang="en-US" smtClean="0"/>
-              <a:t>4/23/24</a:t>
+              <a:t>4/23/2024</a:t>
             </a:fld>
             <a:endParaRPr lang="en-US"/>
           </a:p>
@@ -1827,7 +1826,7 @@
           <a:p>
             <a:fld id="{8DAA02D2-C3EC-4A23-88E4-9A9F1D4614A7}" type="datetimeFigureOut">
               <a:rPr lang="en-US" smtClean="0"/>
-              <a:t>4/23/24</a:t>
+              <a:t>4/23/2024</a:t>
             </a:fld>
             <a:endParaRPr lang="en-US"/>
           </a:p>
@@ -1968,7 +1967,7 @@
           <a:p>
             <a:fld id="{8DAA02D2-C3EC-4A23-88E4-9A9F1D4614A7}" type="datetimeFigureOut">
               <a:rPr lang="en-US" smtClean="0"/>
-              <a:t>4/23/24</a:t>
+              <a:t>4/23/2024</a:t>
             </a:fld>
             <a:endParaRPr lang="en-US"/>
           </a:p>
@@ -2081,7 +2080,7 @@
           <a:p>
             <a:fld id="{8DAA02D2-C3EC-4A23-88E4-9A9F1D4614A7}" type="datetimeFigureOut">
               <a:rPr lang="en-US" smtClean="0"/>
-              <a:t>4/23/24</a:t>
+              <a:t>4/23/2024</a:t>
             </a:fld>
             <a:endParaRPr lang="en-US"/>
           </a:p>
@@ -2392,7 +2391,7 @@
           <a:p>
             <a:fld id="{8DAA02D2-C3EC-4A23-88E4-9A9F1D4614A7}" type="datetimeFigureOut">
               <a:rPr lang="en-US" smtClean="0"/>
-              <a:t>4/23/24</a:t>
+              <a:t>4/23/2024</a:t>
             </a:fld>
             <a:endParaRPr lang="en-US"/>
           </a:p>
@@ -2680,7 +2679,7 @@
           <a:p>
             <a:fld id="{8DAA02D2-C3EC-4A23-88E4-9A9F1D4614A7}" type="datetimeFigureOut">
               <a:rPr lang="en-US" smtClean="0"/>
-              <a:t>4/23/24</a:t>
+              <a:t>4/23/2024</a:t>
             </a:fld>
             <a:endParaRPr lang="en-US"/>
           </a:p>
@@ -2921,7 +2920,7 @@
           <a:p>
             <a:fld id="{8DAA02D2-C3EC-4A23-88E4-9A9F1D4614A7}" type="datetimeFigureOut">
               <a:rPr lang="en-US" smtClean="0"/>
-              <a:t>4/23/24</a:t>
+              <a:t>4/23/2024</a:t>
             </a:fld>
             <a:endParaRPr lang="en-US"/>
           </a:p>
@@ -3429,224 +3428,6 @@
 </file>
 
 <file path=ppt/slides/slide10.xml><?xml version="1.0" encoding="utf-8"?>
-<p:sld xmlns:a="http://schemas.openxmlformats.org/drawingml/2006/main" xmlns:r="http://schemas.openxmlformats.org/officeDocument/2006/relationships" xmlns:p="http://schemas.openxmlformats.org/presentationml/2006/main">
-  <p:cSld>
-    <p:spTree>
-      <p:nvGrpSpPr>
-        <p:cNvPr id="1" name=""/>
-        <p:cNvGrpSpPr/>
-        <p:nvPr/>
-      </p:nvGrpSpPr>
-      <p:grpSpPr>
-        <a:xfrm>
-          <a:off x="0" y="0"/>
-          <a:ext cx="0" cy="0"/>
-          <a:chOff x="0" y="0"/>
-          <a:chExt cx="0" cy="0"/>
-        </a:xfrm>
-      </p:grpSpPr>
-      <p:sp>
-        <p:nvSpPr>
-          <p:cNvPr id="4" name="Title 1">
-            <a:extLst>
-              <a:ext uri="{FF2B5EF4-FFF2-40B4-BE49-F238E27FC236}">
-                <a16:creationId xmlns:a16="http://schemas.microsoft.com/office/drawing/2014/main" id="{F8579A63-4C39-11BE-A124-1AC74B6556F3}"/>
-              </a:ext>
-            </a:extLst>
-          </p:cNvPr>
-          <p:cNvSpPr>
-            <a:spLocks noGrp="1"/>
-          </p:cNvSpPr>
-          <p:nvPr>
-            <p:ph type="title"/>
-          </p:nvPr>
-        </p:nvSpPr>
-        <p:spPr>
-          <a:xfrm>
-            <a:off x="838200" y="0"/>
-            <a:ext cx="10515600" cy="836579"/>
-          </a:xfrm>
-        </p:spPr>
-        <p:txBody>
-          <a:bodyPr>
-            <a:normAutofit/>
-          </a:bodyPr>
-          <a:lstStyle/>
-          <a:p>
-            <a:r>
-              <a:rPr lang="en-US" sz="3200" dirty="0"/>
-              <a:t>Training Results - ResNet</a:t>
-            </a:r>
-          </a:p>
-        </p:txBody>
-      </p:sp>
-      <p:pic>
-        <p:nvPicPr>
-          <p:cNvPr id="6" name="Picture 5" descr="A graph of a graph of a graph of a graph of a graph of a graph of a graph of a graph of a graph of a graph of a graph of a graph of a graph of&#10;&#10;Description automatically generated">
-            <a:extLst>
-              <a:ext uri="{FF2B5EF4-FFF2-40B4-BE49-F238E27FC236}">
-                <a16:creationId xmlns:a16="http://schemas.microsoft.com/office/drawing/2014/main" id="{3B7B94FA-FF71-1049-59B3-2B7E06E2099F}"/>
-              </a:ext>
-            </a:extLst>
-          </p:cNvPr>
-          <p:cNvPicPr>
-            <a:picLocks noChangeAspect="1"/>
-          </p:cNvPicPr>
-          <p:nvPr/>
-        </p:nvPicPr>
-        <p:blipFill rotWithShape="1">
-          <a:blip r:embed="rId2">
-            <a:extLst>
-              <a:ext uri="{28A0092B-C50C-407E-A947-70E740481C1C}">
-                <a14:useLocalDpi xmlns:a14="http://schemas.microsoft.com/office/drawing/2010/main" val="0"/>
-              </a:ext>
-            </a:extLst>
-          </a:blip>
-          <a:srcRect t="8862"/>
-          <a:stretch/>
-        </p:blipFill>
-        <p:spPr>
-          <a:xfrm>
-            <a:off x="2540000" y="725745"/>
-            <a:ext cx="7487937" cy="2843474"/>
-          </a:xfrm>
-          <a:prstGeom prst="rect">
-            <a:avLst/>
-          </a:prstGeom>
-        </p:spPr>
-      </p:pic>
-      <p:sp>
-        <p:nvSpPr>
-          <p:cNvPr id="7" name="TextBox 6">
-            <a:extLst>
-              <a:ext uri="{FF2B5EF4-FFF2-40B4-BE49-F238E27FC236}">
-                <a16:creationId xmlns:a16="http://schemas.microsoft.com/office/drawing/2014/main" id="{BC1422A9-4BB5-8991-0A66-6F7B866A6F17}"/>
-              </a:ext>
-            </a:extLst>
-          </p:cNvPr>
-          <p:cNvSpPr txBox="1"/>
-          <p:nvPr/>
-        </p:nvSpPr>
-        <p:spPr>
-          <a:xfrm>
-            <a:off x="731520" y="1501151"/>
-            <a:ext cx="1930400" cy="646331"/>
-          </a:xfrm>
-          <a:prstGeom prst="rect">
-            <a:avLst/>
-          </a:prstGeom>
-          <a:noFill/>
-        </p:spPr>
-        <p:txBody>
-          <a:bodyPr wrap="square" rtlCol="0">
-            <a:spAutoFit/>
-          </a:bodyPr>
-          <a:lstStyle/>
-          <a:p>
-            <a:r>
-              <a:rPr lang="en-US" b="1" dirty="0"/>
-              <a:t>224x224 without SENet</a:t>
-            </a:r>
-          </a:p>
-        </p:txBody>
-      </p:sp>
-      <p:pic>
-        <p:nvPicPr>
-          <p:cNvPr id="9" name="Picture 8" descr="A graph of a graph&#10;&#10;Description automatically generated with medium confidence">
-            <a:extLst>
-              <a:ext uri="{FF2B5EF4-FFF2-40B4-BE49-F238E27FC236}">
-                <a16:creationId xmlns:a16="http://schemas.microsoft.com/office/drawing/2014/main" id="{84B9EB64-71B4-C16C-C70B-2B3CC8D07B1C}"/>
-              </a:ext>
-            </a:extLst>
-          </p:cNvPr>
-          <p:cNvPicPr>
-            <a:picLocks noChangeAspect="1"/>
-          </p:cNvPicPr>
-          <p:nvPr/>
-        </p:nvPicPr>
-        <p:blipFill rotWithShape="1">
-          <a:blip r:embed="rId3">
-            <a:extLst>
-              <a:ext uri="{28A0092B-C50C-407E-A947-70E740481C1C}">
-                <a14:useLocalDpi xmlns:a14="http://schemas.microsoft.com/office/drawing/2010/main" val="0"/>
-              </a:ext>
-            </a:extLst>
-          </a:blip>
-          <a:srcRect t="9482"/>
-          <a:stretch/>
-        </p:blipFill>
-        <p:spPr>
-          <a:xfrm>
-            <a:off x="2362202" y="3583939"/>
-            <a:ext cx="7843531" cy="2958258"/>
-          </a:xfrm>
-          <a:prstGeom prst="rect">
-            <a:avLst/>
-          </a:prstGeom>
-        </p:spPr>
-      </p:pic>
-      <p:sp>
-        <p:nvSpPr>
-          <p:cNvPr id="11" name="TextBox 10">
-            <a:extLst>
-              <a:ext uri="{FF2B5EF4-FFF2-40B4-BE49-F238E27FC236}">
-                <a16:creationId xmlns:a16="http://schemas.microsoft.com/office/drawing/2014/main" id="{E2BA792B-3737-A99F-DCAA-D5B0F81CC434}"/>
-              </a:ext>
-            </a:extLst>
-          </p:cNvPr>
-          <p:cNvSpPr txBox="1"/>
-          <p:nvPr/>
-        </p:nvSpPr>
-        <p:spPr>
-          <a:xfrm>
-            <a:off x="731520" y="4682510"/>
-            <a:ext cx="2164080" cy="1754326"/>
-          </a:xfrm>
-          <a:prstGeom prst="rect">
-            <a:avLst/>
-          </a:prstGeom>
-          <a:noFill/>
-        </p:spPr>
-        <p:txBody>
-          <a:bodyPr wrap="square">
-            <a:spAutoFit/>
-          </a:bodyPr>
-          <a:lstStyle/>
-          <a:p>
-            <a:r>
-              <a:rPr lang="en-US" b="1" dirty="0"/>
-              <a:t>224x224 with SENet</a:t>
-            </a:r>
-          </a:p>
-          <a:p>
-            <a:endParaRPr lang="en-US" b="1" dirty="0"/>
-          </a:p>
-          <a:p>
-            <a:pPr marL="285750" indent="-285750">
-              <a:buFont typeface="Arial" panose="020B0604020202020204" pitchFamily="34" charset="0"/>
-              <a:buChar char="•"/>
-            </a:pPr>
-            <a:r>
-              <a:rPr lang="en-US" dirty="0"/>
-              <a:t>SENet provides improvements with ResNet</a:t>
-            </a:r>
-          </a:p>
-        </p:txBody>
-      </p:sp>
-    </p:spTree>
-    <p:extLst>
-      <p:ext uri="{BB962C8B-B14F-4D97-AF65-F5344CB8AC3E}">
-        <p14:creationId xmlns:p14="http://schemas.microsoft.com/office/powerpoint/2010/main" val="3113043071"/>
-      </p:ext>
-    </p:extLst>
-  </p:cSld>
-  <p:clrMapOvr>
-    <a:masterClrMapping/>
-  </p:clrMapOvr>
-</p:sld>
-</file>
-
-<file path=ppt/slides/slide11.xml><?xml version="1.0" encoding="utf-8"?>
 <p:sld xmlns:a="http://schemas.openxmlformats.org/drawingml/2006/main" xmlns:r="http://schemas.openxmlformats.org/officeDocument/2006/relationships" xmlns:p="http://schemas.openxmlformats.org/presentationml/2006/main">
   <p:cSld>
     <p:spTree>
@@ -4753,7 +4534,7 @@
 </p:sld>
 </file>
 
-<file path=ppt/slides/slide12.xml><?xml version="1.0" encoding="utf-8"?>
+<file path=ppt/slides/slide11.xml><?xml version="1.0" encoding="utf-8"?>
 <p:sld xmlns:a="http://schemas.openxmlformats.org/drawingml/2006/main" xmlns:r="http://schemas.openxmlformats.org/officeDocument/2006/relationships" xmlns:p="http://schemas.openxmlformats.org/presentationml/2006/main">
   <p:cSld>
     <p:spTree>
@@ -4827,13 +4608,7 @@
           <a:p>
             <a:r>
               <a:rPr lang="en-US" dirty="0"/>
-              <a:t>We would be very interested to see if SENet improves performance for other models and image types.</a:t>
-            </a:r>
-          </a:p>
-          <a:p>
-            <a:r>
-              <a:rPr lang="en-US" dirty="0"/>
-              <a:t>LeNet is an old model. </a:t>
+              <a:t>LeNet is an old model: we would be very interested to see if SENet improves performance for other models and image types.</a:t>
             </a:r>
           </a:p>
         </p:txBody>
@@ -4851,7 +4626,7 @@
 </p:sld>
 </file>
 
-<file path=ppt/slides/slide13.xml><?xml version="1.0" encoding="utf-8"?>
+<file path=ppt/slides/slide12.xml><?xml version="1.0" encoding="utf-8"?>
 <p:sld xmlns:a="http://schemas.openxmlformats.org/drawingml/2006/main" xmlns:r="http://schemas.openxmlformats.org/officeDocument/2006/relationships" xmlns:p="http://schemas.openxmlformats.org/presentationml/2006/main">
   <p:cSld>
     <p:spTree>
@@ -8133,7 +7908,7 @@
         </p:nvSpPr>
         <p:spPr>
           <a:xfrm>
-            <a:off x="838200" y="0"/>
+            <a:off x="468549" y="0"/>
             <a:ext cx="10515600" cy="836579"/>
           </a:xfrm>
         </p:spPr>
@@ -8145,17 +7920,56 @@
           <a:p>
             <a:r>
               <a:rPr lang="en-US" sz="3200" dirty="0"/>
-              <a:t>Training Results - LeNet</a:t>
+              <a:t>Training Results – LeNet 28x28</a:t>
+            </a:r>
+          </a:p>
+        </p:txBody>
+      </p:sp>
+      <p:sp>
+        <p:nvSpPr>
+          <p:cNvPr id="16" name="TextBox 15">
+            <a:extLst>
+              <a:ext uri="{FF2B5EF4-FFF2-40B4-BE49-F238E27FC236}">
+                <a16:creationId xmlns:a16="http://schemas.microsoft.com/office/drawing/2014/main" id="{89B6A58B-00FD-DAC4-E8DF-F40A44C4B034}"/>
+              </a:ext>
+            </a:extLst>
+          </p:cNvPr>
+          <p:cNvSpPr txBox="1"/>
+          <p:nvPr/>
+        </p:nvSpPr>
+        <p:spPr>
+          <a:xfrm>
+            <a:off x="284480" y="903116"/>
+            <a:ext cx="3212864" cy="369332"/>
+          </a:xfrm>
+          <a:prstGeom prst="rect">
+            <a:avLst/>
+          </a:prstGeom>
+          <a:noFill/>
+        </p:spPr>
+        <p:txBody>
+          <a:bodyPr wrap="square">
+            <a:spAutoFit/>
+          </a:bodyPr>
+          <a:lstStyle/>
+          <a:p>
+            <a:r>
+              <a:rPr lang="en-US" b="1" dirty="0"/>
+              <a:t>LeNet 28x28 without SENet</a:t>
+            </a:r>
+            <a:r>
+              <a:rPr lang="en-US" dirty="0"/>
+              <a:t> </a:t>
             </a:r>
           </a:p>
         </p:txBody>
       </p:sp>
       <p:pic>
         <p:nvPicPr>
-          <p:cNvPr id="14" name="Picture 13" descr="A graph of a graph of a graph of a graph of a graph of a graph of a graph of a graph of a graph of a graph of a graph of a graph of a graph of&#10;&#10;Description automatically generated">
-            <a:extLst>
-              <a:ext uri="{FF2B5EF4-FFF2-40B4-BE49-F238E27FC236}">
-                <a16:creationId xmlns:a16="http://schemas.microsoft.com/office/drawing/2014/main" id="{0CBECB93-C63B-E1D2-11A0-DEAA0FD2194B}"/>
+          <p:cNvPr id="4" name="Picture 3" descr="A graph of a graph of a graph of a graph of a graph of a graph of a graph of a graph of a graph of a graph of a graph of a graph of a graph of&#10;&#10;Description automatically generated">
+            <a:extLst>
+              <a:ext uri="{FF2B5EF4-FFF2-40B4-BE49-F238E27FC236}">
+                <a16:creationId xmlns:a16="http://schemas.microsoft.com/office/drawing/2014/main" id="{419F3125-18FA-E46A-AB55-39A18E871A0D}"/>
               </a:ext>
             </a:extLst>
           </p:cNvPr>
@@ -8172,25 +7986,60 @@
               </a:ext>
             </a:extLst>
           </a:blip>
-          <a:srcRect t="10268"/>
+          <a:srcRect l="7919" t="10106" r="9491"/>
           <a:stretch/>
         </p:blipFill>
         <p:spPr>
           <a:xfrm>
-            <a:off x="2540000" y="836579"/>
-            <a:ext cx="8001004" cy="2991433"/>
+            <a:off x="3613825" y="3748161"/>
+            <a:ext cx="6819089" cy="3092564"/>
           </a:xfrm>
           <a:prstGeom prst="rect">
             <a:avLst/>
           </a:prstGeom>
         </p:spPr>
       </p:pic>
-      <p:sp>
-        <p:nvSpPr>
-          <p:cNvPr id="16" name="TextBox 15">
-            <a:extLst>
-              <a:ext uri="{FF2B5EF4-FFF2-40B4-BE49-F238E27FC236}">
-                <a16:creationId xmlns:a16="http://schemas.microsoft.com/office/drawing/2014/main" id="{89B6A58B-00FD-DAC4-E8DF-F40A44C4B034}"/>
+      <p:pic>
+        <p:nvPicPr>
+          <p:cNvPr id="6" name="Picture 5" descr="A graph of a graph of a graph&#10;&#10;Description automatically generated with medium confidence">
+            <a:extLst>
+              <a:ext uri="{FF2B5EF4-FFF2-40B4-BE49-F238E27FC236}">
+                <a16:creationId xmlns:a16="http://schemas.microsoft.com/office/drawing/2014/main" id="{250F3EBF-6490-E72B-7330-4CF3DF4AF2DC}"/>
+              </a:ext>
+            </a:extLst>
+          </p:cNvPr>
+          <p:cNvPicPr>
+            <a:picLocks noChangeAspect="1"/>
+          </p:cNvPicPr>
+          <p:nvPr/>
+        </p:nvPicPr>
+        <p:blipFill rotWithShape="1">
+          <a:blip r:embed="rId3">
+            <a:extLst>
+              <a:ext uri="{28A0092B-C50C-407E-A947-70E740481C1C}">
+                <a14:useLocalDpi xmlns:a14="http://schemas.microsoft.com/office/drawing/2010/main" val="0"/>
+              </a:ext>
+            </a:extLst>
+          </a:blip>
+          <a:srcRect l="7873" t="7907" r="8170"/>
+          <a:stretch/>
+        </p:blipFill>
+        <p:spPr>
+          <a:xfrm>
+            <a:off x="3570051" y="544749"/>
+            <a:ext cx="6906639" cy="3156630"/>
+          </a:xfrm>
+          <a:prstGeom prst="rect">
+            <a:avLst/>
+          </a:prstGeom>
+        </p:spPr>
+      </p:pic>
+      <p:sp>
+        <p:nvSpPr>
+          <p:cNvPr id="7" name="TextBox 6">
+            <a:extLst>
+              <a:ext uri="{FF2B5EF4-FFF2-40B4-BE49-F238E27FC236}">
+                <a16:creationId xmlns:a16="http://schemas.microsoft.com/office/drawing/2014/main" id="{42E0A7E9-0D28-C424-7B73-38F96FC4E9ED}"/>
               </a:ext>
             </a:extLst>
           </p:cNvPr>
@@ -8199,8 +8048,8 @@
         </p:nvSpPr>
         <p:spPr>
           <a:xfrm>
-            <a:off x="284480" y="1422473"/>
-            <a:ext cx="2600960" cy="2031325"/>
+            <a:off x="284479" y="3748161"/>
+            <a:ext cx="3014901" cy="2308324"/>
           </a:xfrm>
           <a:prstGeom prst="rect">
             <a:avLst/>
@@ -8215,7 +8064,7 @@
           <a:p>
             <a:r>
               <a:rPr lang="en-US" b="1" dirty="0"/>
-              <a:t>LeNet 28x28 without SENet</a:t>
+              <a:t>LeNet 28x28 with SENet</a:t>
             </a:r>
           </a:p>
           <a:p>
@@ -8232,6 +8081,16 @@
             </a:r>
           </a:p>
           <a:p>
+            <a:pPr marL="285750" indent="-285750">
+              <a:buFont typeface="Arial" panose="020B0604020202020204" pitchFamily="34" charset="0"/>
+              <a:buChar char="•"/>
+            </a:pPr>
+            <a:r>
+              <a:rPr lang="en-US" dirty="0"/>
+              <a:t>LeNet had significant overfitting with 224x224</a:t>
+            </a:r>
+          </a:p>
+          <a:p>
             <a:r>
               <a:rPr lang="en-US" dirty="0"/>
               <a:t> </a:t>
@@ -8239,6 +8098,47 @@
           </a:p>
         </p:txBody>
       </p:sp>
+      <p:cxnSp>
+        <p:nvCxnSpPr>
+          <p:cNvPr id="9" name="Straight Connector 8">
+            <a:extLst>
+              <a:ext uri="{FF2B5EF4-FFF2-40B4-BE49-F238E27FC236}">
+                <a16:creationId xmlns:a16="http://schemas.microsoft.com/office/drawing/2014/main" id="{5DDEDFF0-DAC2-4D4E-3FCA-BE40F150AA34}"/>
+              </a:ext>
+            </a:extLst>
+          </p:cNvPr>
+          <p:cNvCxnSpPr/>
+          <p:nvPr/>
+        </p:nvCxnSpPr>
+        <p:spPr>
+          <a:xfrm>
+            <a:off x="0" y="3681623"/>
+            <a:ext cx="12192000" cy="0"/>
+          </a:xfrm>
+          <a:prstGeom prst="line">
+            <a:avLst/>
+          </a:prstGeom>
+          <a:ln>
+            <a:solidFill>
+              <a:schemeClr val="tx1"/>
+            </a:solidFill>
+          </a:ln>
+        </p:spPr>
+        <p:style>
+          <a:lnRef idx="2">
+            <a:schemeClr val="accent1"/>
+          </a:lnRef>
+          <a:fillRef idx="0">
+            <a:schemeClr val="accent1"/>
+          </a:fillRef>
+          <a:effectRef idx="1">
+            <a:schemeClr val="accent1"/>
+          </a:effectRef>
+          <a:fontRef idx="minor">
+            <a:schemeClr val="tx1"/>
+          </a:fontRef>
+        </p:style>
+      </p:cxnSp>
     </p:spTree>
     <p:extLst>
       <p:ext uri="{BB962C8B-B14F-4D97-AF65-F5344CB8AC3E}">
@@ -8271,10 +8171,10 @@
       </p:grpSpPr>
       <p:sp>
         <p:nvSpPr>
-          <p:cNvPr id="2" name="Title 1">
-            <a:extLst>
-              <a:ext uri="{FF2B5EF4-FFF2-40B4-BE49-F238E27FC236}">
-                <a16:creationId xmlns:a16="http://schemas.microsoft.com/office/drawing/2014/main" id="{52D525D5-B54B-30ED-A5EF-7B084EF2F170}"/>
+          <p:cNvPr id="4" name="Title 1">
+            <a:extLst>
+              <a:ext uri="{FF2B5EF4-FFF2-40B4-BE49-F238E27FC236}">
+                <a16:creationId xmlns:a16="http://schemas.microsoft.com/office/drawing/2014/main" id="{F8579A63-4C39-11BE-A124-1AC74B6556F3}"/>
               </a:ext>
             </a:extLst>
           </p:cNvPr>
@@ -8285,46 +8185,31 @@
             <p:ph type="title"/>
           </p:nvPr>
         </p:nvSpPr>
-        <p:spPr/>
-        <p:txBody>
-          <a:bodyPr/>
-          <a:lstStyle/>
-          <a:p>
-            <a:endParaRPr lang="en-US"/>
-          </a:p>
-        </p:txBody>
-      </p:sp>
-      <p:sp>
-        <p:nvSpPr>
-          <p:cNvPr id="3" name="Content Placeholder 2">
-            <a:extLst>
-              <a:ext uri="{FF2B5EF4-FFF2-40B4-BE49-F238E27FC236}">
-                <a16:creationId xmlns:a16="http://schemas.microsoft.com/office/drawing/2014/main" id="{6624A213-0C03-5FE7-B01E-217728348F64}"/>
-              </a:ext>
-            </a:extLst>
-          </p:cNvPr>
-          <p:cNvSpPr>
-            <a:spLocks noGrp="1"/>
-          </p:cNvSpPr>
-          <p:nvPr>
-            <p:ph idx="1"/>
-          </p:nvPr>
-        </p:nvSpPr>
-        <p:spPr/>
-        <p:txBody>
-          <a:bodyPr/>
-          <a:lstStyle/>
-          <a:p>
-            <a:endParaRPr lang="en-US"/>
+        <p:spPr>
+          <a:xfrm>
+            <a:off x="838200" y="0"/>
+            <a:ext cx="10515600" cy="836579"/>
+          </a:xfrm>
+        </p:spPr>
+        <p:txBody>
+          <a:bodyPr>
+            <a:normAutofit/>
+          </a:bodyPr>
+          <a:lstStyle/>
+          <a:p>
+            <a:r>
+              <a:rPr lang="en-US" sz="3200" dirty="0"/>
+              <a:t>Training Results – ResNet 224x224</a:t>
+            </a:r>
           </a:p>
         </p:txBody>
       </p:sp>
       <p:pic>
         <p:nvPicPr>
-          <p:cNvPr id="9" name="Picture 8" descr="A graph of a graph of a graph&#10;&#10;Description automatically generated with medium confidence">
-            <a:extLst>
-              <a:ext uri="{FF2B5EF4-FFF2-40B4-BE49-F238E27FC236}">
-                <a16:creationId xmlns:a16="http://schemas.microsoft.com/office/drawing/2014/main" id="{5D513335-409C-BC29-3635-301F735640CE}"/>
+          <p:cNvPr id="6" name="Picture 5" descr="A graph of a graph of a graph of a graph of a graph of a graph of a graph of a graph of a graph of a graph of a graph of a graph of a graph of&#10;&#10;Description automatically generated">
+            <a:extLst>
+              <a:ext uri="{FF2B5EF4-FFF2-40B4-BE49-F238E27FC236}">
+                <a16:creationId xmlns:a16="http://schemas.microsoft.com/office/drawing/2014/main" id="{3B7B94FA-FF71-1049-59B3-2B7E06E2099F}"/>
               </a:ext>
             </a:extLst>
           </p:cNvPr>
@@ -8333,7 +8218,7 @@
           </p:cNvPicPr>
           <p:nvPr/>
         </p:nvPicPr>
-        <p:blipFill>
+        <p:blipFill rotWithShape="1">
           <a:blip r:embed="rId2">
             <a:extLst>
               <a:ext uri="{28A0092B-C50C-407E-A947-70E740481C1C}">
@@ -8341,14 +8226,13 @@
               </a:ext>
             </a:extLst>
           </a:blip>
-          <a:stretch>
-            <a:fillRect/>
-          </a:stretch>
+          <a:srcRect t="8862"/>
+          <a:stretch/>
         </p:blipFill>
         <p:spPr>
           <a:xfrm>
-            <a:off x="2539999" y="3485693"/>
-            <a:ext cx="8001005" cy="3333752"/>
+            <a:off x="2540000" y="725745"/>
+            <a:ext cx="7487937" cy="2843474"/>
           </a:xfrm>
           <a:prstGeom prst="rect">
             <a:avLst/>
@@ -8357,10 +8241,10 @@
       </p:pic>
       <p:sp>
         <p:nvSpPr>
-          <p:cNvPr id="10" name="TextBox 9">
-            <a:extLst>
-              <a:ext uri="{FF2B5EF4-FFF2-40B4-BE49-F238E27FC236}">
-                <a16:creationId xmlns:a16="http://schemas.microsoft.com/office/drawing/2014/main" id="{A0008708-FFCB-B443-1978-7605953218FB}"/>
+          <p:cNvPr id="7" name="TextBox 6">
+            <a:extLst>
+              <a:ext uri="{FF2B5EF4-FFF2-40B4-BE49-F238E27FC236}">
+                <a16:creationId xmlns:a16="http://schemas.microsoft.com/office/drawing/2014/main" id="{BC1422A9-4BB5-8991-0A66-6F7B866A6F17}"/>
               </a:ext>
             </a:extLst>
           </p:cNvPr>
@@ -8369,8 +8253,8 @@
         </p:nvSpPr>
         <p:spPr>
           <a:xfrm>
-            <a:off x="284480" y="4413905"/>
-            <a:ext cx="2600960" cy="1477328"/>
+            <a:off x="375920" y="779780"/>
+            <a:ext cx="1930400" cy="646331"/>
           </a:xfrm>
           <a:prstGeom prst="rect">
             <a:avLst/>
@@ -8385,7 +8269,77 @@
           <a:p>
             <a:r>
               <a:rPr lang="en-US" b="1" dirty="0"/>
-              <a:t>LeNet 224x224 SENet </a:t>
+              <a:t>224x224 without SENet</a:t>
+            </a:r>
+          </a:p>
+        </p:txBody>
+      </p:sp>
+      <p:pic>
+        <p:nvPicPr>
+          <p:cNvPr id="9" name="Picture 8" descr="A graph of a graph&#10;&#10;Description automatically generated with medium confidence">
+            <a:extLst>
+              <a:ext uri="{FF2B5EF4-FFF2-40B4-BE49-F238E27FC236}">
+                <a16:creationId xmlns:a16="http://schemas.microsoft.com/office/drawing/2014/main" id="{84B9EB64-71B4-C16C-C70B-2B3CC8D07B1C}"/>
+              </a:ext>
+            </a:extLst>
+          </p:cNvPr>
+          <p:cNvPicPr>
+            <a:picLocks noChangeAspect="1"/>
+          </p:cNvPicPr>
+          <p:nvPr/>
+        </p:nvPicPr>
+        <p:blipFill rotWithShape="1">
+          <a:blip r:embed="rId3">
+            <a:extLst>
+              <a:ext uri="{28A0092B-C50C-407E-A947-70E740481C1C}">
+                <a14:useLocalDpi xmlns:a14="http://schemas.microsoft.com/office/drawing/2010/main" val="0"/>
+              </a:ext>
+            </a:extLst>
+          </a:blip>
+          <a:srcRect t="9482"/>
+          <a:stretch/>
+        </p:blipFill>
+        <p:spPr>
+          <a:xfrm>
+            <a:off x="2362202" y="3749256"/>
+            <a:ext cx="7843531" cy="2958258"/>
+          </a:xfrm>
+          <a:prstGeom prst="rect">
+            <a:avLst/>
+          </a:prstGeom>
+        </p:spPr>
+      </p:pic>
+      <p:sp>
+        <p:nvSpPr>
+          <p:cNvPr id="11" name="TextBox 10">
+            <a:extLst>
+              <a:ext uri="{FF2B5EF4-FFF2-40B4-BE49-F238E27FC236}">
+                <a16:creationId xmlns:a16="http://schemas.microsoft.com/office/drawing/2014/main" id="{E2BA792B-3737-A99F-DCAA-D5B0F81CC434}"/>
+              </a:ext>
+            </a:extLst>
+          </p:cNvPr>
+          <p:cNvSpPr txBox="1"/>
+          <p:nvPr/>
+        </p:nvSpPr>
+        <p:spPr>
+          <a:xfrm>
+            <a:off x="375920" y="3749256"/>
+            <a:ext cx="2164080" cy="1754326"/>
+          </a:xfrm>
+          <a:prstGeom prst="rect">
+            <a:avLst/>
+          </a:prstGeom>
+          <a:noFill/>
+        </p:spPr>
+        <p:txBody>
+          <a:bodyPr wrap="square">
+            <a:spAutoFit/>
+          </a:bodyPr>
+          <a:lstStyle/>
+          <a:p>
+            <a:r>
+              <a:rPr lang="en-US" b="1" dirty="0"/>
+              <a:t>224x224 with SENet</a:t>
             </a:r>
           </a:p>
           <a:p>
@@ -8398,23 +8352,56 @@
             </a:pPr>
             <a:r>
               <a:rPr lang="en-US" dirty="0"/>
-              <a:t>LeNet</a:t>
-            </a:r>
-            <a:r>
-              <a:rPr lang="en-US" b="1" dirty="0"/>
-              <a:t> </a:t>
-            </a:r>
-            <a:r>
-              <a:rPr lang="en-US" dirty="0"/>
-              <a:t>has significant overfitting with and without SENet</a:t>
-            </a:r>
-          </a:p>
-        </p:txBody>
-      </p:sp>
+              <a:t>SENet provides improvements with ResNet</a:t>
+            </a:r>
+          </a:p>
+        </p:txBody>
+      </p:sp>
+      <p:cxnSp>
+        <p:nvCxnSpPr>
+          <p:cNvPr id="2" name="Straight Connector 1">
+            <a:extLst>
+              <a:ext uri="{FF2B5EF4-FFF2-40B4-BE49-F238E27FC236}">
+                <a16:creationId xmlns:a16="http://schemas.microsoft.com/office/drawing/2014/main" id="{95BC55D8-CB3D-41AF-F915-5D1B63DA3BDF}"/>
+              </a:ext>
+            </a:extLst>
+          </p:cNvPr>
+          <p:cNvCxnSpPr/>
+          <p:nvPr/>
+        </p:nvCxnSpPr>
+        <p:spPr>
+          <a:xfrm>
+            <a:off x="0" y="3583939"/>
+            <a:ext cx="12192000" cy="0"/>
+          </a:xfrm>
+          <a:prstGeom prst="line">
+            <a:avLst/>
+          </a:prstGeom>
+          <a:ln>
+            <a:solidFill>
+              <a:schemeClr val="tx1"/>
+            </a:solidFill>
+          </a:ln>
+        </p:spPr>
+        <p:style>
+          <a:lnRef idx="2">
+            <a:schemeClr val="accent1"/>
+          </a:lnRef>
+          <a:fillRef idx="0">
+            <a:schemeClr val="accent1"/>
+          </a:fillRef>
+          <a:effectRef idx="1">
+            <a:schemeClr val="accent1"/>
+          </a:effectRef>
+          <a:fontRef idx="minor">
+            <a:schemeClr val="tx1"/>
+          </a:fontRef>
+        </p:style>
+      </p:cxnSp>
     </p:spTree>
     <p:extLst>
       <p:ext uri="{BB962C8B-B14F-4D97-AF65-F5344CB8AC3E}">
-        <p14:creationId xmlns:p14="http://schemas.microsoft.com/office/powerpoint/2010/main" val="3209603536"/>
+        <p14:creationId xmlns:p14="http://schemas.microsoft.com/office/powerpoint/2010/main" val="3113043071"/>
       </p:ext>
     </p:extLst>
   </p:cSld>
